--- a/LabAssignemnts/AES_Project/Advanced Encryption Standards (AES).pptx
+++ b/LabAssignemnts/AES_Project/Advanced Encryption Standards (AES).pptx
@@ -5,24 +5,25 @@
     <p:sldMasterId id="2147483648" r:id="rId2"/>
     <p:sldMasterId id="2147483661" r:id="rId3"/>
     <p:sldMasterId id="2147483674" r:id="rId4"/>
+    <p:sldMasterId id="2147483687" r:id="rId5"/>
   </p:sldMasterIdLst>
   <p:sldIdLst>
-    <p:sldId id="256" r:id="rId5"/>
-    <p:sldId id="257" r:id="rId6"/>
-    <p:sldId id="258" r:id="rId7"/>
-    <p:sldId id="259" r:id="rId8"/>
-    <p:sldId id="260" r:id="rId9"/>
-    <p:sldId id="261" r:id="rId10"/>
-    <p:sldId id="262" r:id="rId11"/>
-    <p:sldId id="263" r:id="rId12"/>
-    <p:sldId id="264" r:id="rId13"/>
-    <p:sldId id="265" r:id="rId14"/>
-    <p:sldId id="266" r:id="rId15"/>
-    <p:sldId id="267" r:id="rId16"/>
-    <p:sldId id="268" r:id="rId17"/>
+    <p:sldId id="256" r:id="rId6"/>
+    <p:sldId id="257" r:id="rId7"/>
+    <p:sldId id="258" r:id="rId8"/>
+    <p:sldId id="259" r:id="rId9"/>
+    <p:sldId id="260" r:id="rId10"/>
+    <p:sldId id="261" r:id="rId11"/>
+    <p:sldId id="262" r:id="rId12"/>
+    <p:sldId id="263" r:id="rId13"/>
+    <p:sldId id="264" r:id="rId14"/>
+    <p:sldId id="265" r:id="rId15"/>
+    <p:sldId id="266" r:id="rId16"/>
+    <p:sldId id="267" r:id="rId17"/>
+    <p:sldId id="268" r:id="rId18"/>
   </p:sldIdLst>
   <p:sldSz cx="9144000" cy="5143500"/>
-  <p:notesSz cx="6858000" cy="9144000"/>
+  <p:notesSz cx="7772400" cy="10058400"/>
 </p:presentation>
 </file>
 
@@ -67,7 +68,7 @@
       </p:grpSpPr>
       <p:sp>
         <p:nvSpPr>
-          <p:cNvPr id="24" name="PlaceHolder 1"/>
+          <p:cNvPr id="23" name="PlaceHolder 1"/>
           <p:cNvSpPr>
             <a:spLocks noGrp="1"/>
           </p:cNvSpPr>
@@ -77,8 +78,8 @@
         </p:nvSpPr>
         <p:spPr>
           <a:xfrm>
-            <a:off x="311760" y="444960"/>
-            <a:ext cx="8520120" cy="572400"/>
+            <a:off x="311760" y="418320"/>
+            <a:ext cx="8519760" cy="625320"/>
           </a:xfrm>
           <a:prstGeom prst="rect">
             <a:avLst/>
@@ -87,13 +88,14 @@
         <p:txBody>
           <a:bodyPr lIns="0" rIns="0" tIns="0" bIns="0" anchor="ctr"/>
           <a:p>
-            <a:endParaRPr/>
-          </a:p>
-        </p:txBody>
-      </p:sp>
-      <p:sp>
-        <p:nvSpPr>
-          <p:cNvPr id="25" name="PlaceHolder 2"/>
+            <a:pPr algn="ctr"/>
+            <a:endParaRPr/>
+          </a:p>
+        </p:txBody>
+      </p:sp>
+      <p:sp>
+        <p:nvSpPr>
+          <p:cNvPr id="24" name="PlaceHolder 2"/>
           <p:cNvSpPr>
             <a:spLocks noGrp="1"/>
           </p:cNvSpPr>
@@ -104,7 +106,7 @@
         <p:spPr>
           <a:xfrm>
             <a:off x="311760" y="1152360"/>
-            <a:ext cx="8520120" cy="1629360"/>
+            <a:ext cx="8519760" cy="1629000"/>
           </a:xfrm>
           <a:prstGeom prst="rect">
             <a:avLst/>
@@ -119,7 +121,7 @@
       </p:sp>
       <p:sp>
         <p:nvSpPr>
-          <p:cNvPr id="26" name="PlaceHolder 3"/>
+          <p:cNvPr id="25" name="PlaceHolder 3"/>
           <p:cNvSpPr>
             <a:spLocks noGrp="1"/>
           </p:cNvSpPr>
@@ -129,8 +131,8 @@
         </p:nvSpPr>
         <p:spPr>
           <a:xfrm>
-            <a:off x="311760" y="2936880"/>
-            <a:ext cx="8520120" cy="1629360"/>
+            <a:off x="311760" y="2936520"/>
+            <a:ext cx="8519760" cy="1629000"/>
           </a:xfrm>
           <a:prstGeom prst="rect">
             <a:avLst/>
@@ -167,7 +169,7 @@
       </p:grpSpPr>
       <p:sp>
         <p:nvSpPr>
-          <p:cNvPr id="27" name="PlaceHolder 1"/>
+          <p:cNvPr id="26" name="PlaceHolder 1"/>
           <p:cNvSpPr>
             <a:spLocks noGrp="1"/>
           </p:cNvSpPr>
@@ -177,8 +179,8 @@
         </p:nvSpPr>
         <p:spPr>
           <a:xfrm>
-            <a:off x="311760" y="444960"/>
-            <a:ext cx="8520120" cy="572400"/>
+            <a:off x="311760" y="418320"/>
+            <a:ext cx="8519760" cy="625320"/>
           </a:xfrm>
           <a:prstGeom prst="rect">
             <a:avLst/>
@@ -187,13 +189,14 @@
         <p:txBody>
           <a:bodyPr lIns="0" rIns="0" tIns="0" bIns="0" anchor="ctr"/>
           <a:p>
-            <a:endParaRPr/>
-          </a:p>
-        </p:txBody>
-      </p:sp>
-      <p:sp>
-        <p:nvSpPr>
-          <p:cNvPr id="28" name="PlaceHolder 2"/>
+            <a:pPr algn="ctr"/>
+            <a:endParaRPr/>
+          </a:p>
+        </p:txBody>
+      </p:sp>
+      <p:sp>
+        <p:nvSpPr>
+          <p:cNvPr id="27" name="PlaceHolder 2"/>
           <p:cNvSpPr>
             <a:spLocks noGrp="1"/>
           </p:cNvSpPr>
@@ -204,7 +207,7 @@
         <p:spPr>
           <a:xfrm>
             <a:off x="311760" y="1152360"/>
-            <a:ext cx="4157640" cy="1629360"/>
+            <a:ext cx="4157280" cy="1629000"/>
           </a:xfrm>
           <a:prstGeom prst="rect">
             <a:avLst/>
@@ -219,7 +222,7 @@
       </p:sp>
       <p:sp>
         <p:nvSpPr>
-          <p:cNvPr id="29" name="PlaceHolder 3"/>
+          <p:cNvPr id="28" name="PlaceHolder 3"/>
           <p:cNvSpPr>
             <a:spLocks noGrp="1"/>
           </p:cNvSpPr>
@@ -229,8 +232,8 @@
         </p:nvSpPr>
         <p:spPr>
           <a:xfrm>
-            <a:off x="4677840" y="1152360"/>
-            <a:ext cx="4157640" cy="1629360"/>
+            <a:off x="4677120" y="1152360"/>
+            <a:ext cx="4157280" cy="1629000"/>
           </a:xfrm>
           <a:prstGeom prst="rect">
             <a:avLst/>
@@ -245,7 +248,7 @@
       </p:sp>
       <p:sp>
         <p:nvSpPr>
-          <p:cNvPr id="30" name="PlaceHolder 4"/>
+          <p:cNvPr id="29" name="PlaceHolder 4"/>
           <p:cNvSpPr>
             <a:spLocks noGrp="1"/>
           </p:cNvSpPr>
@@ -255,8 +258,8 @@
         </p:nvSpPr>
         <p:spPr>
           <a:xfrm>
-            <a:off x="4677840" y="2936880"/>
-            <a:ext cx="4157640" cy="1629360"/>
+            <a:off x="4677120" y="2936520"/>
+            <a:ext cx="4157280" cy="1629000"/>
           </a:xfrm>
           <a:prstGeom prst="rect">
             <a:avLst/>
@@ -271,7 +274,7 @@
       </p:sp>
       <p:sp>
         <p:nvSpPr>
-          <p:cNvPr id="31" name="PlaceHolder 5"/>
+          <p:cNvPr id="30" name="PlaceHolder 5"/>
           <p:cNvSpPr>
             <a:spLocks noGrp="1"/>
           </p:cNvSpPr>
@@ -281,8 +284,8 @@
         </p:nvSpPr>
         <p:spPr>
           <a:xfrm>
-            <a:off x="311760" y="2936880"/>
-            <a:ext cx="4157640" cy="1629360"/>
+            <a:off x="311760" y="2936520"/>
+            <a:ext cx="4157280" cy="1629000"/>
           </a:xfrm>
           <a:prstGeom prst="rect">
             <a:avLst/>
@@ -319,7 +322,7 @@
       </p:grpSpPr>
       <p:sp>
         <p:nvSpPr>
-          <p:cNvPr id="32" name="PlaceHolder 1"/>
+          <p:cNvPr id="31" name="PlaceHolder 1"/>
           <p:cNvSpPr>
             <a:spLocks noGrp="1"/>
           </p:cNvSpPr>
@@ -329,8 +332,8 @@
         </p:nvSpPr>
         <p:spPr>
           <a:xfrm>
-            <a:off x="311760" y="444960"/>
-            <a:ext cx="8520120" cy="572400"/>
+            <a:off x="311760" y="418320"/>
+            <a:ext cx="8519760" cy="625320"/>
           </a:xfrm>
           <a:prstGeom prst="rect">
             <a:avLst/>
@@ -339,13 +342,14 @@
         <p:txBody>
           <a:bodyPr lIns="0" rIns="0" tIns="0" bIns="0" anchor="ctr"/>
           <a:p>
-            <a:endParaRPr/>
-          </a:p>
-        </p:txBody>
-      </p:sp>
-      <p:sp>
-        <p:nvSpPr>
-          <p:cNvPr id="33" name="PlaceHolder 2"/>
+            <a:pPr algn="ctr"/>
+            <a:endParaRPr/>
+          </a:p>
+        </p:txBody>
+      </p:sp>
+      <p:sp>
+        <p:nvSpPr>
+          <p:cNvPr id="32" name="PlaceHolder 2"/>
           <p:cNvSpPr>
             <a:spLocks noGrp="1"/>
           </p:cNvSpPr>
@@ -356,7 +360,7 @@
         <p:spPr>
           <a:xfrm>
             <a:off x="311760" y="1152360"/>
-            <a:ext cx="8520120" cy="3416040"/>
+            <a:ext cx="8519760" cy="3415680"/>
           </a:xfrm>
           <a:prstGeom prst="rect">
             <a:avLst/>
@@ -371,7 +375,7 @@
       </p:sp>
       <p:sp>
         <p:nvSpPr>
-          <p:cNvPr id="34" name="PlaceHolder 3"/>
+          <p:cNvPr id="33" name="PlaceHolder 3"/>
           <p:cNvSpPr>
             <a:spLocks noGrp="1"/>
           </p:cNvSpPr>
@@ -382,7 +386,7 @@
         <p:spPr>
           <a:xfrm>
             <a:off x="311760" y="1152360"/>
-            <a:ext cx="8520120" cy="3416040"/>
+            <a:ext cx="8519760" cy="3415680"/>
           </a:xfrm>
           <a:prstGeom prst="rect">
             <a:avLst/>
@@ -395,6 +399,29 @@
           </a:p>
         </p:txBody>
       </p:sp>
+      <p:pic>
+        <p:nvPicPr>
+          <p:cNvPr id="34" name="" descr=""/>
+          <p:cNvPicPr/>
+          <p:nvPr/>
+        </p:nvPicPr>
+        <p:blipFill>
+          <a:blip r:embed="rId2"/>
+          <a:stretch/>
+        </p:blipFill>
+        <p:spPr>
+          <a:xfrm>
+            <a:off x="2431080" y="1152360"/>
+            <a:ext cx="4280760" cy="3415680"/>
+          </a:xfrm>
+          <a:prstGeom prst="rect">
+            <a:avLst/>
+          </a:prstGeom>
+          <a:ln>
+            <a:noFill/>
+          </a:ln>
+        </p:spPr>
+      </p:pic>
       <p:pic>
         <p:nvPicPr>
           <p:cNvPr id="35" name="" descr=""/>
@@ -402,36 +429,13 @@
           <p:nvPr/>
         </p:nvPicPr>
         <p:blipFill>
-          <a:blip r:embed="rId2"/>
-          <a:stretch/>
-        </p:blipFill>
-        <p:spPr>
-          <a:xfrm>
-            <a:off x="2430720" y="1152000"/>
-            <a:ext cx="4281480" cy="3416040"/>
-          </a:xfrm>
-          <a:prstGeom prst="rect">
-            <a:avLst/>
-          </a:prstGeom>
-          <a:ln>
-            <a:noFill/>
-          </a:ln>
-        </p:spPr>
-      </p:pic>
-      <p:pic>
-        <p:nvPicPr>
-          <p:cNvPr id="36" name="" descr=""/>
-          <p:cNvPicPr/>
-          <p:nvPr/>
-        </p:nvPicPr>
-        <p:blipFill>
           <a:blip r:embed="rId3"/>
           <a:stretch/>
         </p:blipFill>
         <p:spPr>
           <a:xfrm>
-            <a:off x="2430720" y="1152000"/>
-            <a:ext cx="4281480" cy="3416040"/>
+            <a:off x="2431080" y="1152360"/>
+            <a:ext cx="4280760" cy="3415680"/>
           </a:xfrm>
           <a:prstGeom prst="rect">
             <a:avLst/>
@@ -487,7 +491,7 @@
       </p:grpSpPr>
       <p:sp>
         <p:nvSpPr>
-          <p:cNvPr id="40" name="PlaceHolder 1"/>
+          <p:cNvPr id="38" name="PlaceHolder 1"/>
           <p:cNvSpPr>
             <a:spLocks noGrp="1"/>
           </p:cNvSpPr>
@@ -497,8 +501,8 @@
         </p:nvSpPr>
         <p:spPr>
           <a:xfrm>
-            <a:off x="311760" y="444960"/>
-            <a:ext cx="8520120" cy="572400"/>
+            <a:off x="311760" y="418320"/>
+            <a:ext cx="8519760" cy="625320"/>
           </a:xfrm>
           <a:prstGeom prst="rect">
             <a:avLst/>
@@ -507,13 +511,14 @@
         <p:txBody>
           <a:bodyPr lIns="0" rIns="0" tIns="0" bIns="0" anchor="ctr"/>
           <a:p>
-            <a:endParaRPr/>
-          </a:p>
-        </p:txBody>
-      </p:sp>
-      <p:sp>
-        <p:nvSpPr>
-          <p:cNvPr id="41" name="PlaceHolder 2"/>
+            <a:pPr algn="ctr"/>
+            <a:endParaRPr/>
+          </a:p>
+        </p:txBody>
+      </p:sp>
+      <p:sp>
+        <p:nvSpPr>
+          <p:cNvPr id="39" name="PlaceHolder 2"/>
           <p:cNvSpPr>
             <a:spLocks noGrp="1"/>
           </p:cNvSpPr>
@@ -524,7 +529,7 @@
         <p:spPr>
           <a:xfrm>
             <a:off x="311760" y="1152360"/>
-            <a:ext cx="8520120" cy="3416040"/>
+            <a:ext cx="8519760" cy="3415680"/>
           </a:xfrm>
           <a:prstGeom prst="rect">
             <a:avLst/>
@@ -562,7 +567,7 @@
       </p:grpSpPr>
       <p:sp>
         <p:nvSpPr>
-          <p:cNvPr id="42" name="PlaceHolder 1"/>
+          <p:cNvPr id="40" name="PlaceHolder 1"/>
           <p:cNvSpPr>
             <a:spLocks noGrp="1"/>
           </p:cNvSpPr>
@@ -572,8 +577,8 @@
         </p:nvSpPr>
         <p:spPr>
           <a:xfrm>
-            <a:off x="311760" y="444960"/>
-            <a:ext cx="8520120" cy="572400"/>
+            <a:off x="311760" y="418320"/>
+            <a:ext cx="8519760" cy="625320"/>
           </a:xfrm>
           <a:prstGeom prst="rect">
             <a:avLst/>
@@ -582,13 +587,14 @@
         <p:txBody>
           <a:bodyPr lIns="0" rIns="0" tIns="0" bIns="0" anchor="ctr"/>
           <a:p>
-            <a:endParaRPr/>
-          </a:p>
-        </p:txBody>
-      </p:sp>
-      <p:sp>
-        <p:nvSpPr>
-          <p:cNvPr id="43" name="PlaceHolder 2"/>
+            <a:pPr algn="ctr"/>
+            <a:endParaRPr/>
+          </a:p>
+        </p:txBody>
+      </p:sp>
+      <p:sp>
+        <p:nvSpPr>
+          <p:cNvPr id="41" name="PlaceHolder 2"/>
           <p:cNvSpPr>
             <a:spLocks noGrp="1"/>
           </p:cNvSpPr>
@@ -599,7 +605,7 @@
         <p:spPr>
           <a:xfrm>
             <a:off x="311760" y="1152360"/>
-            <a:ext cx="8520120" cy="3416040"/>
+            <a:ext cx="8519760" cy="3415680"/>
           </a:xfrm>
           <a:prstGeom prst="rect">
             <a:avLst/>
@@ -636,7 +642,7 @@
       </p:grpSpPr>
       <p:sp>
         <p:nvSpPr>
-          <p:cNvPr id="44" name="PlaceHolder 1"/>
+          <p:cNvPr id="42" name="PlaceHolder 1"/>
           <p:cNvSpPr>
             <a:spLocks noGrp="1"/>
           </p:cNvSpPr>
@@ -646,8 +652,8 @@
         </p:nvSpPr>
         <p:spPr>
           <a:xfrm>
-            <a:off x="311760" y="444960"/>
-            <a:ext cx="8520120" cy="572400"/>
+            <a:off x="311760" y="418320"/>
+            <a:ext cx="8519760" cy="625320"/>
           </a:xfrm>
           <a:prstGeom prst="rect">
             <a:avLst/>
@@ -656,13 +662,14 @@
         <p:txBody>
           <a:bodyPr lIns="0" rIns="0" tIns="0" bIns="0" anchor="ctr"/>
           <a:p>
-            <a:endParaRPr/>
-          </a:p>
-        </p:txBody>
-      </p:sp>
-      <p:sp>
-        <p:nvSpPr>
-          <p:cNvPr id="45" name="PlaceHolder 2"/>
+            <a:pPr algn="ctr"/>
+            <a:endParaRPr/>
+          </a:p>
+        </p:txBody>
+      </p:sp>
+      <p:sp>
+        <p:nvSpPr>
+          <p:cNvPr id="43" name="PlaceHolder 2"/>
           <p:cNvSpPr>
             <a:spLocks noGrp="1"/>
           </p:cNvSpPr>
@@ -673,7 +680,7 @@
         <p:spPr>
           <a:xfrm>
             <a:off x="311760" y="1152360"/>
-            <a:ext cx="4157640" cy="3416040"/>
+            <a:ext cx="4157280" cy="3415680"/>
           </a:xfrm>
           <a:prstGeom prst="rect">
             <a:avLst/>
@@ -688,7 +695,7 @@
       </p:sp>
       <p:sp>
         <p:nvSpPr>
-          <p:cNvPr id="46" name="PlaceHolder 3"/>
+          <p:cNvPr id="44" name="PlaceHolder 3"/>
           <p:cNvSpPr>
             <a:spLocks noGrp="1"/>
           </p:cNvSpPr>
@@ -698,8 +705,8 @@
         </p:nvSpPr>
         <p:spPr>
           <a:xfrm>
-            <a:off x="4677840" y="1152360"/>
-            <a:ext cx="4157640" cy="3416040"/>
+            <a:off x="4677120" y="1152360"/>
+            <a:ext cx="4157280" cy="3415680"/>
           </a:xfrm>
           <a:prstGeom prst="rect">
             <a:avLst/>
@@ -736,7 +743,7 @@
       </p:grpSpPr>
       <p:sp>
         <p:nvSpPr>
-          <p:cNvPr id="47" name="PlaceHolder 1"/>
+          <p:cNvPr id="45" name="PlaceHolder 1"/>
           <p:cNvSpPr>
             <a:spLocks noGrp="1"/>
           </p:cNvSpPr>
@@ -746,8 +753,8 @@
         </p:nvSpPr>
         <p:spPr>
           <a:xfrm>
-            <a:off x="311760" y="444960"/>
-            <a:ext cx="8520120" cy="572400"/>
+            <a:off x="311760" y="418320"/>
+            <a:ext cx="8519760" cy="625320"/>
           </a:xfrm>
           <a:prstGeom prst="rect">
             <a:avLst/>
@@ -756,6 +763,7 @@
         <p:txBody>
           <a:bodyPr lIns="0" rIns="0" tIns="0" bIns="0" anchor="ctr"/>
           <a:p>
+            <a:pPr algn="ctr"/>
             <a:endParaRPr/>
           </a:p>
         </p:txBody>
@@ -784,7 +792,7 @@
       </p:grpSpPr>
       <p:sp>
         <p:nvSpPr>
-          <p:cNvPr id="48" name="PlaceHolder 1"/>
+          <p:cNvPr id="46" name="PlaceHolder 1"/>
           <p:cNvSpPr>
             <a:spLocks noGrp="1"/>
           </p:cNvSpPr>
@@ -795,7 +803,7 @@
         <p:spPr>
           <a:xfrm>
             <a:off x="311760" y="444960"/>
-            <a:ext cx="8520120" cy="2654640"/>
+            <a:ext cx="8519760" cy="2652840"/>
           </a:xfrm>
           <a:prstGeom prst="rect">
             <a:avLst/>
@@ -833,7 +841,7 @@
       </p:grpSpPr>
       <p:sp>
         <p:nvSpPr>
-          <p:cNvPr id="49" name="PlaceHolder 1"/>
+          <p:cNvPr id="47" name="PlaceHolder 1"/>
           <p:cNvSpPr>
             <a:spLocks noGrp="1"/>
           </p:cNvSpPr>
@@ -843,8 +851,8 @@
         </p:nvSpPr>
         <p:spPr>
           <a:xfrm>
-            <a:off x="311760" y="444960"/>
-            <a:ext cx="8520120" cy="572400"/>
+            <a:off x="311760" y="418320"/>
+            <a:ext cx="8519760" cy="625320"/>
           </a:xfrm>
           <a:prstGeom prst="rect">
             <a:avLst/>
@@ -853,13 +861,14 @@
         <p:txBody>
           <a:bodyPr lIns="0" rIns="0" tIns="0" bIns="0" anchor="ctr"/>
           <a:p>
-            <a:endParaRPr/>
-          </a:p>
-        </p:txBody>
-      </p:sp>
-      <p:sp>
-        <p:nvSpPr>
-          <p:cNvPr id="50" name="PlaceHolder 2"/>
+            <a:pPr algn="ctr"/>
+            <a:endParaRPr/>
+          </a:p>
+        </p:txBody>
+      </p:sp>
+      <p:sp>
+        <p:nvSpPr>
+          <p:cNvPr id="48" name="PlaceHolder 2"/>
           <p:cNvSpPr>
             <a:spLocks noGrp="1"/>
           </p:cNvSpPr>
@@ -870,7 +879,7 @@
         <p:spPr>
           <a:xfrm>
             <a:off x="311760" y="1152360"/>
-            <a:ext cx="4157640" cy="1629360"/>
+            <a:ext cx="4157280" cy="1629000"/>
           </a:xfrm>
           <a:prstGeom prst="rect">
             <a:avLst/>
@@ -885,7 +894,7 @@
       </p:sp>
       <p:sp>
         <p:nvSpPr>
-          <p:cNvPr id="51" name="PlaceHolder 3"/>
+          <p:cNvPr id="49" name="PlaceHolder 3"/>
           <p:cNvSpPr>
             <a:spLocks noGrp="1"/>
           </p:cNvSpPr>
@@ -895,8 +904,8 @@
         </p:nvSpPr>
         <p:spPr>
           <a:xfrm>
-            <a:off x="311760" y="2936880"/>
-            <a:ext cx="4157640" cy="1629360"/>
+            <a:off x="311760" y="2936520"/>
+            <a:ext cx="4157280" cy="1629000"/>
           </a:xfrm>
           <a:prstGeom prst="rect">
             <a:avLst/>
@@ -911,7 +920,7 @@
       </p:sp>
       <p:sp>
         <p:nvSpPr>
-          <p:cNvPr id="52" name="PlaceHolder 4"/>
+          <p:cNvPr id="50" name="PlaceHolder 4"/>
           <p:cNvSpPr>
             <a:spLocks noGrp="1"/>
           </p:cNvSpPr>
@@ -921,8 +930,8 @@
         </p:nvSpPr>
         <p:spPr>
           <a:xfrm>
-            <a:off x="4677840" y="1152360"/>
-            <a:ext cx="4157640" cy="3416040"/>
+            <a:off x="4677120" y="1152360"/>
+            <a:ext cx="4157280" cy="3415680"/>
           </a:xfrm>
           <a:prstGeom prst="rect">
             <a:avLst/>
@@ -959,7 +968,7 @@
       </p:grpSpPr>
       <p:sp>
         <p:nvSpPr>
-          <p:cNvPr id="3" name="PlaceHolder 1"/>
+          <p:cNvPr id="2" name="PlaceHolder 1"/>
           <p:cNvSpPr>
             <a:spLocks noGrp="1"/>
           </p:cNvSpPr>
@@ -969,8 +978,8 @@
         </p:nvSpPr>
         <p:spPr>
           <a:xfrm>
-            <a:off x="311760" y="444960"/>
-            <a:ext cx="8520120" cy="572400"/>
+            <a:off x="311760" y="418320"/>
+            <a:ext cx="8519760" cy="625320"/>
           </a:xfrm>
           <a:prstGeom prst="rect">
             <a:avLst/>
@@ -979,13 +988,14 @@
         <p:txBody>
           <a:bodyPr lIns="0" rIns="0" tIns="0" bIns="0" anchor="ctr"/>
           <a:p>
-            <a:endParaRPr/>
-          </a:p>
-        </p:txBody>
-      </p:sp>
-      <p:sp>
-        <p:nvSpPr>
-          <p:cNvPr id="4" name="PlaceHolder 2"/>
+            <a:pPr algn="ctr"/>
+            <a:endParaRPr/>
+          </a:p>
+        </p:txBody>
+      </p:sp>
+      <p:sp>
+        <p:nvSpPr>
+          <p:cNvPr id="3" name="PlaceHolder 2"/>
           <p:cNvSpPr>
             <a:spLocks noGrp="1"/>
           </p:cNvSpPr>
@@ -996,7 +1006,7 @@
         <p:spPr>
           <a:xfrm>
             <a:off x="311760" y="1152360"/>
-            <a:ext cx="8520120" cy="3416040"/>
+            <a:ext cx="8519760" cy="3415680"/>
           </a:xfrm>
           <a:prstGeom prst="rect">
             <a:avLst/>
@@ -1034,7 +1044,7 @@
       </p:grpSpPr>
       <p:sp>
         <p:nvSpPr>
-          <p:cNvPr id="53" name="PlaceHolder 1"/>
+          <p:cNvPr id="51" name="PlaceHolder 1"/>
           <p:cNvSpPr>
             <a:spLocks noGrp="1"/>
           </p:cNvSpPr>
@@ -1044,8 +1054,8 @@
         </p:nvSpPr>
         <p:spPr>
           <a:xfrm>
-            <a:off x="311760" y="444960"/>
-            <a:ext cx="8520120" cy="572400"/>
+            <a:off x="311760" y="418320"/>
+            <a:ext cx="8519760" cy="625320"/>
           </a:xfrm>
           <a:prstGeom prst="rect">
             <a:avLst/>
@@ -1054,13 +1064,14 @@
         <p:txBody>
           <a:bodyPr lIns="0" rIns="0" tIns="0" bIns="0" anchor="ctr"/>
           <a:p>
-            <a:endParaRPr/>
-          </a:p>
-        </p:txBody>
-      </p:sp>
-      <p:sp>
-        <p:nvSpPr>
-          <p:cNvPr id="54" name="PlaceHolder 2"/>
+            <a:pPr algn="ctr"/>
+            <a:endParaRPr/>
+          </a:p>
+        </p:txBody>
+      </p:sp>
+      <p:sp>
+        <p:nvSpPr>
+          <p:cNvPr id="52" name="PlaceHolder 2"/>
           <p:cNvSpPr>
             <a:spLocks noGrp="1"/>
           </p:cNvSpPr>
@@ -1071,7 +1082,7 @@
         <p:spPr>
           <a:xfrm>
             <a:off x="311760" y="1152360"/>
-            <a:ext cx="4157640" cy="3416040"/>
+            <a:ext cx="4157280" cy="3415680"/>
           </a:xfrm>
           <a:prstGeom prst="rect">
             <a:avLst/>
@@ -1086,7 +1097,7 @@
       </p:sp>
       <p:sp>
         <p:nvSpPr>
-          <p:cNvPr id="55" name="PlaceHolder 3"/>
+          <p:cNvPr id="53" name="PlaceHolder 3"/>
           <p:cNvSpPr>
             <a:spLocks noGrp="1"/>
           </p:cNvSpPr>
@@ -1096,8 +1107,8 @@
         </p:nvSpPr>
         <p:spPr>
           <a:xfrm>
-            <a:off x="4677840" y="1152360"/>
-            <a:ext cx="4157640" cy="1629360"/>
+            <a:off x="4677120" y="1152360"/>
+            <a:ext cx="4157280" cy="1629000"/>
           </a:xfrm>
           <a:prstGeom prst="rect">
             <a:avLst/>
@@ -1112,7 +1123,7 @@
       </p:sp>
       <p:sp>
         <p:nvSpPr>
-          <p:cNvPr id="56" name="PlaceHolder 4"/>
+          <p:cNvPr id="54" name="PlaceHolder 4"/>
           <p:cNvSpPr>
             <a:spLocks noGrp="1"/>
           </p:cNvSpPr>
@@ -1122,8 +1133,8 @@
         </p:nvSpPr>
         <p:spPr>
           <a:xfrm>
-            <a:off x="4677840" y="2936880"/>
-            <a:ext cx="4157640" cy="1629360"/>
+            <a:off x="4677120" y="2936520"/>
+            <a:ext cx="4157280" cy="1629000"/>
           </a:xfrm>
           <a:prstGeom prst="rect">
             <a:avLst/>
@@ -1160,7 +1171,7 @@
       </p:grpSpPr>
       <p:sp>
         <p:nvSpPr>
-          <p:cNvPr id="57" name="PlaceHolder 1"/>
+          <p:cNvPr id="55" name="PlaceHolder 1"/>
           <p:cNvSpPr>
             <a:spLocks noGrp="1"/>
           </p:cNvSpPr>
@@ -1170,8 +1181,8 @@
         </p:nvSpPr>
         <p:spPr>
           <a:xfrm>
-            <a:off x="311760" y="444960"/>
-            <a:ext cx="8520120" cy="572400"/>
+            <a:off x="311760" y="418320"/>
+            <a:ext cx="8519760" cy="625320"/>
           </a:xfrm>
           <a:prstGeom prst="rect">
             <a:avLst/>
@@ -1180,13 +1191,14 @@
         <p:txBody>
           <a:bodyPr lIns="0" rIns="0" tIns="0" bIns="0" anchor="ctr"/>
           <a:p>
-            <a:endParaRPr/>
-          </a:p>
-        </p:txBody>
-      </p:sp>
-      <p:sp>
-        <p:nvSpPr>
-          <p:cNvPr id="58" name="PlaceHolder 2"/>
+            <a:pPr algn="ctr"/>
+            <a:endParaRPr/>
+          </a:p>
+        </p:txBody>
+      </p:sp>
+      <p:sp>
+        <p:nvSpPr>
+          <p:cNvPr id="56" name="PlaceHolder 2"/>
           <p:cNvSpPr>
             <a:spLocks noGrp="1"/>
           </p:cNvSpPr>
@@ -1197,7 +1209,7 @@
         <p:spPr>
           <a:xfrm>
             <a:off x="311760" y="1152360"/>
-            <a:ext cx="4157640" cy="1629360"/>
+            <a:ext cx="4157280" cy="1629000"/>
           </a:xfrm>
           <a:prstGeom prst="rect">
             <a:avLst/>
@@ -1212,7 +1224,7 @@
       </p:sp>
       <p:sp>
         <p:nvSpPr>
-          <p:cNvPr id="59" name="PlaceHolder 3"/>
+          <p:cNvPr id="57" name="PlaceHolder 3"/>
           <p:cNvSpPr>
             <a:spLocks noGrp="1"/>
           </p:cNvSpPr>
@@ -1222,8 +1234,8 @@
         </p:nvSpPr>
         <p:spPr>
           <a:xfrm>
-            <a:off x="4677840" y="1152360"/>
-            <a:ext cx="4157640" cy="1629360"/>
+            <a:off x="4677120" y="1152360"/>
+            <a:ext cx="4157280" cy="1629000"/>
           </a:xfrm>
           <a:prstGeom prst="rect">
             <a:avLst/>
@@ -1238,7 +1250,7 @@
       </p:sp>
       <p:sp>
         <p:nvSpPr>
-          <p:cNvPr id="60" name="PlaceHolder 4"/>
+          <p:cNvPr id="58" name="PlaceHolder 4"/>
           <p:cNvSpPr>
             <a:spLocks noGrp="1"/>
           </p:cNvSpPr>
@@ -1248,8 +1260,8 @@
         </p:nvSpPr>
         <p:spPr>
           <a:xfrm>
-            <a:off x="311760" y="2936880"/>
-            <a:ext cx="8520120" cy="1629360"/>
+            <a:off x="311760" y="2936520"/>
+            <a:ext cx="8519760" cy="1629000"/>
           </a:xfrm>
           <a:prstGeom prst="rect">
             <a:avLst/>
@@ -1286,7 +1298,7 @@
       </p:grpSpPr>
       <p:sp>
         <p:nvSpPr>
-          <p:cNvPr id="61" name="PlaceHolder 1"/>
+          <p:cNvPr id="59" name="PlaceHolder 1"/>
           <p:cNvSpPr>
             <a:spLocks noGrp="1"/>
           </p:cNvSpPr>
@@ -1296,8 +1308,8 @@
         </p:nvSpPr>
         <p:spPr>
           <a:xfrm>
-            <a:off x="311760" y="444960"/>
-            <a:ext cx="8520120" cy="572400"/>
+            <a:off x="311760" y="418320"/>
+            <a:ext cx="8519760" cy="625320"/>
           </a:xfrm>
           <a:prstGeom prst="rect">
             <a:avLst/>
@@ -1306,13 +1318,14 @@
         <p:txBody>
           <a:bodyPr lIns="0" rIns="0" tIns="0" bIns="0" anchor="ctr"/>
           <a:p>
-            <a:endParaRPr/>
-          </a:p>
-        </p:txBody>
-      </p:sp>
-      <p:sp>
-        <p:nvSpPr>
-          <p:cNvPr id="62" name="PlaceHolder 2"/>
+            <a:pPr algn="ctr"/>
+            <a:endParaRPr/>
+          </a:p>
+        </p:txBody>
+      </p:sp>
+      <p:sp>
+        <p:nvSpPr>
+          <p:cNvPr id="60" name="PlaceHolder 2"/>
           <p:cNvSpPr>
             <a:spLocks noGrp="1"/>
           </p:cNvSpPr>
@@ -1323,7 +1336,7 @@
         <p:spPr>
           <a:xfrm>
             <a:off x="311760" y="1152360"/>
-            <a:ext cx="8520120" cy="1629360"/>
+            <a:ext cx="8519760" cy="1629000"/>
           </a:xfrm>
           <a:prstGeom prst="rect">
             <a:avLst/>
@@ -1338,7 +1351,7 @@
       </p:sp>
       <p:sp>
         <p:nvSpPr>
-          <p:cNvPr id="63" name="PlaceHolder 3"/>
+          <p:cNvPr id="61" name="PlaceHolder 3"/>
           <p:cNvSpPr>
             <a:spLocks noGrp="1"/>
           </p:cNvSpPr>
@@ -1348,8 +1361,8 @@
         </p:nvSpPr>
         <p:spPr>
           <a:xfrm>
-            <a:off x="311760" y="2936880"/>
-            <a:ext cx="8520120" cy="1629360"/>
+            <a:off x="311760" y="2936520"/>
+            <a:ext cx="8519760" cy="1629000"/>
           </a:xfrm>
           <a:prstGeom prst="rect">
             <a:avLst/>
@@ -1386,7 +1399,7 @@
       </p:grpSpPr>
       <p:sp>
         <p:nvSpPr>
-          <p:cNvPr id="64" name="PlaceHolder 1"/>
+          <p:cNvPr id="62" name="PlaceHolder 1"/>
           <p:cNvSpPr>
             <a:spLocks noGrp="1"/>
           </p:cNvSpPr>
@@ -1396,8 +1409,8 @@
         </p:nvSpPr>
         <p:spPr>
           <a:xfrm>
-            <a:off x="311760" y="444960"/>
-            <a:ext cx="8520120" cy="572400"/>
+            <a:off x="311760" y="418320"/>
+            <a:ext cx="8519760" cy="625320"/>
           </a:xfrm>
           <a:prstGeom prst="rect">
             <a:avLst/>
@@ -1406,13 +1419,14 @@
         <p:txBody>
           <a:bodyPr lIns="0" rIns="0" tIns="0" bIns="0" anchor="ctr"/>
           <a:p>
-            <a:endParaRPr/>
-          </a:p>
-        </p:txBody>
-      </p:sp>
-      <p:sp>
-        <p:nvSpPr>
-          <p:cNvPr id="65" name="PlaceHolder 2"/>
+            <a:pPr algn="ctr"/>
+            <a:endParaRPr/>
+          </a:p>
+        </p:txBody>
+      </p:sp>
+      <p:sp>
+        <p:nvSpPr>
+          <p:cNvPr id="63" name="PlaceHolder 2"/>
           <p:cNvSpPr>
             <a:spLocks noGrp="1"/>
           </p:cNvSpPr>
@@ -1423,7 +1437,7 @@
         <p:spPr>
           <a:xfrm>
             <a:off x="311760" y="1152360"/>
-            <a:ext cx="4157640" cy="1629360"/>
+            <a:ext cx="4157280" cy="1629000"/>
           </a:xfrm>
           <a:prstGeom prst="rect">
             <a:avLst/>
@@ -1438,7 +1452,7 @@
       </p:sp>
       <p:sp>
         <p:nvSpPr>
-          <p:cNvPr id="66" name="PlaceHolder 3"/>
+          <p:cNvPr id="64" name="PlaceHolder 3"/>
           <p:cNvSpPr>
             <a:spLocks noGrp="1"/>
           </p:cNvSpPr>
@@ -1448,8 +1462,8 @@
         </p:nvSpPr>
         <p:spPr>
           <a:xfrm>
-            <a:off x="4677840" y="1152360"/>
-            <a:ext cx="4157640" cy="1629360"/>
+            <a:off x="4677120" y="1152360"/>
+            <a:ext cx="4157280" cy="1629000"/>
           </a:xfrm>
           <a:prstGeom prst="rect">
             <a:avLst/>
@@ -1464,7 +1478,7 @@
       </p:sp>
       <p:sp>
         <p:nvSpPr>
-          <p:cNvPr id="67" name="PlaceHolder 4"/>
+          <p:cNvPr id="65" name="PlaceHolder 4"/>
           <p:cNvSpPr>
             <a:spLocks noGrp="1"/>
           </p:cNvSpPr>
@@ -1474,8 +1488,8 @@
         </p:nvSpPr>
         <p:spPr>
           <a:xfrm>
-            <a:off x="4677840" y="2936880"/>
-            <a:ext cx="4157640" cy="1629360"/>
+            <a:off x="4677120" y="2936520"/>
+            <a:ext cx="4157280" cy="1629000"/>
           </a:xfrm>
           <a:prstGeom prst="rect">
             <a:avLst/>
@@ -1490,7 +1504,7 @@
       </p:sp>
       <p:sp>
         <p:nvSpPr>
-          <p:cNvPr id="68" name="PlaceHolder 5"/>
+          <p:cNvPr id="66" name="PlaceHolder 5"/>
           <p:cNvSpPr>
             <a:spLocks noGrp="1"/>
           </p:cNvSpPr>
@@ -1500,8 +1514,8 @@
         </p:nvSpPr>
         <p:spPr>
           <a:xfrm>
-            <a:off x="311760" y="2936880"/>
-            <a:ext cx="4157640" cy="1629360"/>
+            <a:off x="311760" y="2936520"/>
+            <a:ext cx="4157280" cy="1629000"/>
           </a:xfrm>
           <a:prstGeom prst="rect">
             <a:avLst/>
@@ -1538,7 +1552,7 @@
       </p:grpSpPr>
       <p:sp>
         <p:nvSpPr>
-          <p:cNvPr id="69" name="PlaceHolder 1"/>
+          <p:cNvPr id="67" name="PlaceHolder 1"/>
           <p:cNvSpPr>
             <a:spLocks noGrp="1"/>
           </p:cNvSpPr>
@@ -1548,8 +1562,8 @@
         </p:nvSpPr>
         <p:spPr>
           <a:xfrm>
-            <a:off x="311760" y="444960"/>
-            <a:ext cx="8520120" cy="572400"/>
+            <a:off x="311760" y="418320"/>
+            <a:ext cx="8519760" cy="625320"/>
           </a:xfrm>
           <a:prstGeom prst="rect">
             <a:avLst/>
@@ -1558,13 +1572,14 @@
         <p:txBody>
           <a:bodyPr lIns="0" rIns="0" tIns="0" bIns="0" anchor="ctr"/>
           <a:p>
-            <a:endParaRPr/>
-          </a:p>
-        </p:txBody>
-      </p:sp>
-      <p:sp>
-        <p:nvSpPr>
-          <p:cNvPr id="70" name="PlaceHolder 2"/>
+            <a:pPr algn="ctr"/>
+            <a:endParaRPr/>
+          </a:p>
+        </p:txBody>
+      </p:sp>
+      <p:sp>
+        <p:nvSpPr>
+          <p:cNvPr id="68" name="PlaceHolder 2"/>
           <p:cNvSpPr>
             <a:spLocks noGrp="1"/>
           </p:cNvSpPr>
@@ -1575,7 +1590,7 @@
         <p:spPr>
           <a:xfrm>
             <a:off x="311760" y="1152360"/>
-            <a:ext cx="8520120" cy="3416040"/>
+            <a:ext cx="8519760" cy="3415680"/>
           </a:xfrm>
           <a:prstGeom prst="rect">
             <a:avLst/>
@@ -1590,7 +1605,7 @@
       </p:sp>
       <p:sp>
         <p:nvSpPr>
-          <p:cNvPr id="71" name="PlaceHolder 3"/>
+          <p:cNvPr id="69" name="PlaceHolder 3"/>
           <p:cNvSpPr>
             <a:spLocks noGrp="1"/>
           </p:cNvSpPr>
@@ -1601,7 +1616,7 @@
         <p:spPr>
           <a:xfrm>
             <a:off x="311760" y="1152360"/>
-            <a:ext cx="8520120" cy="3416040"/>
+            <a:ext cx="8519760" cy="3415680"/>
           </a:xfrm>
           <a:prstGeom prst="rect">
             <a:avLst/>
@@ -1616,7 +1631,7 @@
       </p:sp>
       <p:pic>
         <p:nvPicPr>
-          <p:cNvPr id="72" name="" descr=""/>
+          <p:cNvPr id="70" name="" descr=""/>
           <p:cNvPicPr/>
           <p:nvPr/>
         </p:nvPicPr>
@@ -1626,8 +1641,8 @@
         </p:blipFill>
         <p:spPr>
           <a:xfrm>
-            <a:off x="2430720" y="1152000"/>
-            <a:ext cx="4281480" cy="3416040"/>
+            <a:off x="2431080" y="1152360"/>
+            <a:ext cx="4280760" cy="3415680"/>
           </a:xfrm>
           <a:prstGeom prst="rect">
             <a:avLst/>
@@ -1639,7 +1654,7 @@
       </p:pic>
       <p:pic>
         <p:nvPicPr>
-          <p:cNvPr id="73" name="" descr=""/>
+          <p:cNvPr id="71" name="" descr=""/>
           <p:cNvPicPr/>
           <p:nvPr/>
         </p:nvPicPr>
@@ -1649,8 +1664,8 @@
         </p:blipFill>
         <p:spPr>
           <a:xfrm>
-            <a:off x="2430720" y="1152000"/>
-            <a:ext cx="4281480" cy="3416040"/>
+            <a:off x="2431080" y="1152360"/>
+            <a:ext cx="4280760" cy="3415680"/>
           </a:xfrm>
           <a:prstGeom prst="rect">
             <a:avLst/>
@@ -1706,7 +1721,7 @@
       </p:grpSpPr>
       <p:sp>
         <p:nvSpPr>
-          <p:cNvPr id="77" name="PlaceHolder 1"/>
+          <p:cNvPr id="74" name="PlaceHolder 1"/>
           <p:cNvSpPr>
             <a:spLocks noGrp="1"/>
           </p:cNvSpPr>
@@ -1716,8 +1731,8 @@
         </p:nvSpPr>
         <p:spPr>
           <a:xfrm>
-            <a:off x="311760" y="444960"/>
-            <a:ext cx="8520120" cy="572400"/>
+            <a:off x="311760" y="418320"/>
+            <a:ext cx="8519760" cy="625320"/>
           </a:xfrm>
           <a:prstGeom prst="rect">
             <a:avLst/>
@@ -1726,13 +1741,14 @@
         <p:txBody>
           <a:bodyPr lIns="0" rIns="0" tIns="0" bIns="0" anchor="ctr"/>
           <a:p>
-            <a:endParaRPr/>
-          </a:p>
-        </p:txBody>
-      </p:sp>
-      <p:sp>
-        <p:nvSpPr>
-          <p:cNvPr id="78" name="PlaceHolder 2"/>
+            <a:pPr algn="ctr"/>
+            <a:endParaRPr/>
+          </a:p>
+        </p:txBody>
+      </p:sp>
+      <p:sp>
+        <p:nvSpPr>
+          <p:cNvPr id="75" name="PlaceHolder 2"/>
           <p:cNvSpPr>
             <a:spLocks noGrp="1"/>
           </p:cNvSpPr>
@@ -1743,7 +1759,7 @@
         <p:spPr>
           <a:xfrm>
             <a:off x="311760" y="1152360"/>
-            <a:ext cx="8520120" cy="3416040"/>
+            <a:ext cx="8519760" cy="3415680"/>
           </a:xfrm>
           <a:prstGeom prst="rect">
             <a:avLst/>
@@ -1781,7 +1797,7 @@
       </p:grpSpPr>
       <p:sp>
         <p:nvSpPr>
-          <p:cNvPr id="79" name="PlaceHolder 1"/>
+          <p:cNvPr id="76" name="PlaceHolder 1"/>
           <p:cNvSpPr>
             <a:spLocks noGrp="1"/>
           </p:cNvSpPr>
@@ -1791,8 +1807,8 @@
         </p:nvSpPr>
         <p:spPr>
           <a:xfrm>
-            <a:off x="311760" y="444960"/>
-            <a:ext cx="8520120" cy="572400"/>
+            <a:off x="311760" y="418320"/>
+            <a:ext cx="8519760" cy="625320"/>
           </a:xfrm>
           <a:prstGeom prst="rect">
             <a:avLst/>
@@ -1801,13 +1817,14 @@
         <p:txBody>
           <a:bodyPr lIns="0" rIns="0" tIns="0" bIns="0" anchor="ctr"/>
           <a:p>
-            <a:endParaRPr/>
-          </a:p>
-        </p:txBody>
-      </p:sp>
-      <p:sp>
-        <p:nvSpPr>
-          <p:cNvPr id="80" name="PlaceHolder 2"/>
+            <a:pPr algn="ctr"/>
+            <a:endParaRPr/>
+          </a:p>
+        </p:txBody>
+      </p:sp>
+      <p:sp>
+        <p:nvSpPr>
+          <p:cNvPr id="77" name="PlaceHolder 2"/>
           <p:cNvSpPr>
             <a:spLocks noGrp="1"/>
           </p:cNvSpPr>
@@ -1818,7 +1835,7 @@
         <p:spPr>
           <a:xfrm>
             <a:off x="311760" y="1152360"/>
-            <a:ext cx="8520120" cy="3416040"/>
+            <a:ext cx="8519760" cy="3415680"/>
           </a:xfrm>
           <a:prstGeom prst="rect">
             <a:avLst/>
@@ -1855,7 +1872,7 @@
       </p:grpSpPr>
       <p:sp>
         <p:nvSpPr>
-          <p:cNvPr id="81" name="PlaceHolder 1"/>
+          <p:cNvPr id="78" name="PlaceHolder 1"/>
           <p:cNvSpPr>
             <a:spLocks noGrp="1"/>
           </p:cNvSpPr>
@@ -1865,8 +1882,8 @@
         </p:nvSpPr>
         <p:spPr>
           <a:xfrm>
-            <a:off x="311760" y="444960"/>
-            <a:ext cx="8520120" cy="572400"/>
+            <a:off x="311760" y="418320"/>
+            <a:ext cx="8519760" cy="625320"/>
           </a:xfrm>
           <a:prstGeom prst="rect">
             <a:avLst/>
@@ -1875,13 +1892,14 @@
         <p:txBody>
           <a:bodyPr lIns="0" rIns="0" tIns="0" bIns="0" anchor="ctr"/>
           <a:p>
-            <a:endParaRPr/>
-          </a:p>
-        </p:txBody>
-      </p:sp>
-      <p:sp>
-        <p:nvSpPr>
-          <p:cNvPr id="82" name="PlaceHolder 2"/>
+            <a:pPr algn="ctr"/>
+            <a:endParaRPr/>
+          </a:p>
+        </p:txBody>
+      </p:sp>
+      <p:sp>
+        <p:nvSpPr>
+          <p:cNvPr id="79" name="PlaceHolder 2"/>
           <p:cNvSpPr>
             <a:spLocks noGrp="1"/>
           </p:cNvSpPr>
@@ -1892,7 +1910,7 @@
         <p:spPr>
           <a:xfrm>
             <a:off x="311760" y="1152360"/>
-            <a:ext cx="4157640" cy="3416040"/>
+            <a:ext cx="4157280" cy="3415680"/>
           </a:xfrm>
           <a:prstGeom prst="rect">
             <a:avLst/>
@@ -1907,7 +1925,7 @@
       </p:sp>
       <p:sp>
         <p:nvSpPr>
-          <p:cNvPr id="83" name="PlaceHolder 3"/>
+          <p:cNvPr id="80" name="PlaceHolder 3"/>
           <p:cNvSpPr>
             <a:spLocks noGrp="1"/>
           </p:cNvSpPr>
@@ -1917,8 +1935,8 @@
         </p:nvSpPr>
         <p:spPr>
           <a:xfrm>
-            <a:off x="4677840" y="1152360"/>
-            <a:ext cx="4157640" cy="3416040"/>
+            <a:off x="4677120" y="1152360"/>
+            <a:ext cx="4157280" cy="3415680"/>
           </a:xfrm>
           <a:prstGeom prst="rect">
             <a:avLst/>
@@ -1955,7 +1973,7 @@
       </p:grpSpPr>
       <p:sp>
         <p:nvSpPr>
-          <p:cNvPr id="84" name="PlaceHolder 1"/>
+          <p:cNvPr id="81" name="PlaceHolder 1"/>
           <p:cNvSpPr>
             <a:spLocks noGrp="1"/>
           </p:cNvSpPr>
@@ -1965,8 +1983,8 @@
         </p:nvSpPr>
         <p:spPr>
           <a:xfrm>
-            <a:off x="311760" y="444960"/>
-            <a:ext cx="8520120" cy="572400"/>
+            <a:off x="311760" y="418320"/>
+            <a:ext cx="8519760" cy="625320"/>
           </a:xfrm>
           <a:prstGeom prst="rect">
             <a:avLst/>
@@ -1975,6 +1993,7 @@
         <p:txBody>
           <a:bodyPr lIns="0" rIns="0" tIns="0" bIns="0" anchor="ctr"/>
           <a:p>
+            <a:pPr algn="ctr"/>
             <a:endParaRPr/>
           </a:p>
         </p:txBody>
@@ -2003,7 +2022,7 @@
       </p:grpSpPr>
       <p:sp>
         <p:nvSpPr>
-          <p:cNvPr id="5" name="PlaceHolder 1"/>
+          <p:cNvPr id="4" name="PlaceHolder 1"/>
           <p:cNvSpPr>
             <a:spLocks noGrp="1"/>
           </p:cNvSpPr>
@@ -2013,8 +2032,8 @@
         </p:nvSpPr>
         <p:spPr>
           <a:xfrm>
-            <a:off x="311760" y="444960"/>
-            <a:ext cx="8520120" cy="572400"/>
+            <a:off x="311760" y="418320"/>
+            <a:ext cx="8519760" cy="625320"/>
           </a:xfrm>
           <a:prstGeom prst="rect">
             <a:avLst/>
@@ -2023,13 +2042,14 @@
         <p:txBody>
           <a:bodyPr lIns="0" rIns="0" tIns="0" bIns="0" anchor="ctr"/>
           <a:p>
-            <a:endParaRPr/>
-          </a:p>
-        </p:txBody>
-      </p:sp>
-      <p:sp>
-        <p:nvSpPr>
-          <p:cNvPr id="6" name="PlaceHolder 2"/>
+            <a:pPr algn="ctr"/>
+            <a:endParaRPr/>
+          </a:p>
+        </p:txBody>
+      </p:sp>
+      <p:sp>
+        <p:nvSpPr>
+          <p:cNvPr id="5" name="PlaceHolder 2"/>
           <p:cNvSpPr>
             <a:spLocks noGrp="1"/>
           </p:cNvSpPr>
@@ -2040,7 +2060,7 @@
         <p:spPr>
           <a:xfrm>
             <a:off x="311760" y="1152360"/>
-            <a:ext cx="8520120" cy="3416040"/>
+            <a:ext cx="8519760" cy="3415680"/>
           </a:xfrm>
           <a:prstGeom prst="rect">
             <a:avLst/>
@@ -2077,7 +2097,7 @@
       </p:grpSpPr>
       <p:sp>
         <p:nvSpPr>
-          <p:cNvPr id="85" name="PlaceHolder 1"/>
+          <p:cNvPr id="82" name="PlaceHolder 1"/>
           <p:cNvSpPr>
             <a:spLocks noGrp="1"/>
           </p:cNvSpPr>
@@ -2088,7 +2108,7 @@
         <p:spPr>
           <a:xfrm>
             <a:off x="311760" y="444960"/>
-            <a:ext cx="8520120" cy="2654640"/>
+            <a:ext cx="8519760" cy="2652840"/>
           </a:xfrm>
           <a:prstGeom prst="rect">
             <a:avLst/>
@@ -2126,7 +2146,7 @@
       </p:grpSpPr>
       <p:sp>
         <p:nvSpPr>
-          <p:cNvPr id="86" name="PlaceHolder 1"/>
+          <p:cNvPr id="83" name="PlaceHolder 1"/>
           <p:cNvSpPr>
             <a:spLocks noGrp="1"/>
           </p:cNvSpPr>
@@ -2136,8 +2156,8 @@
         </p:nvSpPr>
         <p:spPr>
           <a:xfrm>
-            <a:off x="311760" y="444960"/>
-            <a:ext cx="8520120" cy="572400"/>
+            <a:off x="311760" y="418320"/>
+            <a:ext cx="8519760" cy="625320"/>
           </a:xfrm>
           <a:prstGeom prst="rect">
             <a:avLst/>
@@ -2146,13 +2166,14 @@
         <p:txBody>
           <a:bodyPr lIns="0" rIns="0" tIns="0" bIns="0" anchor="ctr"/>
           <a:p>
-            <a:endParaRPr/>
-          </a:p>
-        </p:txBody>
-      </p:sp>
-      <p:sp>
-        <p:nvSpPr>
-          <p:cNvPr id="87" name="PlaceHolder 2"/>
+            <a:pPr algn="ctr"/>
+            <a:endParaRPr/>
+          </a:p>
+        </p:txBody>
+      </p:sp>
+      <p:sp>
+        <p:nvSpPr>
+          <p:cNvPr id="84" name="PlaceHolder 2"/>
           <p:cNvSpPr>
             <a:spLocks noGrp="1"/>
           </p:cNvSpPr>
@@ -2163,7 +2184,7 @@
         <p:spPr>
           <a:xfrm>
             <a:off x="311760" y="1152360"/>
-            <a:ext cx="4157640" cy="1629360"/>
+            <a:ext cx="4157280" cy="1629000"/>
           </a:xfrm>
           <a:prstGeom prst="rect">
             <a:avLst/>
@@ -2178,7 +2199,7 @@
       </p:sp>
       <p:sp>
         <p:nvSpPr>
-          <p:cNvPr id="88" name="PlaceHolder 3"/>
+          <p:cNvPr id="85" name="PlaceHolder 3"/>
           <p:cNvSpPr>
             <a:spLocks noGrp="1"/>
           </p:cNvSpPr>
@@ -2188,8 +2209,8 @@
         </p:nvSpPr>
         <p:spPr>
           <a:xfrm>
-            <a:off x="311760" y="2936880"/>
-            <a:ext cx="4157640" cy="1629360"/>
+            <a:off x="311760" y="2936520"/>
+            <a:ext cx="4157280" cy="1629000"/>
           </a:xfrm>
           <a:prstGeom prst="rect">
             <a:avLst/>
@@ -2204,7 +2225,7 @@
       </p:sp>
       <p:sp>
         <p:nvSpPr>
-          <p:cNvPr id="89" name="PlaceHolder 4"/>
+          <p:cNvPr id="86" name="PlaceHolder 4"/>
           <p:cNvSpPr>
             <a:spLocks noGrp="1"/>
           </p:cNvSpPr>
@@ -2214,8 +2235,8 @@
         </p:nvSpPr>
         <p:spPr>
           <a:xfrm>
-            <a:off x="4677840" y="1152360"/>
-            <a:ext cx="4157640" cy="3416040"/>
+            <a:off x="4677120" y="1152360"/>
+            <a:ext cx="4157280" cy="3415680"/>
           </a:xfrm>
           <a:prstGeom prst="rect">
             <a:avLst/>
@@ -2252,7 +2273,7 @@
       </p:grpSpPr>
       <p:sp>
         <p:nvSpPr>
-          <p:cNvPr id="90" name="PlaceHolder 1"/>
+          <p:cNvPr id="87" name="PlaceHolder 1"/>
           <p:cNvSpPr>
             <a:spLocks noGrp="1"/>
           </p:cNvSpPr>
@@ -2262,8 +2283,8 @@
         </p:nvSpPr>
         <p:spPr>
           <a:xfrm>
-            <a:off x="311760" y="444960"/>
-            <a:ext cx="8520120" cy="572400"/>
+            <a:off x="311760" y="418320"/>
+            <a:ext cx="8519760" cy="625320"/>
           </a:xfrm>
           <a:prstGeom prst="rect">
             <a:avLst/>
@@ -2272,13 +2293,14 @@
         <p:txBody>
           <a:bodyPr lIns="0" rIns="0" tIns="0" bIns="0" anchor="ctr"/>
           <a:p>
-            <a:endParaRPr/>
-          </a:p>
-        </p:txBody>
-      </p:sp>
-      <p:sp>
-        <p:nvSpPr>
-          <p:cNvPr id="91" name="PlaceHolder 2"/>
+            <a:pPr algn="ctr"/>
+            <a:endParaRPr/>
+          </a:p>
+        </p:txBody>
+      </p:sp>
+      <p:sp>
+        <p:nvSpPr>
+          <p:cNvPr id="88" name="PlaceHolder 2"/>
           <p:cNvSpPr>
             <a:spLocks noGrp="1"/>
           </p:cNvSpPr>
@@ -2289,7 +2311,7 @@
         <p:spPr>
           <a:xfrm>
             <a:off x="311760" y="1152360"/>
-            <a:ext cx="4157640" cy="3416040"/>
+            <a:ext cx="4157280" cy="3415680"/>
           </a:xfrm>
           <a:prstGeom prst="rect">
             <a:avLst/>
@@ -2304,7 +2326,7 @@
       </p:sp>
       <p:sp>
         <p:nvSpPr>
-          <p:cNvPr id="92" name="PlaceHolder 3"/>
+          <p:cNvPr id="89" name="PlaceHolder 3"/>
           <p:cNvSpPr>
             <a:spLocks noGrp="1"/>
           </p:cNvSpPr>
@@ -2314,8 +2336,8 @@
         </p:nvSpPr>
         <p:spPr>
           <a:xfrm>
-            <a:off x="4677840" y="1152360"/>
-            <a:ext cx="4157640" cy="1629360"/>
+            <a:off x="4677120" y="1152360"/>
+            <a:ext cx="4157280" cy="1629000"/>
           </a:xfrm>
           <a:prstGeom prst="rect">
             <a:avLst/>
@@ -2330,7 +2352,7 @@
       </p:sp>
       <p:sp>
         <p:nvSpPr>
-          <p:cNvPr id="93" name="PlaceHolder 4"/>
+          <p:cNvPr id="90" name="PlaceHolder 4"/>
           <p:cNvSpPr>
             <a:spLocks noGrp="1"/>
           </p:cNvSpPr>
@@ -2340,8 +2362,8 @@
         </p:nvSpPr>
         <p:spPr>
           <a:xfrm>
-            <a:off x="4677840" y="2936880"/>
-            <a:ext cx="4157640" cy="1629360"/>
+            <a:off x="4677120" y="2936520"/>
+            <a:ext cx="4157280" cy="1629000"/>
           </a:xfrm>
           <a:prstGeom prst="rect">
             <a:avLst/>
@@ -2378,7 +2400,7 @@
       </p:grpSpPr>
       <p:sp>
         <p:nvSpPr>
-          <p:cNvPr id="94" name="PlaceHolder 1"/>
+          <p:cNvPr id="91" name="PlaceHolder 1"/>
           <p:cNvSpPr>
             <a:spLocks noGrp="1"/>
           </p:cNvSpPr>
@@ -2388,8 +2410,8 @@
         </p:nvSpPr>
         <p:spPr>
           <a:xfrm>
-            <a:off x="311760" y="444960"/>
-            <a:ext cx="8520120" cy="572400"/>
+            <a:off x="311760" y="418320"/>
+            <a:ext cx="8519760" cy="625320"/>
           </a:xfrm>
           <a:prstGeom prst="rect">
             <a:avLst/>
@@ -2398,13 +2420,14 @@
         <p:txBody>
           <a:bodyPr lIns="0" rIns="0" tIns="0" bIns="0" anchor="ctr"/>
           <a:p>
-            <a:endParaRPr/>
-          </a:p>
-        </p:txBody>
-      </p:sp>
-      <p:sp>
-        <p:nvSpPr>
-          <p:cNvPr id="95" name="PlaceHolder 2"/>
+            <a:pPr algn="ctr"/>
+            <a:endParaRPr/>
+          </a:p>
+        </p:txBody>
+      </p:sp>
+      <p:sp>
+        <p:nvSpPr>
+          <p:cNvPr id="92" name="PlaceHolder 2"/>
           <p:cNvSpPr>
             <a:spLocks noGrp="1"/>
           </p:cNvSpPr>
@@ -2415,7 +2438,7 @@
         <p:spPr>
           <a:xfrm>
             <a:off x="311760" y="1152360"/>
-            <a:ext cx="4157640" cy="1629360"/>
+            <a:ext cx="4157280" cy="1629000"/>
           </a:xfrm>
           <a:prstGeom prst="rect">
             <a:avLst/>
@@ -2430,7 +2453,7 @@
       </p:sp>
       <p:sp>
         <p:nvSpPr>
-          <p:cNvPr id="96" name="PlaceHolder 3"/>
+          <p:cNvPr id="93" name="PlaceHolder 3"/>
           <p:cNvSpPr>
             <a:spLocks noGrp="1"/>
           </p:cNvSpPr>
@@ -2440,8 +2463,8 @@
         </p:nvSpPr>
         <p:spPr>
           <a:xfrm>
-            <a:off x="4677840" y="1152360"/>
-            <a:ext cx="4157640" cy="1629360"/>
+            <a:off x="4677120" y="1152360"/>
+            <a:ext cx="4157280" cy="1629000"/>
           </a:xfrm>
           <a:prstGeom prst="rect">
             <a:avLst/>
@@ -2456,7 +2479,7 @@
       </p:sp>
       <p:sp>
         <p:nvSpPr>
-          <p:cNvPr id="97" name="PlaceHolder 4"/>
+          <p:cNvPr id="94" name="PlaceHolder 4"/>
           <p:cNvSpPr>
             <a:spLocks noGrp="1"/>
           </p:cNvSpPr>
@@ -2466,8 +2489,8 @@
         </p:nvSpPr>
         <p:spPr>
           <a:xfrm>
-            <a:off x="311760" y="2936880"/>
-            <a:ext cx="8520120" cy="1629360"/>
+            <a:off x="311760" y="2936520"/>
+            <a:ext cx="8519760" cy="1629000"/>
           </a:xfrm>
           <a:prstGeom prst="rect">
             <a:avLst/>
@@ -2504,7 +2527,7 @@
       </p:grpSpPr>
       <p:sp>
         <p:nvSpPr>
-          <p:cNvPr id="98" name="PlaceHolder 1"/>
+          <p:cNvPr id="95" name="PlaceHolder 1"/>
           <p:cNvSpPr>
             <a:spLocks noGrp="1"/>
           </p:cNvSpPr>
@@ -2514,8 +2537,8 @@
         </p:nvSpPr>
         <p:spPr>
           <a:xfrm>
-            <a:off x="311760" y="444960"/>
-            <a:ext cx="8520120" cy="572400"/>
+            <a:off x="311760" y="418320"/>
+            <a:ext cx="8519760" cy="625320"/>
           </a:xfrm>
           <a:prstGeom prst="rect">
             <a:avLst/>
@@ -2524,13 +2547,14 @@
         <p:txBody>
           <a:bodyPr lIns="0" rIns="0" tIns="0" bIns="0" anchor="ctr"/>
           <a:p>
-            <a:endParaRPr/>
-          </a:p>
-        </p:txBody>
-      </p:sp>
-      <p:sp>
-        <p:nvSpPr>
-          <p:cNvPr id="99" name="PlaceHolder 2"/>
+            <a:pPr algn="ctr"/>
+            <a:endParaRPr/>
+          </a:p>
+        </p:txBody>
+      </p:sp>
+      <p:sp>
+        <p:nvSpPr>
+          <p:cNvPr id="96" name="PlaceHolder 2"/>
           <p:cNvSpPr>
             <a:spLocks noGrp="1"/>
           </p:cNvSpPr>
@@ -2541,7 +2565,7 @@
         <p:spPr>
           <a:xfrm>
             <a:off x="311760" y="1152360"/>
-            <a:ext cx="8520120" cy="1629360"/>
+            <a:ext cx="8519760" cy="1629000"/>
           </a:xfrm>
           <a:prstGeom prst="rect">
             <a:avLst/>
@@ -2556,7 +2580,7 @@
       </p:sp>
       <p:sp>
         <p:nvSpPr>
-          <p:cNvPr id="100" name="PlaceHolder 3"/>
+          <p:cNvPr id="97" name="PlaceHolder 3"/>
           <p:cNvSpPr>
             <a:spLocks noGrp="1"/>
           </p:cNvSpPr>
@@ -2566,8 +2590,8 @@
         </p:nvSpPr>
         <p:spPr>
           <a:xfrm>
-            <a:off x="311760" y="2936880"/>
-            <a:ext cx="8520120" cy="1629360"/>
+            <a:off x="311760" y="2936520"/>
+            <a:ext cx="8519760" cy="1629000"/>
           </a:xfrm>
           <a:prstGeom prst="rect">
             <a:avLst/>
@@ -2604,7 +2628,7 @@
       </p:grpSpPr>
       <p:sp>
         <p:nvSpPr>
-          <p:cNvPr id="101" name="PlaceHolder 1"/>
+          <p:cNvPr id="98" name="PlaceHolder 1"/>
           <p:cNvSpPr>
             <a:spLocks noGrp="1"/>
           </p:cNvSpPr>
@@ -2614,8 +2638,8 @@
         </p:nvSpPr>
         <p:spPr>
           <a:xfrm>
-            <a:off x="311760" y="444960"/>
-            <a:ext cx="8520120" cy="572400"/>
+            <a:off x="311760" y="418320"/>
+            <a:ext cx="8519760" cy="625320"/>
           </a:xfrm>
           <a:prstGeom prst="rect">
             <a:avLst/>
@@ -2624,13 +2648,14 @@
         <p:txBody>
           <a:bodyPr lIns="0" rIns="0" tIns="0" bIns="0" anchor="ctr"/>
           <a:p>
-            <a:endParaRPr/>
-          </a:p>
-        </p:txBody>
-      </p:sp>
-      <p:sp>
-        <p:nvSpPr>
-          <p:cNvPr id="102" name="PlaceHolder 2"/>
+            <a:pPr algn="ctr"/>
+            <a:endParaRPr/>
+          </a:p>
+        </p:txBody>
+      </p:sp>
+      <p:sp>
+        <p:nvSpPr>
+          <p:cNvPr id="99" name="PlaceHolder 2"/>
           <p:cNvSpPr>
             <a:spLocks noGrp="1"/>
           </p:cNvSpPr>
@@ -2641,7 +2666,7 @@
         <p:spPr>
           <a:xfrm>
             <a:off x="311760" y="1152360"/>
-            <a:ext cx="4157640" cy="1629360"/>
+            <a:ext cx="4157280" cy="1629000"/>
           </a:xfrm>
           <a:prstGeom prst="rect">
             <a:avLst/>
@@ -2656,7 +2681,7 @@
       </p:sp>
       <p:sp>
         <p:nvSpPr>
-          <p:cNvPr id="103" name="PlaceHolder 3"/>
+          <p:cNvPr id="100" name="PlaceHolder 3"/>
           <p:cNvSpPr>
             <a:spLocks noGrp="1"/>
           </p:cNvSpPr>
@@ -2666,8 +2691,8 @@
         </p:nvSpPr>
         <p:spPr>
           <a:xfrm>
-            <a:off x="4677840" y="1152360"/>
-            <a:ext cx="4157640" cy="1629360"/>
+            <a:off x="4677120" y="1152360"/>
+            <a:ext cx="4157280" cy="1629000"/>
           </a:xfrm>
           <a:prstGeom prst="rect">
             <a:avLst/>
@@ -2682,7 +2707,7 @@
       </p:sp>
       <p:sp>
         <p:nvSpPr>
-          <p:cNvPr id="104" name="PlaceHolder 4"/>
+          <p:cNvPr id="101" name="PlaceHolder 4"/>
           <p:cNvSpPr>
             <a:spLocks noGrp="1"/>
           </p:cNvSpPr>
@@ -2692,8 +2717,8 @@
         </p:nvSpPr>
         <p:spPr>
           <a:xfrm>
-            <a:off x="4677840" y="2936880"/>
-            <a:ext cx="4157640" cy="1629360"/>
+            <a:off x="4677120" y="2936520"/>
+            <a:ext cx="4157280" cy="1629000"/>
           </a:xfrm>
           <a:prstGeom prst="rect">
             <a:avLst/>
@@ -2708,7 +2733,7 @@
       </p:sp>
       <p:sp>
         <p:nvSpPr>
-          <p:cNvPr id="105" name="PlaceHolder 5"/>
+          <p:cNvPr id="102" name="PlaceHolder 5"/>
           <p:cNvSpPr>
             <a:spLocks noGrp="1"/>
           </p:cNvSpPr>
@@ -2718,8 +2743,8 @@
         </p:nvSpPr>
         <p:spPr>
           <a:xfrm>
-            <a:off x="311760" y="2936880"/>
-            <a:ext cx="4157640" cy="1629360"/>
+            <a:off x="311760" y="2936520"/>
+            <a:ext cx="4157280" cy="1629000"/>
           </a:xfrm>
           <a:prstGeom prst="rect">
             <a:avLst/>
@@ -2756,7 +2781,7 @@
       </p:grpSpPr>
       <p:sp>
         <p:nvSpPr>
-          <p:cNvPr id="106" name="PlaceHolder 1"/>
+          <p:cNvPr id="103" name="PlaceHolder 1"/>
           <p:cNvSpPr>
             <a:spLocks noGrp="1"/>
           </p:cNvSpPr>
@@ -2766,8 +2791,8 @@
         </p:nvSpPr>
         <p:spPr>
           <a:xfrm>
-            <a:off x="311760" y="444960"/>
-            <a:ext cx="8520120" cy="572400"/>
+            <a:off x="311760" y="418320"/>
+            <a:ext cx="8519760" cy="625320"/>
           </a:xfrm>
           <a:prstGeom prst="rect">
             <a:avLst/>
@@ -2776,13 +2801,14 @@
         <p:txBody>
           <a:bodyPr lIns="0" rIns="0" tIns="0" bIns="0" anchor="ctr"/>
           <a:p>
-            <a:endParaRPr/>
-          </a:p>
-        </p:txBody>
-      </p:sp>
-      <p:sp>
-        <p:nvSpPr>
-          <p:cNvPr id="107" name="PlaceHolder 2"/>
+            <a:pPr algn="ctr"/>
+            <a:endParaRPr/>
+          </a:p>
+        </p:txBody>
+      </p:sp>
+      <p:sp>
+        <p:nvSpPr>
+          <p:cNvPr id="104" name="PlaceHolder 2"/>
           <p:cNvSpPr>
             <a:spLocks noGrp="1"/>
           </p:cNvSpPr>
@@ -2793,7 +2819,7 @@
         <p:spPr>
           <a:xfrm>
             <a:off x="311760" y="1152360"/>
-            <a:ext cx="8520120" cy="3416040"/>
+            <a:ext cx="8519760" cy="3415680"/>
           </a:xfrm>
           <a:prstGeom prst="rect">
             <a:avLst/>
@@ -2808,7 +2834,7 @@
       </p:sp>
       <p:sp>
         <p:nvSpPr>
-          <p:cNvPr id="108" name="PlaceHolder 3"/>
+          <p:cNvPr id="105" name="PlaceHolder 3"/>
           <p:cNvSpPr>
             <a:spLocks noGrp="1"/>
           </p:cNvSpPr>
@@ -2819,7 +2845,7 @@
         <p:spPr>
           <a:xfrm>
             <a:off x="311760" y="1152360"/>
-            <a:ext cx="8520120" cy="3416040"/>
+            <a:ext cx="8519760" cy="3415680"/>
           </a:xfrm>
           <a:prstGeom prst="rect">
             <a:avLst/>
@@ -2834,7 +2860,7 @@
       </p:sp>
       <p:pic>
         <p:nvPicPr>
-          <p:cNvPr id="109" name="" descr=""/>
+          <p:cNvPr id="106" name="" descr=""/>
           <p:cNvPicPr/>
           <p:nvPr/>
         </p:nvPicPr>
@@ -2844,8 +2870,8 @@
         </p:blipFill>
         <p:spPr>
           <a:xfrm>
-            <a:off x="2430720" y="1152000"/>
-            <a:ext cx="4281480" cy="3416040"/>
+            <a:off x="2431080" y="1152360"/>
+            <a:ext cx="4280760" cy="3415680"/>
           </a:xfrm>
           <a:prstGeom prst="rect">
             <a:avLst/>
@@ -2857,7 +2883,7 @@
       </p:pic>
       <p:pic>
         <p:nvPicPr>
-          <p:cNvPr id="110" name="" descr=""/>
+          <p:cNvPr id="107" name="" descr=""/>
           <p:cNvPicPr/>
           <p:nvPr/>
         </p:nvPicPr>
@@ -2867,8 +2893,8 @@
         </p:blipFill>
         <p:spPr>
           <a:xfrm>
-            <a:off x="2430720" y="1152000"/>
-            <a:ext cx="4281480" cy="3416040"/>
+            <a:off x="2431080" y="1152360"/>
+            <a:ext cx="4280760" cy="3415680"/>
           </a:xfrm>
           <a:prstGeom prst="rect">
             <a:avLst/>
@@ -2878,6 +2904,179 @@
           </a:ln>
         </p:spPr>
       </p:pic>
+    </p:spTree>
+  </p:cSld>
+</p:sldLayout>
+</file>
+
+<file path=ppt/slideLayouts/slideLayout37.xml><?xml version="1.0" encoding="utf-8"?>
+<p:sldLayout xmlns:a="http://schemas.openxmlformats.org/drawingml/2006/main" xmlns:p="http://schemas.openxmlformats.org/presentationml/2006/main" xmlns:r="http://schemas.openxmlformats.org/officeDocument/2006/relationships" type="blank" preserve="1">
+  <p:cSld name="Blank Slide">
+    <p:spTree>
+      <p:nvGrpSpPr>
+        <p:cNvPr id="1" name=""/>
+        <p:cNvGrpSpPr/>
+        <p:nvPr/>
+      </p:nvGrpSpPr>
+      <p:grpSpPr>
+        <a:xfrm>
+          <a:off x="0" y="0"/>
+          <a:ext cx="0" cy="0"/>
+          <a:chOff x="0" y="0"/>
+          <a:chExt cx="0" cy="0"/>
+        </a:xfrm>
+      </p:grpSpPr>
+    </p:spTree>
+  </p:cSld>
+</p:sldLayout>
+</file>
+
+<file path=ppt/slideLayouts/slideLayout38.xml><?xml version="1.0" encoding="utf-8"?>
+<p:sldLayout xmlns:a="http://schemas.openxmlformats.org/drawingml/2006/main" xmlns:p="http://schemas.openxmlformats.org/presentationml/2006/main" xmlns:r="http://schemas.openxmlformats.org/officeDocument/2006/relationships" type="tx" preserve="1">
+  <p:cSld name="Title Slide">
+    <p:spTree>
+      <p:nvGrpSpPr>
+        <p:cNvPr id="1" name=""/>
+        <p:cNvGrpSpPr/>
+        <p:nvPr/>
+      </p:nvGrpSpPr>
+      <p:grpSpPr>
+        <a:xfrm>
+          <a:off x="0" y="0"/>
+          <a:ext cx="0" cy="0"/>
+          <a:chOff x="0" y="0"/>
+          <a:chExt cx="0" cy="0"/>
+        </a:xfrm>
+      </p:grpSpPr>
+      <p:sp>
+        <p:nvSpPr>
+          <p:cNvPr id="110" name="PlaceHolder 1"/>
+          <p:cNvSpPr>
+            <a:spLocks noGrp="1"/>
+          </p:cNvSpPr>
+          <p:nvPr>
+            <p:ph type="title"/>
+          </p:nvPr>
+        </p:nvSpPr>
+        <p:spPr>
+          <a:xfrm>
+            <a:off x="311760" y="418320"/>
+            <a:ext cx="8519760" cy="625320"/>
+          </a:xfrm>
+          <a:prstGeom prst="rect">
+            <a:avLst/>
+          </a:prstGeom>
+        </p:spPr>
+        <p:txBody>
+          <a:bodyPr lIns="0" rIns="0" tIns="0" bIns="0" anchor="ctr"/>
+          <a:p>
+            <a:pPr algn="ctr"/>
+            <a:endParaRPr/>
+          </a:p>
+        </p:txBody>
+      </p:sp>
+      <p:sp>
+        <p:nvSpPr>
+          <p:cNvPr id="111" name="PlaceHolder 2"/>
+          <p:cNvSpPr>
+            <a:spLocks noGrp="1"/>
+          </p:cNvSpPr>
+          <p:nvPr>
+            <p:ph type="subTitle"/>
+          </p:nvPr>
+        </p:nvSpPr>
+        <p:spPr>
+          <a:xfrm>
+            <a:off x="311760" y="1152360"/>
+            <a:ext cx="8519760" cy="3415680"/>
+          </a:xfrm>
+          <a:prstGeom prst="rect">
+            <a:avLst/>
+          </a:prstGeom>
+        </p:spPr>
+        <p:txBody>
+          <a:bodyPr lIns="0" rIns="0" tIns="0" bIns="0" anchor="ctr"/>
+          <a:p>
+            <a:pPr algn="ctr"/>
+            <a:endParaRPr/>
+          </a:p>
+        </p:txBody>
+      </p:sp>
+    </p:spTree>
+  </p:cSld>
+</p:sldLayout>
+</file>
+
+<file path=ppt/slideLayouts/slideLayout39.xml><?xml version="1.0" encoding="utf-8"?>
+<p:sldLayout xmlns:a="http://schemas.openxmlformats.org/drawingml/2006/main" xmlns:p="http://schemas.openxmlformats.org/presentationml/2006/main" xmlns:r="http://schemas.openxmlformats.org/officeDocument/2006/relationships" type="obj" preserve="1">
+  <p:cSld name="Title, Content">
+    <p:spTree>
+      <p:nvGrpSpPr>
+        <p:cNvPr id="1" name=""/>
+        <p:cNvGrpSpPr/>
+        <p:nvPr/>
+      </p:nvGrpSpPr>
+      <p:grpSpPr>
+        <a:xfrm>
+          <a:off x="0" y="0"/>
+          <a:ext cx="0" cy="0"/>
+          <a:chOff x="0" y="0"/>
+          <a:chExt cx="0" cy="0"/>
+        </a:xfrm>
+      </p:grpSpPr>
+      <p:sp>
+        <p:nvSpPr>
+          <p:cNvPr id="112" name="PlaceHolder 1"/>
+          <p:cNvSpPr>
+            <a:spLocks noGrp="1"/>
+          </p:cNvSpPr>
+          <p:nvPr>
+            <p:ph type="title"/>
+          </p:nvPr>
+        </p:nvSpPr>
+        <p:spPr>
+          <a:xfrm>
+            <a:off x="311760" y="418320"/>
+            <a:ext cx="8519760" cy="625320"/>
+          </a:xfrm>
+          <a:prstGeom prst="rect">
+            <a:avLst/>
+          </a:prstGeom>
+        </p:spPr>
+        <p:txBody>
+          <a:bodyPr lIns="0" rIns="0" tIns="0" bIns="0" anchor="ctr"/>
+          <a:p>
+            <a:pPr algn="ctr"/>
+            <a:endParaRPr/>
+          </a:p>
+        </p:txBody>
+      </p:sp>
+      <p:sp>
+        <p:nvSpPr>
+          <p:cNvPr id="113" name="PlaceHolder 2"/>
+          <p:cNvSpPr>
+            <a:spLocks noGrp="1"/>
+          </p:cNvSpPr>
+          <p:nvPr>
+            <p:ph type="body"/>
+          </p:nvPr>
+        </p:nvSpPr>
+        <p:spPr>
+          <a:xfrm>
+            <a:off x="311760" y="1152360"/>
+            <a:ext cx="8519760" cy="3415680"/>
+          </a:xfrm>
+          <a:prstGeom prst="rect">
+            <a:avLst/>
+          </a:prstGeom>
+        </p:spPr>
+        <p:txBody>
+          <a:bodyPr lIns="0" rIns="0" tIns="0" bIns="0"/>
+          <a:p>
+            <a:endParaRPr/>
+          </a:p>
+        </p:txBody>
+      </p:sp>
     </p:spTree>
   </p:cSld>
 </p:sldLayout>
@@ -2902,7 +3101,7 @@
       </p:grpSpPr>
       <p:sp>
         <p:nvSpPr>
-          <p:cNvPr id="7" name="PlaceHolder 1"/>
+          <p:cNvPr id="6" name="PlaceHolder 1"/>
           <p:cNvSpPr>
             <a:spLocks noGrp="1"/>
           </p:cNvSpPr>
@@ -2912,8 +3111,259 @@
         </p:nvSpPr>
         <p:spPr>
           <a:xfrm>
+            <a:off x="311760" y="418320"/>
+            <a:ext cx="8519760" cy="625320"/>
+          </a:xfrm>
+          <a:prstGeom prst="rect">
+            <a:avLst/>
+          </a:prstGeom>
+        </p:spPr>
+        <p:txBody>
+          <a:bodyPr lIns="0" rIns="0" tIns="0" bIns="0" anchor="ctr"/>
+          <a:p>
+            <a:pPr algn="ctr"/>
+            <a:endParaRPr/>
+          </a:p>
+        </p:txBody>
+      </p:sp>
+      <p:sp>
+        <p:nvSpPr>
+          <p:cNvPr id="7" name="PlaceHolder 2"/>
+          <p:cNvSpPr>
+            <a:spLocks noGrp="1"/>
+          </p:cNvSpPr>
+          <p:nvPr>
+            <p:ph type="body"/>
+          </p:nvPr>
+        </p:nvSpPr>
+        <p:spPr>
+          <a:xfrm>
+            <a:off x="311760" y="1152360"/>
+            <a:ext cx="4157280" cy="3415680"/>
+          </a:xfrm>
+          <a:prstGeom prst="rect">
+            <a:avLst/>
+          </a:prstGeom>
+        </p:spPr>
+        <p:txBody>
+          <a:bodyPr lIns="0" rIns="0" tIns="0" bIns="0"/>
+          <a:p>
+            <a:endParaRPr/>
+          </a:p>
+        </p:txBody>
+      </p:sp>
+      <p:sp>
+        <p:nvSpPr>
+          <p:cNvPr id="8" name="PlaceHolder 3"/>
+          <p:cNvSpPr>
+            <a:spLocks noGrp="1"/>
+          </p:cNvSpPr>
+          <p:nvPr>
+            <p:ph type="body"/>
+          </p:nvPr>
+        </p:nvSpPr>
+        <p:spPr>
+          <a:xfrm>
+            <a:off x="4677120" y="1152360"/>
+            <a:ext cx="4157280" cy="3415680"/>
+          </a:xfrm>
+          <a:prstGeom prst="rect">
+            <a:avLst/>
+          </a:prstGeom>
+        </p:spPr>
+        <p:txBody>
+          <a:bodyPr lIns="0" rIns="0" tIns="0" bIns="0"/>
+          <a:p>
+            <a:endParaRPr/>
+          </a:p>
+        </p:txBody>
+      </p:sp>
+    </p:spTree>
+  </p:cSld>
+</p:sldLayout>
+</file>
+
+<file path=ppt/slideLayouts/slideLayout40.xml><?xml version="1.0" encoding="utf-8"?>
+<p:sldLayout xmlns:a="http://schemas.openxmlformats.org/drawingml/2006/main" xmlns:p="http://schemas.openxmlformats.org/presentationml/2006/main" xmlns:r="http://schemas.openxmlformats.org/officeDocument/2006/relationships" type="twoObj" preserve="1">
+  <p:cSld name="Title, 2 Content">
+    <p:spTree>
+      <p:nvGrpSpPr>
+        <p:cNvPr id="1" name=""/>
+        <p:cNvGrpSpPr/>
+        <p:nvPr/>
+      </p:nvGrpSpPr>
+      <p:grpSpPr>
+        <a:xfrm>
+          <a:off x="0" y="0"/>
+          <a:ext cx="0" cy="0"/>
+          <a:chOff x="0" y="0"/>
+          <a:chExt cx="0" cy="0"/>
+        </a:xfrm>
+      </p:grpSpPr>
+      <p:sp>
+        <p:nvSpPr>
+          <p:cNvPr id="114" name="PlaceHolder 1"/>
+          <p:cNvSpPr>
+            <a:spLocks noGrp="1"/>
+          </p:cNvSpPr>
+          <p:nvPr>
+            <p:ph type="title"/>
+          </p:nvPr>
+        </p:nvSpPr>
+        <p:spPr>
+          <a:xfrm>
+            <a:off x="311760" y="418320"/>
+            <a:ext cx="8519760" cy="625320"/>
+          </a:xfrm>
+          <a:prstGeom prst="rect">
+            <a:avLst/>
+          </a:prstGeom>
+        </p:spPr>
+        <p:txBody>
+          <a:bodyPr lIns="0" rIns="0" tIns="0" bIns="0" anchor="ctr"/>
+          <a:p>
+            <a:pPr algn="ctr"/>
+            <a:endParaRPr/>
+          </a:p>
+        </p:txBody>
+      </p:sp>
+      <p:sp>
+        <p:nvSpPr>
+          <p:cNvPr id="115" name="PlaceHolder 2"/>
+          <p:cNvSpPr>
+            <a:spLocks noGrp="1"/>
+          </p:cNvSpPr>
+          <p:nvPr>
+            <p:ph type="body"/>
+          </p:nvPr>
+        </p:nvSpPr>
+        <p:spPr>
+          <a:xfrm>
+            <a:off x="311760" y="1152360"/>
+            <a:ext cx="4157280" cy="3415680"/>
+          </a:xfrm>
+          <a:prstGeom prst="rect">
+            <a:avLst/>
+          </a:prstGeom>
+        </p:spPr>
+        <p:txBody>
+          <a:bodyPr lIns="0" rIns="0" tIns="0" bIns="0"/>
+          <a:p>
+            <a:endParaRPr/>
+          </a:p>
+        </p:txBody>
+      </p:sp>
+      <p:sp>
+        <p:nvSpPr>
+          <p:cNvPr id="116" name="PlaceHolder 3"/>
+          <p:cNvSpPr>
+            <a:spLocks noGrp="1"/>
+          </p:cNvSpPr>
+          <p:nvPr>
+            <p:ph type="body"/>
+          </p:nvPr>
+        </p:nvSpPr>
+        <p:spPr>
+          <a:xfrm>
+            <a:off x="4677120" y="1152360"/>
+            <a:ext cx="4157280" cy="3415680"/>
+          </a:xfrm>
+          <a:prstGeom prst="rect">
+            <a:avLst/>
+          </a:prstGeom>
+        </p:spPr>
+        <p:txBody>
+          <a:bodyPr lIns="0" rIns="0" tIns="0" bIns="0"/>
+          <a:p>
+            <a:endParaRPr/>
+          </a:p>
+        </p:txBody>
+      </p:sp>
+    </p:spTree>
+  </p:cSld>
+</p:sldLayout>
+</file>
+
+<file path=ppt/slideLayouts/slideLayout41.xml><?xml version="1.0" encoding="utf-8"?>
+<p:sldLayout xmlns:a="http://schemas.openxmlformats.org/drawingml/2006/main" xmlns:p="http://schemas.openxmlformats.org/presentationml/2006/main" xmlns:r="http://schemas.openxmlformats.org/officeDocument/2006/relationships" type="titleOnly" preserve="1">
+  <p:cSld name="Title Only">
+    <p:spTree>
+      <p:nvGrpSpPr>
+        <p:cNvPr id="1" name=""/>
+        <p:cNvGrpSpPr/>
+        <p:nvPr/>
+      </p:nvGrpSpPr>
+      <p:grpSpPr>
+        <a:xfrm>
+          <a:off x="0" y="0"/>
+          <a:ext cx="0" cy="0"/>
+          <a:chOff x="0" y="0"/>
+          <a:chExt cx="0" cy="0"/>
+        </a:xfrm>
+      </p:grpSpPr>
+      <p:sp>
+        <p:nvSpPr>
+          <p:cNvPr id="117" name="PlaceHolder 1"/>
+          <p:cNvSpPr>
+            <a:spLocks noGrp="1"/>
+          </p:cNvSpPr>
+          <p:nvPr>
+            <p:ph type="title"/>
+          </p:nvPr>
+        </p:nvSpPr>
+        <p:spPr>
+          <a:xfrm>
+            <a:off x="311760" y="418320"/>
+            <a:ext cx="8519760" cy="625320"/>
+          </a:xfrm>
+          <a:prstGeom prst="rect">
+            <a:avLst/>
+          </a:prstGeom>
+        </p:spPr>
+        <p:txBody>
+          <a:bodyPr lIns="0" rIns="0" tIns="0" bIns="0" anchor="ctr"/>
+          <a:p>
+            <a:pPr algn="ctr"/>
+            <a:endParaRPr/>
+          </a:p>
+        </p:txBody>
+      </p:sp>
+    </p:spTree>
+  </p:cSld>
+</p:sldLayout>
+</file>
+
+<file path=ppt/slideLayouts/slideLayout42.xml><?xml version="1.0" encoding="utf-8"?>
+<p:sldLayout xmlns:a="http://schemas.openxmlformats.org/drawingml/2006/main" xmlns:p="http://schemas.openxmlformats.org/presentationml/2006/main" xmlns:r="http://schemas.openxmlformats.org/officeDocument/2006/relationships" type="objOnly" preserve="1">
+  <p:cSld name="Centered Text">
+    <p:spTree>
+      <p:nvGrpSpPr>
+        <p:cNvPr id="1" name=""/>
+        <p:cNvGrpSpPr/>
+        <p:nvPr/>
+      </p:nvGrpSpPr>
+      <p:grpSpPr>
+        <a:xfrm>
+          <a:off x="0" y="0"/>
+          <a:ext cx="0" cy="0"/>
+          <a:chOff x="0" y="0"/>
+          <a:chExt cx="0" cy="0"/>
+        </a:xfrm>
+      </p:grpSpPr>
+      <p:sp>
+        <p:nvSpPr>
+          <p:cNvPr id="118" name="PlaceHolder 1"/>
+          <p:cNvSpPr>
+            <a:spLocks noGrp="1"/>
+          </p:cNvSpPr>
+          <p:nvPr>
+            <p:ph type="subTitle"/>
+          </p:nvPr>
+        </p:nvSpPr>
+        <p:spPr>
+          <a:xfrm>
             <a:off x="311760" y="444960"/>
-            <a:ext cx="8520120" cy="572400"/>
+            <a:ext cx="8519760" cy="2652840"/>
           </a:xfrm>
           <a:prstGeom prst="rect">
             <a:avLst/>
@@ -2922,13 +3372,63 @@
         <p:txBody>
           <a:bodyPr lIns="0" rIns="0" tIns="0" bIns="0" anchor="ctr"/>
           <a:p>
-            <a:endParaRPr/>
-          </a:p>
-        </p:txBody>
-      </p:sp>
-      <p:sp>
-        <p:nvSpPr>
-          <p:cNvPr id="8" name="PlaceHolder 2"/>
+            <a:pPr algn="ctr"/>
+            <a:endParaRPr/>
+          </a:p>
+        </p:txBody>
+      </p:sp>
+    </p:spTree>
+  </p:cSld>
+</p:sldLayout>
+</file>
+
+<file path=ppt/slideLayouts/slideLayout43.xml><?xml version="1.0" encoding="utf-8"?>
+<p:sldLayout xmlns:a="http://schemas.openxmlformats.org/drawingml/2006/main" xmlns:p="http://schemas.openxmlformats.org/presentationml/2006/main" xmlns:r="http://schemas.openxmlformats.org/officeDocument/2006/relationships" type="twoObjAndObj" preserve="1">
+  <p:cSld name="Title, 2 Content and Content">
+    <p:spTree>
+      <p:nvGrpSpPr>
+        <p:cNvPr id="1" name=""/>
+        <p:cNvGrpSpPr/>
+        <p:nvPr/>
+      </p:nvGrpSpPr>
+      <p:grpSpPr>
+        <a:xfrm>
+          <a:off x="0" y="0"/>
+          <a:ext cx="0" cy="0"/>
+          <a:chOff x="0" y="0"/>
+          <a:chExt cx="0" cy="0"/>
+        </a:xfrm>
+      </p:grpSpPr>
+      <p:sp>
+        <p:nvSpPr>
+          <p:cNvPr id="119" name="PlaceHolder 1"/>
+          <p:cNvSpPr>
+            <a:spLocks noGrp="1"/>
+          </p:cNvSpPr>
+          <p:nvPr>
+            <p:ph type="title"/>
+          </p:nvPr>
+        </p:nvSpPr>
+        <p:spPr>
+          <a:xfrm>
+            <a:off x="311760" y="418320"/>
+            <a:ext cx="8519760" cy="625320"/>
+          </a:xfrm>
+          <a:prstGeom prst="rect">
+            <a:avLst/>
+          </a:prstGeom>
+        </p:spPr>
+        <p:txBody>
+          <a:bodyPr lIns="0" rIns="0" tIns="0" bIns="0" anchor="ctr"/>
+          <a:p>
+            <a:pPr algn="ctr"/>
+            <a:endParaRPr/>
+          </a:p>
+        </p:txBody>
+      </p:sp>
+      <p:sp>
+        <p:nvSpPr>
+          <p:cNvPr id="120" name="PlaceHolder 2"/>
           <p:cNvSpPr>
             <a:spLocks noGrp="1"/>
           </p:cNvSpPr>
@@ -2939,7 +3439,7 @@
         <p:spPr>
           <a:xfrm>
             <a:off x="311760" y="1152360"/>
-            <a:ext cx="4157640" cy="3416040"/>
+            <a:ext cx="4157280" cy="1629000"/>
           </a:xfrm>
           <a:prstGeom prst="rect">
             <a:avLst/>
@@ -2954,7 +3454,7 @@
       </p:sp>
       <p:sp>
         <p:nvSpPr>
-          <p:cNvPr id="9" name="PlaceHolder 3"/>
+          <p:cNvPr id="121" name="PlaceHolder 3"/>
           <p:cNvSpPr>
             <a:spLocks noGrp="1"/>
           </p:cNvSpPr>
@@ -2964,8 +3464,8 @@
         </p:nvSpPr>
         <p:spPr>
           <a:xfrm>
-            <a:off x="4677840" y="1152360"/>
-            <a:ext cx="4157640" cy="3416040"/>
+            <a:off x="311760" y="2936520"/>
+            <a:ext cx="4157280" cy="1629000"/>
           </a:xfrm>
           <a:prstGeom prst="rect">
             <a:avLst/>
@@ -2978,6 +3478,687 @@
           </a:p>
         </p:txBody>
       </p:sp>
+      <p:sp>
+        <p:nvSpPr>
+          <p:cNvPr id="122" name="PlaceHolder 4"/>
+          <p:cNvSpPr>
+            <a:spLocks noGrp="1"/>
+          </p:cNvSpPr>
+          <p:nvPr>
+            <p:ph type="body"/>
+          </p:nvPr>
+        </p:nvSpPr>
+        <p:spPr>
+          <a:xfrm>
+            <a:off x="4677120" y="1152360"/>
+            <a:ext cx="4157280" cy="3415680"/>
+          </a:xfrm>
+          <a:prstGeom prst="rect">
+            <a:avLst/>
+          </a:prstGeom>
+        </p:spPr>
+        <p:txBody>
+          <a:bodyPr lIns="0" rIns="0" tIns="0" bIns="0"/>
+          <a:p>
+            <a:endParaRPr/>
+          </a:p>
+        </p:txBody>
+      </p:sp>
+    </p:spTree>
+  </p:cSld>
+</p:sldLayout>
+</file>
+
+<file path=ppt/slideLayouts/slideLayout44.xml><?xml version="1.0" encoding="utf-8"?>
+<p:sldLayout xmlns:a="http://schemas.openxmlformats.org/drawingml/2006/main" xmlns:p="http://schemas.openxmlformats.org/presentationml/2006/main" xmlns:r="http://schemas.openxmlformats.org/officeDocument/2006/relationships" type="objAndTwoObj" preserve="1">
+  <p:cSld name="Title Content and 2 Content">
+    <p:spTree>
+      <p:nvGrpSpPr>
+        <p:cNvPr id="1" name=""/>
+        <p:cNvGrpSpPr/>
+        <p:nvPr/>
+      </p:nvGrpSpPr>
+      <p:grpSpPr>
+        <a:xfrm>
+          <a:off x="0" y="0"/>
+          <a:ext cx="0" cy="0"/>
+          <a:chOff x="0" y="0"/>
+          <a:chExt cx="0" cy="0"/>
+        </a:xfrm>
+      </p:grpSpPr>
+      <p:sp>
+        <p:nvSpPr>
+          <p:cNvPr id="123" name="PlaceHolder 1"/>
+          <p:cNvSpPr>
+            <a:spLocks noGrp="1"/>
+          </p:cNvSpPr>
+          <p:nvPr>
+            <p:ph type="title"/>
+          </p:nvPr>
+        </p:nvSpPr>
+        <p:spPr>
+          <a:xfrm>
+            <a:off x="311760" y="418320"/>
+            <a:ext cx="8519760" cy="625320"/>
+          </a:xfrm>
+          <a:prstGeom prst="rect">
+            <a:avLst/>
+          </a:prstGeom>
+        </p:spPr>
+        <p:txBody>
+          <a:bodyPr lIns="0" rIns="0" tIns="0" bIns="0" anchor="ctr"/>
+          <a:p>
+            <a:pPr algn="ctr"/>
+            <a:endParaRPr/>
+          </a:p>
+        </p:txBody>
+      </p:sp>
+      <p:sp>
+        <p:nvSpPr>
+          <p:cNvPr id="124" name="PlaceHolder 2"/>
+          <p:cNvSpPr>
+            <a:spLocks noGrp="1"/>
+          </p:cNvSpPr>
+          <p:nvPr>
+            <p:ph type="body"/>
+          </p:nvPr>
+        </p:nvSpPr>
+        <p:spPr>
+          <a:xfrm>
+            <a:off x="311760" y="1152360"/>
+            <a:ext cx="4157280" cy="3415680"/>
+          </a:xfrm>
+          <a:prstGeom prst="rect">
+            <a:avLst/>
+          </a:prstGeom>
+        </p:spPr>
+        <p:txBody>
+          <a:bodyPr lIns="0" rIns="0" tIns="0" bIns="0"/>
+          <a:p>
+            <a:endParaRPr/>
+          </a:p>
+        </p:txBody>
+      </p:sp>
+      <p:sp>
+        <p:nvSpPr>
+          <p:cNvPr id="125" name="PlaceHolder 3"/>
+          <p:cNvSpPr>
+            <a:spLocks noGrp="1"/>
+          </p:cNvSpPr>
+          <p:nvPr>
+            <p:ph type="body"/>
+          </p:nvPr>
+        </p:nvSpPr>
+        <p:spPr>
+          <a:xfrm>
+            <a:off x="4677120" y="1152360"/>
+            <a:ext cx="4157280" cy="1629000"/>
+          </a:xfrm>
+          <a:prstGeom prst="rect">
+            <a:avLst/>
+          </a:prstGeom>
+        </p:spPr>
+        <p:txBody>
+          <a:bodyPr lIns="0" rIns="0" tIns="0" bIns="0"/>
+          <a:p>
+            <a:endParaRPr/>
+          </a:p>
+        </p:txBody>
+      </p:sp>
+      <p:sp>
+        <p:nvSpPr>
+          <p:cNvPr id="126" name="PlaceHolder 4"/>
+          <p:cNvSpPr>
+            <a:spLocks noGrp="1"/>
+          </p:cNvSpPr>
+          <p:nvPr>
+            <p:ph type="body"/>
+          </p:nvPr>
+        </p:nvSpPr>
+        <p:spPr>
+          <a:xfrm>
+            <a:off x="4677120" y="2936520"/>
+            <a:ext cx="4157280" cy="1629000"/>
+          </a:xfrm>
+          <a:prstGeom prst="rect">
+            <a:avLst/>
+          </a:prstGeom>
+        </p:spPr>
+        <p:txBody>
+          <a:bodyPr lIns="0" rIns="0" tIns="0" bIns="0"/>
+          <a:p>
+            <a:endParaRPr/>
+          </a:p>
+        </p:txBody>
+      </p:sp>
+    </p:spTree>
+  </p:cSld>
+</p:sldLayout>
+</file>
+
+<file path=ppt/slideLayouts/slideLayout45.xml><?xml version="1.0" encoding="utf-8"?>
+<p:sldLayout xmlns:a="http://schemas.openxmlformats.org/drawingml/2006/main" xmlns:p="http://schemas.openxmlformats.org/presentationml/2006/main" xmlns:r="http://schemas.openxmlformats.org/officeDocument/2006/relationships" type="twoObjOverTx" preserve="1">
+  <p:cSld name="Title, 2 Content over Content">
+    <p:spTree>
+      <p:nvGrpSpPr>
+        <p:cNvPr id="1" name=""/>
+        <p:cNvGrpSpPr/>
+        <p:nvPr/>
+      </p:nvGrpSpPr>
+      <p:grpSpPr>
+        <a:xfrm>
+          <a:off x="0" y="0"/>
+          <a:ext cx="0" cy="0"/>
+          <a:chOff x="0" y="0"/>
+          <a:chExt cx="0" cy="0"/>
+        </a:xfrm>
+      </p:grpSpPr>
+      <p:sp>
+        <p:nvSpPr>
+          <p:cNvPr id="127" name="PlaceHolder 1"/>
+          <p:cNvSpPr>
+            <a:spLocks noGrp="1"/>
+          </p:cNvSpPr>
+          <p:nvPr>
+            <p:ph type="title"/>
+          </p:nvPr>
+        </p:nvSpPr>
+        <p:spPr>
+          <a:xfrm>
+            <a:off x="311760" y="418320"/>
+            <a:ext cx="8519760" cy="625320"/>
+          </a:xfrm>
+          <a:prstGeom prst="rect">
+            <a:avLst/>
+          </a:prstGeom>
+        </p:spPr>
+        <p:txBody>
+          <a:bodyPr lIns="0" rIns="0" tIns="0" bIns="0" anchor="ctr"/>
+          <a:p>
+            <a:pPr algn="ctr"/>
+            <a:endParaRPr/>
+          </a:p>
+        </p:txBody>
+      </p:sp>
+      <p:sp>
+        <p:nvSpPr>
+          <p:cNvPr id="128" name="PlaceHolder 2"/>
+          <p:cNvSpPr>
+            <a:spLocks noGrp="1"/>
+          </p:cNvSpPr>
+          <p:nvPr>
+            <p:ph type="body"/>
+          </p:nvPr>
+        </p:nvSpPr>
+        <p:spPr>
+          <a:xfrm>
+            <a:off x="311760" y="1152360"/>
+            <a:ext cx="4157280" cy="1629000"/>
+          </a:xfrm>
+          <a:prstGeom prst="rect">
+            <a:avLst/>
+          </a:prstGeom>
+        </p:spPr>
+        <p:txBody>
+          <a:bodyPr lIns="0" rIns="0" tIns="0" bIns="0"/>
+          <a:p>
+            <a:endParaRPr/>
+          </a:p>
+        </p:txBody>
+      </p:sp>
+      <p:sp>
+        <p:nvSpPr>
+          <p:cNvPr id="129" name="PlaceHolder 3"/>
+          <p:cNvSpPr>
+            <a:spLocks noGrp="1"/>
+          </p:cNvSpPr>
+          <p:nvPr>
+            <p:ph type="body"/>
+          </p:nvPr>
+        </p:nvSpPr>
+        <p:spPr>
+          <a:xfrm>
+            <a:off x="4677120" y="1152360"/>
+            <a:ext cx="4157280" cy="1629000"/>
+          </a:xfrm>
+          <a:prstGeom prst="rect">
+            <a:avLst/>
+          </a:prstGeom>
+        </p:spPr>
+        <p:txBody>
+          <a:bodyPr lIns="0" rIns="0" tIns="0" bIns="0"/>
+          <a:p>
+            <a:endParaRPr/>
+          </a:p>
+        </p:txBody>
+      </p:sp>
+      <p:sp>
+        <p:nvSpPr>
+          <p:cNvPr id="130" name="PlaceHolder 4"/>
+          <p:cNvSpPr>
+            <a:spLocks noGrp="1"/>
+          </p:cNvSpPr>
+          <p:nvPr>
+            <p:ph type="body"/>
+          </p:nvPr>
+        </p:nvSpPr>
+        <p:spPr>
+          <a:xfrm>
+            <a:off x="311760" y="2936520"/>
+            <a:ext cx="8519760" cy="1629000"/>
+          </a:xfrm>
+          <a:prstGeom prst="rect">
+            <a:avLst/>
+          </a:prstGeom>
+        </p:spPr>
+        <p:txBody>
+          <a:bodyPr lIns="0" rIns="0" tIns="0" bIns="0"/>
+          <a:p>
+            <a:endParaRPr/>
+          </a:p>
+        </p:txBody>
+      </p:sp>
+    </p:spTree>
+  </p:cSld>
+</p:sldLayout>
+</file>
+
+<file path=ppt/slideLayouts/slideLayout46.xml><?xml version="1.0" encoding="utf-8"?>
+<p:sldLayout xmlns:a="http://schemas.openxmlformats.org/drawingml/2006/main" xmlns:p="http://schemas.openxmlformats.org/presentationml/2006/main" xmlns:r="http://schemas.openxmlformats.org/officeDocument/2006/relationships" type="objOverTx" preserve="1">
+  <p:cSld name="Title, Content over Content">
+    <p:spTree>
+      <p:nvGrpSpPr>
+        <p:cNvPr id="1" name=""/>
+        <p:cNvGrpSpPr/>
+        <p:nvPr/>
+      </p:nvGrpSpPr>
+      <p:grpSpPr>
+        <a:xfrm>
+          <a:off x="0" y="0"/>
+          <a:ext cx="0" cy="0"/>
+          <a:chOff x="0" y="0"/>
+          <a:chExt cx="0" cy="0"/>
+        </a:xfrm>
+      </p:grpSpPr>
+      <p:sp>
+        <p:nvSpPr>
+          <p:cNvPr id="131" name="PlaceHolder 1"/>
+          <p:cNvSpPr>
+            <a:spLocks noGrp="1"/>
+          </p:cNvSpPr>
+          <p:nvPr>
+            <p:ph type="title"/>
+          </p:nvPr>
+        </p:nvSpPr>
+        <p:spPr>
+          <a:xfrm>
+            <a:off x="311760" y="418320"/>
+            <a:ext cx="8519760" cy="625320"/>
+          </a:xfrm>
+          <a:prstGeom prst="rect">
+            <a:avLst/>
+          </a:prstGeom>
+        </p:spPr>
+        <p:txBody>
+          <a:bodyPr lIns="0" rIns="0" tIns="0" bIns="0" anchor="ctr"/>
+          <a:p>
+            <a:pPr algn="ctr"/>
+            <a:endParaRPr/>
+          </a:p>
+        </p:txBody>
+      </p:sp>
+      <p:sp>
+        <p:nvSpPr>
+          <p:cNvPr id="132" name="PlaceHolder 2"/>
+          <p:cNvSpPr>
+            <a:spLocks noGrp="1"/>
+          </p:cNvSpPr>
+          <p:nvPr>
+            <p:ph type="body"/>
+          </p:nvPr>
+        </p:nvSpPr>
+        <p:spPr>
+          <a:xfrm>
+            <a:off x="311760" y="1152360"/>
+            <a:ext cx="8519760" cy="1629000"/>
+          </a:xfrm>
+          <a:prstGeom prst="rect">
+            <a:avLst/>
+          </a:prstGeom>
+        </p:spPr>
+        <p:txBody>
+          <a:bodyPr lIns="0" rIns="0" tIns="0" bIns="0"/>
+          <a:p>
+            <a:endParaRPr/>
+          </a:p>
+        </p:txBody>
+      </p:sp>
+      <p:sp>
+        <p:nvSpPr>
+          <p:cNvPr id="133" name="PlaceHolder 3"/>
+          <p:cNvSpPr>
+            <a:spLocks noGrp="1"/>
+          </p:cNvSpPr>
+          <p:nvPr>
+            <p:ph type="body"/>
+          </p:nvPr>
+        </p:nvSpPr>
+        <p:spPr>
+          <a:xfrm>
+            <a:off x="311760" y="2936520"/>
+            <a:ext cx="8519760" cy="1629000"/>
+          </a:xfrm>
+          <a:prstGeom prst="rect">
+            <a:avLst/>
+          </a:prstGeom>
+        </p:spPr>
+        <p:txBody>
+          <a:bodyPr lIns="0" rIns="0" tIns="0" bIns="0"/>
+          <a:p>
+            <a:endParaRPr/>
+          </a:p>
+        </p:txBody>
+      </p:sp>
+    </p:spTree>
+  </p:cSld>
+</p:sldLayout>
+</file>
+
+<file path=ppt/slideLayouts/slideLayout47.xml><?xml version="1.0" encoding="utf-8"?>
+<p:sldLayout xmlns:a="http://schemas.openxmlformats.org/drawingml/2006/main" xmlns:p="http://schemas.openxmlformats.org/presentationml/2006/main" xmlns:r="http://schemas.openxmlformats.org/officeDocument/2006/relationships" type="fourObj" preserve="1">
+  <p:cSld name="Title, 4 Content">
+    <p:spTree>
+      <p:nvGrpSpPr>
+        <p:cNvPr id="1" name=""/>
+        <p:cNvGrpSpPr/>
+        <p:nvPr/>
+      </p:nvGrpSpPr>
+      <p:grpSpPr>
+        <a:xfrm>
+          <a:off x="0" y="0"/>
+          <a:ext cx="0" cy="0"/>
+          <a:chOff x="0" y="0"/>
+          <a:chExt cx="0" cy="0"/>
+        </a:xfrm>
+      </p:grpSpPr>
+      <p:sp>
+        <p:nvSpPr>
+          <p:cNvPr id="134" name="PlaceHolder 1"/>
+          <p:cNvSpPr>
+            <a:spLocks noGrp="1"/>
+          </p:cNvSpPr>
+          <p:nvPr>
+            <p:ph type="title"/>
+          </p:nvPr>
+        </p:nvSpPr>
+        <p:spPr>
+          <a:xfrm>
+            <a:off x="311760" y="418320"/>
+            <a:ext cx="8519760" cy="625320"/>
+          </a:xfrm>
+          <a:prstGeom prst="rect">
+            <a:avLst/>
+          </a:prstGeom>
+        </p:spPr>
+        <p:txBody>
+          <a:bodyPr lIns="0" rIns="0" tIns="0" bIns="0" anchor="ctr"/>
+          <a:p>
+            <a:pPr algn="ctr"/>
+            <a:endParaRPr/>
+          </a:p>
+        </p:txBody>
+      </p:sp>
+      <p:sp>
+        <p:nvSpPr>
+          <p:cNvPr id="135" name="PlaceHolder 2"/>
+          <p:cNvSpPr>
+            <a:spLocks noGrp="1"/>
+          </p:cNvSpPr>
+          <p:nvPr>
+            <p:ph type="body"/>
+          </p:nvPr>
+        </p:nvSpPr>
+        <p:spPr>
+          <a:xfrm>
+            <a:off x="311760" y="1152360"/>
+            <a:ext cx="4157280" cy="1629000"/>
+          </a:xfrm>
+          <a:prstGeom prst="rect">
+            <a:avLst/>
+          </a:prstGeom>
+        </p:spPr>
+        <p:txBody>
+          <a:bodyPr lIns="0" rIns="0" tIns="0" bIns="0"/>
+          <a:p>
+            <a:endParaRPr/>
+          </a:p>
+        </p:txBody>
+      </p:sp>
+      <p:sp>
+        <p:nvSpPr>
+          <p:cNvPr id="136" name="PlaceHolder 3"/>
+          <p:cNvSpPr>
+            <a:spLocks noGrp="1"/>
+          </p:cNvSpPr>
+          <p:nvPr>
+            <p:ph type="body"/>
+          </p:nvPr>
+        </p:nvSpPr>
+        <p:spPr>
+          <a:xfrm>
+            <a:off x="4677120" y="1152360"/>
+            <a:ext cx="4157280" cy="1629000"/>
+          </a:xfrm>
+          <a:prstGeom prst="rect">
+            <a:avLst/>
+          </a:prstGeom>
+        </p:spPr>
+        <p:txBody>
+          <a:bodyPr lIns="0" rIns="0" tIns="0" bIns="0"/>
+          <a:p>
+            <a:endParaRPr/>
+          </a:p>
+        </p:txBody>
+      </p:sp>
+      <p:sp>
+        <p:nvSpPr>
+          <p:cNvPr id="137" name="PlaceHolder 4"/>
+          <p:cNvSpPr>
+            <a:spLocks noGrp="1"/>
+          </p:cNvSpPr>
+          <p:nvPr>
+            <p:ph type="body"/>
+          </p:nvPr>
+        </p:nvSpPr>
+        <p:spPr>
+          <a:xfrm>
+            <a:off x="4677120" y="2936520"/>
+            <a:ext cx="4157280" cy="1629000"/>
+          </a:xfrm>
+          <a:prstGeom prst="rect">
+            <a:avLst/>
+          </a:prstGeom>
+        </p:spPr>
+        <p:txBody>
+          <a:bodyPr lIns="0" rIns="0" tIns="0" bIns="0"/>
+          <a:p>
+            <a:endParaRPr/>
+          </a:p>
+        </p:txBody>
+      </p:sp>
+      <p:sp>
+        <p:nvSpPr>
+          <p:cNvPr id="138" name="PlaceHolder 5"/>
+          <p:cNvSpPr>
+            <a:spLocks noGrp="1"/>
+          </p:cNvSpPr>
+          <p:nvPr>
+            <p:ph type="body"/>
+          </p:nvPr>
+        </p:nvSpPr>
+        <p:spPr>
+          <a:xfrm>
+            <a:off x="311760" y="2936520"/>
+            <a:ext cx="4157280" cy="1629000"/>
+          </a:xfrm>
+          <a:prstGeom prst="rect">
+            <a:avLst/>
+          </a:prstGeom>
+        </p:spPr>
+        <p:txBody>
+          <a:bodyPr lIns="0" rIns="0" tIns="0" bIns="0"/>
+          <a:p>
+            <a:endParaRPr/>
+          </a:p>
+        </p:txBody>
+      </p:sp>
+    </p:spTree>
+  </p:cSld>
+</p:sldLayout>
+</file>
+
+<file path=ppt/slideLayouts/slideLayout48.xml><?xml version="1.0" encoding="utf-8"?>
+<p:sldLayout xmlns:a="http://schemas.openxmlformats.org/drawingml/2006/main" xmlns:p="http://schemas.openxmlformats.org/presentationml/2006/main" xmlns:r="http://schemas.openxmlformats.org/officeDocument/2006/relationships" type="blank" preserve="1">
+  <p:cSld name="Title, 6 Content">
+    <p:spTree>
+      <p:nvGrpSpPr>
+        <p:cNvPr id="1" name=""/>
+        <p:cNvGrpSpPr/>
+        <p:nvPr/>
+      </p:nvGrpSpPr>
+      <p:grpSpPr>
+        <a:xfrm>
+          <a:off x="0" y="0"/>
+          <a:ext cx="0" cy="0"/>
+          <a:chOff x="0" y="0"/>
+          <a:chExt cx="0" cy="0"/>
+        </a:xfrm>
+      </p:grpSpPr>
+      <p:sp>
+        <p:nvSpPr>
+          <p:cNvPr id="139" name="PlaceHolder 1"/>
+          <p:cNvSpPr>
+            <a:spLocks noGrp="1"/>
+          </p:cNvSpPr>
+          <p:nvPr>
+            <p:ph type="title"/>
+          </p:nvPr>
+        </p:nvSpPr>
+        <p:spPr>
+          <a:xfrm>
+            <a:off x="311760" y="418320"/>
+            <a:ext cx="8519760" cy="625320"/>
+          </a:xfrm>
+          <a:prstGeom prst="rect">
+            <a:avLst/>
+          </a:prstGeom>
+        </p:spPr>
+        <p:txBody>
+          <a:bodyPr lIns="0" rIns="0" tIns="0" bIns="0" anchor="ctr"/>
+          <a:p>
+            <a:pPr algn="ctr"/>
+            <a:endParaRPr/>
+          </a:p>
+        </p:txBody>
+      </p:sp>
+      <p:sp>
+        <p:nvSpPr>
+          <p:cNvPr id="140" name="PlaceHolder 2"/>
+          <p:cNvSpPr>
+            <a:spLocks noGrp="1"/>
+          </p:cNvSpPr>
+          <p:nvPr>
+            <p:ph type="body"/>
+          </p:nvPr>
+        </p:nvSpPr>
+        <p:spPr>
+          <a:xfrm>
+            <a:off x="311760" y="1152360"/>
+            <a:ext cx="8519760" cy="3415680"/>
+          </a:xfrm>
+          <a:prstGeom prst="rect">
+            <a:avLst/>
+          </a:prstGeom>
+        </p:spPr>
+        <p:txBody>
+          <a:bodyPr lIns="0" rIns="0" tIns="0" bIns="0"/>
+          <a:p>
+            <a:endParaRPr/>
+          </a:p>
+        </p:txBody>
+      </p:sp>
+      <p:sp>
+        <p:nvSpPr>
+          <p:cNvPr id="141" name="PlaceHolder 3"/>
+          <p:cNvSpPr>
+            <a:spLocks noGrp="1"/>
+          </p:cNvSpPr>
+          <p:nvPr>
+            <p:ph type="body"/>
+          </p:nvPr>
+        </p:nvSpPr>
+        <p:spPr>
+          <a:xfrm>
+            <a:off x="311760" y="1152360"/>
+            <a:ext cx="8519760" cy="3415680"/>
+          </a:xfrm>
+          <a:prstGeom prst="rect">
+            <a:avLst/>
+          </a:prstGeom>
+        </p:spPr>
+        <p:txBody>
+          <a:bodyPr lIns="0" rIns="0" tIns="0" bIns="0"/>
+          <a:p>
+            <a:endParaRPr/>
+          </a:p>
+        </p:txBody>
+      </p:sp>
+      <p:pic>
+        <p:nvPicPr>
+          <p:cNvPr id="142" name="" descr=""/>
+          <p:cNvPicPr/>
+          <p:nvPr/>
+        </p:nvPicPr>
+        <p:blipFill>
+          <a:blip r:embed="rId2"/>
+          <a:stretch/>
+        </p:blipFill>
+        <p:spPr>
+          <a:xfrm>
+            <a:off x="2431080" y="1152360"/>
+            <a:ext cx="4280760" cy="3415680"/>
+          </a:xfrm>
+          <a:prstGeom prst="rect">
+            <a:avLst/>
+          </a:prstGeom>
+          <a:ln>
+            <a:noFill/>
+          </a:ln>
+        </p:spPr>
+      </p:pic>
+      <p:pic>
+        <p:nvPicPr>
+          <p:cNvPr id="143" name="" descr=""/>
+          <p:cNvPicPr/>
+          <p:nvPr/>
+        </p:nvPicPr>
+        <p:blipFill>
+          <a:blip r:embed="rId3"/>
+          <a:stretch/>
+        </p:blipFill>
+        <p:spPr>
+          <a:xfrm>
+            <a:off x="2431080" y="1152360"/>
+            <a:ext cx="4280760" cy="3415680"/>
+          </a:xfrm>
+          <a:prstGeom prst="rect">
+            <a:avLst/>
+          </a:prstGeom>
+          <a:ln>
+            <a:noFill/>
+          </a:ln>
+        </p:spPr>
+      </p:pic>
     </p:spTree>
   </p:cSld>
 </p:sldLayout>
@@ -3002,7 +4183,7 @@
       </p:grpSpPr>
       <p:sp>
         <p:nvSpPr>
-          <p:cNvPr id="10" name="PlaceHolder 1"/>
+          <p:cNvPr id="9" name="PlaceHolder 1"/>
           <p:cNvSpPr>
             <a:spLocks noGrp="1"/>
           </p:cNvSpPr>
@@ -3012,8 +4193,8 @@
         </p:nvSpPr>
         <p:spPr>
           <a:xfrm>
-            <a:off x="311760" y="444960"/>
-            <a:ext cx="8520120" cy="572400"/>
+            <a:off x="311760" y="418320"/>
+            <a:ext cx="8519760" cy="625320"/>
           </a:xfrm>
           <a:prstGeom prst="rect">
             <a:avLst/>
@@ -3022,6 +4203,7 @@
         <p:txBody>
           <a:bodyPr lIns="0" rIns="0" tIns="0" bIns="0" anchor="ctr"/>
           <a:p>
+            <a:pPr algn="ctr"/>
             <a:endParaRPr/>
           </a:p>
         </p:txBody>
@@ -3050,7 +4232,7 @@
       </p:grpSpPr>
       <p:sp>
         <p:nvSpPr>
-          <p:cNvPr id="11" name="PlaceHolder 1"/>
+          <p:cNvPr id="10" name="PlaceHolder 1"/>
           <p:cNvSpPr>
             <a:spLocks noGrp="1"/>
           </p:cNvSpPr>
@@ -3061,7 +4243,7 @@
         <p:spPr>
           <a:xfrm>
             <a:off x="311760" y="444960"/>
-            <a:ext cx="8520120" cy="2654640"/>
+            <a:ext cx="8519760" cy="2652840"/>
           </a:xfrm>
           <a:prstGeom prst="rect">
             <a:avLst/>
@@ -3099,7 +4281,7 @@
       </p:grpSpPr>
       <p:sp>
         <p:nvSpPr>
-          <p:cNvPr id="12" name="PlaceHolder 1"/>
+          <p:cNvPr id="11" name="PlaceHolder 1"/>
           <p:cNvSpPr>
             <a:spLocks noGrp="1"/>
           </p:cNvSpPr>
@@ -3109,8 +4291,8 @@
         </p:nvSpPr>
         <p:spPr>
           <a:xfrm>
-            <a:off x="311760" y="444960"/>
-            <a:ext cx="8520120" cy="572400"/>
+            <a:off x="311760" y="418320"/>
+            <a:ext cx="8519760" cy="625320"/>
           </a:xfrm>
           <a:prstGeom prst="rect">
             <a:avLst/>
@@ -3119,13 +4301,14 @@
         <p:txBody>
           <a:bodyPr lIns="0" rIns="0" tIns="0" bIns="0" anchor="ctr"/>
           <a:p>
-            <a:endParaRPr/>
-          </a:p>
-        </p:txBody>
-      </p:sp>
-      <p:sp>
-        <p:nvSpPr>
-          <p:cNvPr id="13" name="PlaceHolder 2"/>
+            <a:pPr algn="ctr"/>
+            <a:endParaRPr/>
+          </a:p>
+        </p:txBody>
+      </p:sp>
+      <p:sp>
+        <p:nvSpPr>
+          <p:cNvPr id="12" name="PlaceHolder 2"/>
           <p:cNvSpPr>
             <a:spLocks noGrp="1"/>
           </p:cNvSpPr>
@@ -3136,7 +4319,7 @@
         <p:spPr>
           <a:xfrm>
             <a:off x="311760" y="1152360"/>
-            <a:ext cx="4157640" cy="1629360"/>
+            <a:ext cx="4157280" cy="1629000"/>
           </a:xfrm>
           <a:prstGeom prst="rect">
             <a:avLst/>
@@ -3151,7 +4334,7 @@
       </p:sp>
       <p:sp>
         <p:nvSpPr>
-          <p:cNvPr id="14" name="PlaceHolder 3"/>
+          <p:cNvPr id="13" name="PlaceHolder 3"/>
           <p:cNvSpPr>
             <a:spLocks noGrp="1"/>
           </p:cNvSpPr>
@@ -3161,8 +4344,8 @@
         </p:nvSpPr>
         <p:spPr>
           <a:xfrm>
-            <a:off x="311760" y="2936880"/>
-            <a:ext cx="4157640" cy="1629360"/>
+            <a:off x="311760" y="2936520"/>
+            <a:ext cx="4157280" cy="1629000"/>
           </a:xfrm>
           <a:prstGeom prst="rect">
             <a:avLst/>
@@ -3177,7 +4360,7 @@
       </p:sp>
       <p:sp>
         <p:nvSpPr>
-          <p:cNvPr id="15" name="PlaceHolder 4"/>
+          <p:cNvPr id="14" name="PlaceHolder 4"/>
           <p:cNvSpPr>
             <a:spLocks noGrp="1"/>
           </p:cNvSpPr>
@@ -3187,8 +4370,8 @@
         </p:nvSpPr>
         <p:spPr>
           <a:xfrm>
-            <a:off x="4677840" y="1152360"/>
-            <a:ext cx="4157640" cy="3416040"/>
+            <a:off x="4677120" y="1152360"/>
+            <a:ext cx="4157280" cy="3415680"/>
           </a:xfrm>
           <a:prstGeom prst="rect">
             <a:avLst/>
@@ -3225,7 +4408,7 @@
       </p:grpSpPr>
       <p:sp>
         <p:nvSpPr>
-          <p:cNvPr id="16" name="PlaceHolder 1"/>
+          <p:cNvPr id="15" name="PlaceHolder 1"/>
           <p:cNvSpPr>
             <a:spLocks noGrp="1"/>
           </p:cNvSpPr>
@@ -3235,8 +4418,8 @@
         </p:nvSpPr>
         <p:spPr>
           <a:xfrm>
-            <a:off x="311760" y="444960"/>
-            <a:ext cx="8520120" cy="572400"/>
+            <a:off x="311760" y="418320"/>
+            <a:ext cx="8519760" cy="625320"/>
           </a:xfrm>
           <a:prstGeom prst="rect">
             <a:avLst/>
@@ -3245,13 +4428,14 @@
         <p:txBody>
           <a:bodyPr lIns="0" rIns="0" tIns="0" bIns="0" anchor="ctr"/>
           <a:p>
-            <a:endParaRPr/>
-          </a:p>
-        </p:txBody>
-      </p:sp>
-      <p:sp>
-        <p:nvSpPr>
-          <p:cNvPr id="17" name="PlaceHolder 2"/>
+            <a:pPr algn="ctr"/>
+            <a:endParaRPr/>
+          </a:p>
+        </p:txBody>
+      </p:sp>
+      <p:sp>
+        <p:nvSpPr>
+          <p:cNvPr id="16" name="PlaceHolder 2"/>
           <p:cNvSpPr>
             <a:spLocks noGrp="1"/>
           </p:cNvSpPr>
@@ -3262,7 +4446,7 @@
         <p:spPr>
           <a:xfrm>
             <a:off x="311760" y="1152360"/>
-            <a:ext cx="4157640" cy="3416040"/>
+            <a:ext cx="4157280" cy="3415680"/>
           </a:xfrm>
           <a:prstGeom prst="rect">
             <a:avLst/>
@@ -3277,7 +4461,7 @@
       </p:sp>
       <p:sp>
         <p:nvSpPr>
-          <p:cNvPr id="18" name="PlaceHolder 3"/>
+          <p:cNvPr id="17" name="PlaceHolder 3"/>
           <p:cNvSpPr>
             <a:spLocks noGrp="1"/>
           </p:cNvSpPr>
@@ -3287,8 +4471,8 @@
         </p:nvSpPr>
         <p:spPr>
           <a:xfrm>
-            <a:off x="4677840" y="1152360"/>
-            <a:ext cx="4157640" cy="1629360"/>
+            <a:off x="4677120" y="1152360"/>
+            <a:ext cx="4157280" cy="1629000"/>
           </a:xfrm>
           <a:prstGeom prst="rect">
             <a:avLst/>
@@ -3303,7 +4487,7 @@
       </p:sp>
       <p:sp>
         <p:nvSpPr>
-          <p:cNvPr id="19" name="PlaceHolder 4"/>
+          <p:cNvPr id="18" name="PlaceHolder 4"/>
           <p:cNvSpPr>
             <a:spLocks noGrp="1"/>
           </p:cNvSpPr>
@@ -3313,8 +4497,8 @@
         </p:nvSpPr>
         <p:spPr>
           <a:xfrm>
-            <a:off x="4677840" y="2936880"/>
-            <a:ext cx="4157640" cy="1629360"/>
+            <a:off x="4677120" y="2936520"/>
+            <a:ext cx="4157280" cy="1629000"/>
           </a:xfrm>
           <a:prstGeom prst="rect">
             <a:avLst/>
@@ -3351,7 +4535,7 @@
       </p:grpSpPr>
       <p:sp>
         <p:nvSpPr>
-          <p:cNvPr id="20" name="PlaceHolder 1"/>
+          <p:cNvPr id="19" name="PlaceHolder 1"/>
           <p:cNvSpPr>
             <a:spLocks noGrp="1"/>
           </p:cNvSpPr>
@@ -3361,8 +4545,8 @@
         </p:nvSpPr>
         <p:spPr>
           <a:xfrm>
-            <a:off x="311760" y="444960"/>
-            <a:ext cx="8520120" cy="572400"/>
+            <a:off x="311760" y="418320"/>
+            <a:ext cx="8519760" cy="625320"/>
           </a:xfrm>
           <a:prstGeom prst="rect">
             <a:avLst/>
@@ -3371,13 +4555,14 @@
         <p:txBody>
           <a:bodyPr lIns="0" rIns="0" tIns="0" bIns="0" anchor="ctr"/>
           <a:p>
-            <a:endParaRPr/>
-          </a:p>
-        </p:txBody>
-      </p:sp>
-      <p:sp>
-        <p:nvSpPr>
-          <p:cNvPr id="21" name="PlaceHolder 2"/>
+            <a:pPr algn="ctr"/>
+            <a:endParaRPr/>
+          </a:p>
+        </p:txBody>
+      </p:sp>
+      <p:sp>
+        <p:nvSpPr>
+          <p:cNvPr id="20" name="PlaceHolder 2"/>
           <p:cNvSpPr>
             <a:spLocks noGrp="1"/>
           </p:cNvSpPr>
@@ -3388,7 +4573,7 @@
         <p:spPr>
           <a:xfrm>
             <a:off x="311760" y="1152360"/>
-            <a:ext cx="4157640" cy="1629360"/>
+            <a:ext cx="4157280" cy="1629000"/>
           </a:xfrm>
           <a:prstGeom prst="rect">
             <a:avLst/>
@@ -3403,7 +4588,7 @@
       </p:sp>
       <p:sp>
         <p:nvSpPr>
-          <p:cNvPr id="22" name="PlaceHolder 3"/>
+          <p:cNvPr id="21" name="PlaceHolder 3"/>
           <p:cNvSpPr>
             <a:spLocks noGrp="1"/>
           </p:cNvSpPr>
@@ -3413,8 +4598,8 @@
         </p:nvSpPr>
         <p:spPr>
           <a:xfrm>
-            <a:off x="4677840" y="1152360"/>
-            <a:ext cx="4157640" cy="1629360"/>
+            <a:off x="4677120" y="1152360"/>
+            <a:ext cx="4157280" cy="1629000"/>
           </a:xfrm>
           <a:prstGeom prst="rect">
             <a:avLst/>
@@ -3429,7 +4614,7 @@
       </p:sp>
       <p:sp>
         <p:nvSpPr>
-          <p:cNvPr id="23" name="PlaceHolder 4"/>
+          <p:cNvPr id="22" name="PlaceHolder 4"/>
           <p:cNvSpPr>
             <a:spLocks noGrp="1"/>
           </p:cNvSpPr>
@@ -3439,8 +4624,8 @@
         </p:nvSpPr>
         <p:spPr>
           <a:xfrm>
-            <a:off x="311760" y="2936880"/>
-            <a:ext cx="8520120" cy="1629360"/>
+            <a:off x="311760" y="2936520"/>
+            <a:ext cx="8519760" cy="1629000"/>
           </a:xfrm>
           <a:prstGeom prst="rect">
             <a:avLst/>
@@ -3494,18 +4679,18 @@
         </p:nvSpPr>
         <p:spPr>
           <a:xfrm>
-            <a:off x="311760" y="744480"/>
-            <a:ext cx="8520120" cy="2052360"/>
-          </a:xfrm>
-          <a:prstGeom prst="rect">
-            <a:avLst/>
-          </a:prstGeom>
-        </p:spPr>
-        <p:txBody>
-          <a:bodyPr tIns="91440" bIns="91440" anchor="b"/>
-          <a:p>
-            <a:r>
-              <a:rPr lang="en-US" sz="5200">
+            <a:off x="311760" y="444960"/>
+            <a:ext cx="8519760" cy="572040"/>
+          </a:xfrm>
+          <a:prstGeom prst="rect">
+            <a:avLst/>
+          </a:prstGeom>
+        </p:spPr>
+        <p:txBody>
+          <a:bodyPr lIns="0" rIns="0" tIns="0" bIns="0" anchor="ctr"/>
+          <a:p>
+            <a:r>
+              <a:rPr lang="en-US">
                 <a:latin typeface="Arial"/>
               </a:rPr>
               <a:t>Click to edit the title text format</a:t>
@@ -3517,47 +4702,6 @@
       <p:sp>
         <p:nvSpPr>
           <p:cNvPr id="1" name="PlaceHolder 2"/>
-          <p:cNvSpPr>
-            <a:spLocks noGrp="1"/>
-          </p:cNvSpPr>
-          <p:nvPr>
-            <p:ph type="sldNum"/>
-          </p:nvPr>
-        </p:nvSpPr>
-        <p:spPr>
-          <a:xfrm>
-            <a:off x="8472600" y="4663080"/>
-            <a:ext cx="548280" cy="393120"/>
-          </a:xfrm>
-          <a:prstGeom prst="rect">
-            <a:avLst/>
-          </a:prstGeom>
-        </p:spPr>
-        <p:txBody>
-          <a:bodyPr tIns="91440" bIns="91440" anchor="ctr"/>
-          <a:p>
-            <a:pPr>
-              <a:lnSpc>
-                <a:spcPct val="100000"/>
-              </a:lnSpc>
-            </a:pPr>
-            <a:fld id="{AF1D7839-79D4-4660-A734-28A3C873E9B8}" type="slidenum">
-              <a:rPr lang="en-US" sz="1400" strike="noStrike">
-                <a:solidFill>
-                  <a:srgbClr val="000000"/>
-                </a:solidFill>
-                <a:latin typeface="Arial"/>
-                <a:ea typeface="Arial"/>
-              </a:rPr>
-              <a:t>&lt;number&gt;</a:t>
-            </a:fld>
-            <a:endParaRPr/>
-          </a:p>
-        </p:txBody>
-      </p:sp>
-      <p:sp>
-        <p:nvSpPr>
-          <p:cNvPr id="2" name="PlaceHolder 3"/>
           <p:cNvSpPr>
             <a:spLocks noGrp="1"/>
           </p:cNvSpPr>
@@ -3583,7 +4727,7 @@
               <a:buChar char=""/>
             </a:pPr>
             <a:r>
-              <a:rPr lang="en-US" sz="1400">
+              <a:rPr lang="en-US" sz="3200">
                 <a:latin typeface="Arial"/>
               </a:rPr>
               <a:t>Click to edit the outline text format</a:t>
@@ -3597,7 +4741,7 @@
               <a:buChar char=""/>
             </a:pPr>
             <a:r>
-              <a:rPr lang="en-US" sz="1400">
+              <a:rPr lang="en-US" sz="2800">
                 <a:latin typeface="Arial"/>
               </a:rPr>
               <a:t>Second Outline Level</a:t>
@@ -3611,7 +4755,7 @@
               <a:buChar char=""/>
             </a:pPr>
             <a:r>
-              <a:rPr lang="en-US" sz="1400">
+              <a:rPr lang="en-US" sz="2400">
                 <a:latin typeface="Arial"/>
               </a:rPr>
               <a:t>Third Outline Level</a:t>
@@ -3625,7 +4769,7 @@
               <a:buChar char=""/>
             </a:pPr>
             <a:r>
-              <a:rPr lang="en-US" sz="1400">
+              <a:rPr lang="en-US" sz="2000">
                 <a:latin typeface="Arial"/>
               </a:rPr>
               <a:t>Fourth Outline Level</a:t>
@@ -3722,7 +4866,7 @@
       </p:grpSpPr>
       <p:sp>
         <p:nvSpPr>
-          <p:cNvPr id="37" name="PlaceHolder 1"/>
+          <p:cNvPr id="36" name="PlaceHolder 1"/>
           <p:cNvSpPr>
             <a:spLocks noGrp="1"/>
           </p:cNvSpPr>
@@ -3733,17 +4877,17 @@
         <p:spPr>
           <a:xfrm>
             <a:off x="311760" y="444960"/>
-            <a:ext cx="8520120" cy="572400"/>
-          </a:xfrm>
-          <a:prstGeom prst="rect">
-            <a:avLst/>
-          </a:prstGeom>
-        </p:spPr>
-        <p:txBody>
-          <a:bodyPr tIns="91440" bIns="91440"/>
-          <a:p>
-            <a:r>
-              <a:rPr lang="en-US" sz="2800">
+            <a:ext cx="8519760" cy="572040"/>
+          </a:xfrm>
+          <a:prstGeom prst="rect">
+            <a:avLst/>
+          </a:prstGeom>
+        </p:spPr>
+        <p:txBody>
+          <a:bodyPr lIns="0" rIns="0" tIns="0" bIns="0" anchor="ctr"/>
+          <a:p>
+            <a:r>
+              <a:rPr lang="en-US">
                 <a:latin typeface="Arial"/>
               </a:rPr>
               <a:t>Click to edit the title text format</a:t>
@@ -3754,7 +4898,7 @@
       </p:sp>
       <p:sp>
         <p:nvSpPr>
-          <p:cNvPr id="38" name="PlaceHolder 2"/>
+          <p:cNvPr id="37" name="PlaceHolder 2"/>
           <p:cNvSpPr>
             <a:spLocks noGrp="1"/>
           </p:cNvSpPr>
@@ -3765,14 +4909,14 @@
         <p:spPr>
           <a:xfrm>
             <a:off x="311760" y="1152360"/>
-            <a:ext cx="8520120" cy="3416040"/>
-          </a:xfrm>
-          <a:prstGeom prst="rect">
-            <a:avLst/>
-          </a:prstGeom>
-        </p:spPr>
-        <p:txBody>
-          <a:bodyPr tIns="91440" bIns="91440"/>
+            <a:ext cx="8519760" cy="3415680"/>
+          </a:xfrm>
+          <a:prstGeom prst="rect">
+            <a:avLst/>
+          </a:prstGeom>
+        </p:spPr>
+        <p:txBody>
+          <a:bodyPr lIns="0" rIns="0" tIns="0" bIns="0"/>
           <a:p>
             <a:pPr>
               <a:buSzPct val="45000"/>
@@ -3869,47 +5013,6 @@
               </a:rPr>
               <a:t>Seventh Outline Level</a:t>
             </a:r>
-            <a:endParaRPr/>
-          </a:p>
-        </p:txBody>
-      </p:sp>
-      <p:sp>
-        <p:nvSpPr>
-          <p:cNvPr id="39" name="PlaceHolder 3"/>
-          <p:cNvSpPr>
-            <a:spLocks noGrp="1"/>
-          </p:cNvSpPr>
-          <p:nvPr>
-            <p:ph type="sldNum"/>
-          </p:nvPr>
-        </p:nvSpPr>
-        <p:spPr>
-          <a:xfrm>
-            <a:off x="8472600" y="4663080"/>
-            <a:ext cx="548280" cy="393120"/>
-          </a:xfrm>
-          <a:prstGeom prst="rect">
-            <a:avLst/>
-          </a:prstGeom>
-        </p:spPr>
-        <p:txBody>
-          <a:bodyPr tIns="91440" bIns="91440" anchor="ctr"/>
-          <a:p>
-            <a:pPr>
-              <a:lnSpc>
-                <a:spcPct val="100000"/>
-              </a:lnSpc>
-            </a:pPr>
-            <a:fld id="{DB2463CD-CF4E-47B4-B057-2480BE616A83}" type="slidenum">
-              <a:rPr lang="en-US" sz="1400" strike="noStrike">
-                <a:solidFill>
-                  <a:srgbClr val="000000"/>
-                </a:solidFill>
-                <a:latin typeface="Arial"/>
-                <a:ea typeface="Arial"/>
-              </a:rPr>
-              <a:t>&lt;number&gt;</a:t>
-            </a:fld>
             <a:endParaRPr/>
           </a:p>
         </p:txBody>
@@ -3960,48 +5063,7 @@
       </p:grpSpPr>
       <p:sp>
         <p:nvSpPr>
-          <p:cNvPr id="74" name="PlaceHolder 1"/>
-          <p:cNvSpPr>
-            <a:spLocks noGrp="1"/>
-          </p:cNvSpPr>
-          <p:nvPr>
-            <p:ph type="sldNum"/>
-          </p:nvPr>
-        </p:nvSpPr>
-        <p:spPr>
-          <a:xfrm>
-            <a:off x="8472600" y="4663080"/>
-            <a:ext cx="548280" cy="393120"/>
-          </a:xfrm>
-          <a:prstGeom prst="rect">
-            <a:avLst/>
-          </a:prstGeom>
-        </p:spPr>
-        <p:txBody>
-          <a:bodyPr tIns="91440" bIns="91440" anchor="ctr"/>
-          <a:p>
-            <a:pPr>
-              <a:lnSpc>
-                <a:spcPct val="100000"/>
-              </a:lnSpc>
-            </a:pPr>
-            <a:fld id="{87FC0431-5B48-472A-9368-4FDE3B05D018}" type="slidenum">
-              <a:rPr lang="en-US" sz="1400" strike="noStrike">
-                <a:solidFill>
-                  <a:srgbClr val="000000"/>
-                </a:solidFill>
-                <a:latin typeface="Arial"/>
-                <a:ea typeface="Arial"/>
-              </a:rPr>
-              <a:t>&lt;number&gt;</a:t>
-            </a:fld>
-            <a:endParaRPr/>
-          </a:p>
-        </p:txBody>
-      </p:sp>
-      <p:sp>
-        <p:nvSpPr>
-          <p:cNvPr id="75" name="PlaceHolder 2"/>
+          <p:cNvPr id="72" name="PlaceHolder 1"/>
           <p:cNvSpPr>
             <a:spLocks noGrp="1"/>
           </p:cNvSpPr>
@@ -4021,8 +5083,9 @@
         <p:txBody>
           <a:bodyPr lIns="0" rIns="0" tIns="0" bIns="0" anchor="ctr"/>
           <a:p>
-            <a:r>
-              <a:rPr lang="en-US" sz="1400">
+            <a:pPr algn="ctr"/>
+            <a:r>
+              <a:rPr lang="en-US" sz="4400">
                 <a:latin typeface="Arial"/>
               </a:rPr>
               <a:t>Click to edit the title text format</a:t>
@@ -4033,7 +5096,7 @@
       </p:sp>
       <p:sp>
         <p:nvSpPr>
-          <p:cNvPr id="76" name="PlaceHolder 3"/>
+          <p:cNvPr id="73" name="PlaceHolder 2"/>
           <p:cNvSpPr>
             <a:spLocks noGrp="1"/>
           </p:cNvSpPr>
@@ -4059,7 +5122,7 @@
               <a:buChar char=""/>
             </a:pPr>
             <a:r>
-              <a:rPr lang="en-US" sz="1400">
+              <a:rPr lang="en-US" sz="3200">
                 <a:latin typeface="Arial"/>
               </a:rPr>
               <a:t>Click to edit the outline text format</a:t>
@@ -4073,7 +5136,7 @@
               <a:buChar char=""/>
             </a:pPr>
             <a:r>
-              <a:rPr lang="en-US" sz="1400">
+              <a:rPr lang="en-US" sz="2800">
                 <a:latin typeface="Arial"/>
               </a:rPr>
               <a:t>Second Outline Level</a:t>
@@ -4087,7 +5150,7 @@
               <a:buChar char=""/>
             </a:pPr>
             <a:r>
-              <a:rPr lang="en-US" sz="1400">
+              <a:rPr lang="en-US" sz="2400">
                 <a:latin typeface="Arial"/>
               </a:rPr>
               <a:t>Third Outline Level</a:t>
@@ -4101,7 +5164,7 @@
               <a:buChar char=""/>
             </a:pPr>
             <a:r>
-              <a:rPr lang="en-US" sz="1400">
+              <a:rPr lang="en-US" sz="2000">
                 <a:latin typeface="Arial"/>
               </a:rPr>
               <a:t>Fourth Outline Level</a:t>
@@ -4168,6 +5231,204 @@
     <p:sldLayoutId id="2147483684" r:id="rId11"/>
     <p:sldLayoutId id="2147483685" r:id="rId12"/>
     <p:sldLayoutId id="2147483686" r:id="rId13"/>
+  </p:sldLayoutIdLst>
+</p:sldMaster>
+</file>
+
+<file path=ppt/slideMasters/slideMaster4.xml><?xml version="1.0" encoding="utf-8"?>
+<p:sldMaster xmlns:a="http://schemas.openxmlformats.org/drawingml/2006/main" xmlns:p="http://schemas.openxmlformats.org/presentationml/2006/main" xmlns:r="http://schemas.openxmlformats.org/officeDocument/2006/relationships">
+  <p:cSld>
+    <p:bg>
+      <p:bgPr>
+        <a:solidFill>
+          <a:srgbClr val="ffffff"/>
+        </a:solidFill>
+      </p:bgPr>
+    </p:bg>
+    <p:spTree>
+      <p:nvGrpSpPr>
+        <p:cNvPr id="1" name=""/>
+        <p:cNvGrpSpPr/>
+        <p:nvPr/>
+      </p:nvGrpSpPr>
+      <p:grpSpPr>
+        <a:xfrm>
+          <a:off x="0" y="0"/>
+          <a:ext cx="0" cy="0"/>
+          <a:chOff x="0" y="0"/>
+          <a:chExt cx="0" cy="0"/>
+        </a:xfrm>
+      </p:grpSpPr>
+      <p:sp>
+        <p:nvSpPr>
+          <p:cNvPr id="108" name="PlaceHolder 1"/>
+          <p:cNvSpPr>
+            <a:spLocks noGrp="1"/>
+          </p:cNvSpPr>
+          <p:nvPr>
+            <p:ph type="title"/>
+          </p:nvPr>
+        </p:nvSpPr>
+        <p:spPr>
+          <a:xfrm>
+            <a:off x="457200" y="205200"/>
+            <a:ext cx="8229240" cy="858600"/>
+          </a:xfrm>
+          <a:prstGeom prst="rect">
+            <a:avLst/>
+          </a:prstGeom>
+        </p:spPr>
+        <p:txBody>
+          <a:bodyPr lIns="0" rIns="0" tIns="0" bIns="0" anchor="ctr"/>
+          <a:p>
+            <a:pPr algn="ctr"/>
+            <a:r>
+              <a:rPr lang="en-US" sz="4400">
+                <a:latin typeface="Arial"/>
+              </a:rPr>
+              <a:t>Click to edit the title text format</a:t>
+            </a:r>
+            <a:endParaRPr/>
+          </a:p>
+        </p:txBody>
+      </p:sp>
+      <p:sp>
+        <p:nvSpPr>
+          <p:cNvPr id="109" name="PlaceHolder 2"/>
+          <p:cNvSpPr>
+            <a:spLocks noGrp="1"/>
+          </p:cNvSpPr>
+          <p:nvPr>
+            <p:ph type="body"/>
+          </p:nvPr>
+        </p:nvSpPr>
+        <p:spPr>
+          <a:xfrm>
+            <a:off x="457200" y="1203480"/>
+            <a:ext cx="8229240" cy="2982960"/>
+          </a:xfrm>
+          <a:prstGeom prst="rect">
+            <a:avLst/>
+          </a:prstGeom>
+        </p:spPr>
+        <p:txBody>
+          <a:bodyPr lIns="0" rIns="0" tIns="0" bIns="0"/>
+          <a:p>
+            <a:pPr>
+              <a:buSzPct val="45000"/>
+              <a:buFont typeface="StarSymbol"/>
+              <a:buChar char=""/>
+            </a:pPr>
+            <a:r>
+              <a:rPr lang="en-US" sz="3200">
+                <a:latin typeface="Arial"/>
+              </a:rPr>
+              <a:t>Click to edit the outline text format</a:t>
+            </a:r>
+            <a:endParaRPr/>
+          </a:p>
+          <a:p>
+            <a:pPr lvl="1">
+              <a:buSzPct val="75000"/>
+              <a:buFont typeface="StarSymbol"/>
+              <a:buChar char=""/>
+            </a:pPr>
+            <a:r>
+              <a:rPr lang="en-US" sz="2800">
+                <a:latin typeface="Arial"/>
+              </a:rPr>
+              <a:t>Second Outline Level</a:t>
+            </a:r>
+            <a:endParaRPr/>
+          </a:p>
+          <a:p>
+            <a:pPr lvl="2">
+              <a:buSzPct val="45000"/>
+              <a:buFont typeface="StarSymbol"/>
+              <a:buChar char=""/>
+            </a:pPr>
+            <a:r>
+              <a:rPr lang="en-US" sz="2400">
+                <a:latin typeface="Arial"/>
+              </a:rPr>
+              <a:t>Third Outline Level</a:t>
+            </a:r>
+            <a:endParaRPr/>
+          </a:p>
+          <a:p>
+            <a:pPr lvl="3">
+              <a:buSzPct val="75000"/>
+              <a:buFont typeface="StarSymbol"/>
+              <a:buChar char=""/>
+            </a:pPr>
+            <a:r>
+              <a:rPr lang="en-US" sz="2000">
+                <a:latin typeface="Arial"/>
+              </a:rPr>
+              <a:t>Fourth Outline Level</a:t>
+            </a:r>
+            <a:endParaRPr/>
+          </a:p>
+          <a:p>
+            <a:pPr lvl="4">
+              <a:buSzPct val="45000"/>
+              <a:buFont typeface="StarSymbol"/>
+              <a:buChar char=""/>
+            </a:pPr>
+            <a:r>
+              <a:rPr lang="en-US" sz="2000">
+                <a:latin typeface="Arial"/>
+              </a:rPr>
+              <a:t>Fifth Outline Level</a:t>
+            </a:r>
+            <a:endParaRPr/>
+          </a:p>
+          <a:p>
+            <a:pPr lvl="5">
+              <a:buSzPct val="45000"/>
+              <a:buFont typeface="StarSymbol"/>
+              <a:buChar char=""/>
+            </a:pPr>
+            <a:r>
+              <a:rPr lang="en-US" sz="2000">
+                <a:latin typeface="Arial"/>
+              </a:rPr>
+              <a:t>Sixth Outline Level</a:t>
+            </a:r>
+            <a:endParaRPr/>
+          </a:p>
+          <a:p>
+            <a:pPr lvl="6">
+              <a:buSzPct val="45000"/>
+              <a:buFont typeface="StarSymbol"/>
+              <a:buChar char=""/>
+            </a:pPr>
+            <a:r>
+              <a:rPr lang="en-US" sz="2000">
+                <a:latin typeface="Arial"/>
+              </a:rPr>
+              <a:t>Seventh Outline Level</a:t>
+            </a:r>
+            <a:endParaRPr/>
+          </a:p>
+        </p:txBody>
+      </p:sp>
+    </p:spTree>
+  </p:cSld>
+  <p:clrMap bg1="lt1" bg2="lt2" tx1="dk1" tx2="dk2" accent1="accent1" accent2="accent2" accent3="accent3" accent4="accent4" accent5="accent5" accent6="accent6" hlink="hlink" folHlink="folHlink"/>
+  <p:sldLayoutIdLst>
+    <p:sldLayoutId id="2147483688" r:id="rId2"/>
+    <p:sldLayoutId id="2147483689" r:id="rId3"/>
+    <p:sldLayoutId id="2147483690" r:id="rId4"/>
+    <p:sldLayoutId id="2147483691" r:id="rId5"/>
+    <p:sldLayoutId id="2147483692" r:id="rId6"/>
+    <p:sldLayoutId id="2147483693" r:id="rId7"/>
+    <p:sldLayoutId id="2147483694" r:id="rId8"/>
+    <p:sldLayoutId id="2147483695" r:id="rId9"/>
+    <p:sldLayoutId id="2147483696" r:id="rId10"/>
+    <p:sldLayoutId id="2147483697" r:id="rId11"/>
+    <p:sldLayoutId id="2147483698" r:id="rId12"/>
+    <p:sldLayoutId id="2147483699" r:id="rId13"/>
   </p:sldLayoutIdLst>
 </p:sldMaster>
 </file>
@@ -4191,14 +5452,14 @@
       </p:grpSpPr>
       <p:sp>
         <p:nvSpPr>
-          <p:cNvPr id="111" name="TextShape 1"/>
-          <p:cNvSpPr txBox="1"/>
+          <p:cNvPr id="144" name="CustomShape 1"/>
+          <p:cNvSpPr/>
           <p:nvPr/>
         </p:nvSpPr>
         <p:spPr>
           <a:xfrm>
             <a:off x="311760" y="744480"/>
-            <a:ext cx="8520120" cy="2052360"/>
+            <a:ext cx="8519760" cy="2052000"/>
           </a:xfrm>
           <a:prstGeom prst="rect">
             <a:avLst/>
@@ -4208,8 +5469,27 @@
             <a:noFill/>
           </a:ln>
         </p:spPr>
-        <p:txBody>
-          <a:bodyPr tIns="91440" bIns="91440" anchor="b"/>
+        <p:style>
+          <a:lnRef idx="0"/>
+          <a:fillRef idx="0"/>
+          <a:effectRef idx="0"/>
+          <a:fontRef idx="minor"/>
+        </p:style>
+        <p:txBody>
+          <a:bodyPr lIns="90000" rIns="90000" tIns="91440" bIns="91440" anchor="b"/>
+          <a:p>
+            <a:r>
+              <a:rPr lang="en-US" sz="4400" strike="noStrike">
+                <a:solidFill>
+                  <a:srgbClr val="000000"/>
+                </a:solidFill>
+                <a:latin typeface="Calibri"/>
+                <a:ea typeface="Calibri"/>
+              </a:rPr>
+              <a:t>Advanced Encryption Standards</a:t>
+            </a:r>
+            <a:endParaRPr/>
+          </a:p>
           <a:p>
             <a:pPr algn="ctr">
               <a:lnSpc>
@@ -4224,27 +5504,6 @@
                 <a:latin typeface="Calibri"/>
                 <a:ea typeface="Calibri"/>
               </a:rPr>
-              <a:t>Advanced Encryption Standards</a:t>
-            </a:r>
-            <a:r>
-              <a:rPr lang="en-US" sz="4400" strike="noStrike">
-                <a:solidFill>
-                  <a:srgbClr val="000000"/>
-                </a:solidFill>
-                <a:latin typeface="Calibri"/>
-                <a:ea typeface="Calibri"/>
-              </a:rPr>
-              <a:t>
-</a:t>
-            </a:r>
-            <a:r>
-              <a:rPr lang="en-US" sz="4400" strike="noStrike">
-                <a:solidFill>
-                  <a:srgbClr val="000000"/>
-                </a:solidFill>
-                <a:latin typeface="Calibri"/>
-                <a:ea typeface="Calibri"/>
-              </a:rPr>
               <a:t>(AES) Extensions</a:t>
             </a:r>
             <a:endParaRPr/>
@@ -4253,14 +5512,14 @@
       </p:sp>
       <p:sp>
         <p:nvSpPr>
-          <p:cNvPr id="112" name="TextShape 2"/>
-          <p:cNvSpPr txBox="1"/>
+          <p:cNvPr id="145" name="CustomShape 2"/>
+          <p:cNvSpPr/>
           <p:nvPr/>
         </p:nvSpPr>
         <p:spPr>
           <a:xfrm>
             <a:off x="396720" y="3832560"/>
-            <a:ext cx="8520120" cy="792360"/>
+            <a:ext cx="8519760" cy="792000"/>
           </a:xfrm>
           <a:prstGeom prst="rect">
             <a:avLst/>
@@ -4270,8 +5529,14 @@
             <a:noFill/>
           </a:ln>
         </p:spPr>
-        <p:txBody>
-          <a:bodyPr tIns="91440" bIns="91440"/>
+        <p:style>
+          <a:lnRef idx="0"/>
+          <a:fillRef idx="0"/>
+          <a:effectRef idx="0"/>
+          <a:fontRef idx="minor"/>
+        </p:style>
+        <p:txBody>
+          <a:bodyPr lIns="90000" rIns="90000" tIns="91440" bIns="91440"/>
           <a:p>
             <a:pPr algn="r">
               <a:lnSpc>
@@ -4364,14 +5629,14 @@
       </p:grpSpPr>
       <p:sp>
         <p:nvSpPr>
-          <p:cNvPr id="128" name="TextShape 1"/>
-          <p:cNvSpPr txBox="1"/>
+          <p:cNvPr id="161" name="CustomShape 1"/>
+          <p:cNvSpPr/>
           <p:nvPr/>
         </p:nvSpPr>
         <p:spPr>
           <a:xfrm>
             <a:off x="311760" y="362880"/>
-            <a:ext cx="8520120" cy="4205880"/>
+            <a:ext cx="8519760" cy="4205520"/>
           </a:xfrm>
           <a:prstGeom prst="rect">
             <a:avLst/>
@@ -4381,8 +5646,14 @@
             <a:noFill/>
           </a:ln>
         </p:spPr>
-        <p:txBody>
-          <a:bodyPr tIns="91440" bIns="91440"/>
+        <p:style>
+          <a:lnRef idx="0"/>
+          <a:fillRef idx="0"/>
+          <a:effectRef idx="0"/>
+          <a:fontRef idx="minor"/>
+        </p:style>
+        <p:txBody>
+          <a:bodyPr lIns="90000" rIns="90000" tIns="91440" bIns="91440"/>
           <a:p>
             <a:pPr>
               <a:lnSpc>
@@ -4390,14 +5661,24 @@
               </a:lnSpc>
             </a:pPr>
             <a:r>
-              <a:rPr lang="en-US" sz="1400" strike="noStrike">
+              <a:rPr b="1" lang="en-US" sz="1400" strike="noStrike">
                 <a:solidFill>
                   <a:srgbClr val="000000"/>
                 </a:solidFill>
                 <a:latin typeface="Ubuntu"/>
                 <a:ea typeface="Ubuntu"/>
               </a:rPr>
-              <a:t>AES decryption process:</a:t>
+              <a:t>AES decryption process</a:t>
+            </a:r>
+            <a:r>
+              <a:rPr lang="en-US" sz="1400" strike="noStrike">
+                <a:solidFill>
+                  <a:srgbClr val="000000"/>
+                </a:solidFill>
+                <a:latin typeface="Ubuntu"/>
+                <a:ea typeface="Ubuntu"/>
+              </a:rPr>
+              <a:t>:</a:t>
             </a:r>
             <a:endParaRPr/>
           </a:p>
@@ -4415,6 +5696,16 @@
                 <a:latin typeface="Ubuntu"/>
                 <a:ea typeface="Ubuntu"/>
               </a:rPr>
+              <a:t>	</a:t>
+            </a:r>
+            <a:r>
+              <a:rPr lang="en-US" sz="1400" strike="noStrike">
+                <a:solidFill>
+                  <a:srgbClr val="000000"/>
+                </a:solidFill>
+                <a:latin typeface="Ubuntu"/>
+                <a:ea typeface="Ubuntu"/>
+              </a:rPr>
               <a:t>This is similar to the encryption process, but does in reverse order.</a:t>
             </a:r>
             <a:endParaRPr/>
@@ -4424,17 +5715,9 @@
               <a:lnSpc>
                 <a:spcPct val="100000"/>
               </a:lnSpc>
-            </a:pPr>
-            <a:r>
-              <a:rPr lang="en-US" sz="1400" strike="noStrike">
-                <a:solidFill>
-                  <a:srgbClr val="000000"/>
-                </a:solidFill>
-                <a:latin typeface="Ubuntu"/>
-                <a:ea typeface="Ubuntu"/>
-              </a:rPr>
-              <a:t>inverse ShiftRows()</a:t>
-            </a:r>
+              <a:buFont typeface="StarSymbol"/>
+              <a:buChar char=""/>
+            </a:pPr>
             <a:endParaRPr/>
           </a:p>
           <a:p>
@@ -4442,6 +5725,8 @@
               <a:lnSpc>
                 <a:spcPct val="100000"/>
               </a:lnSpc>
+              <a:buFont typeface="StarSymbol"/>
+              <a:buChar char=""/>
             </a:pPr>
             <a:r>
               <a:rPr lang="en-US" sz="1400" strike="noStrike">
@@ -4451,7 +5736,17 @@
                 <a:latin typeface="Ubuntu"/>
                 <a:ea typeface="Ubuntu"/>
               </a:rPr>
-              <a:t>Inverse SubBytes()</a:t>
+              <a:t>	</a:t>
+            </a:r>
+            <a:r>
+              <a:rPr lang="en-US" sz="1400" strike="noStrike">
+                <a:solidFill>
+                  <a:srgbClr val="000000"/>
+                </a:solidFill>
+                <a:latin typeface="Ubuntu"/>
+                <a:ea typeface="Ubuntu"/>
+              </a:rPr>
+              <a:t>Inverse ShiftRows()</a:t>
             </a:r>
             <a:endParaRPr/>
           </a:p>
@@ -4460,6 +5755,8 @@
               <a:lnSpc>
                 <a:spcPct val="100000"/>
               </a:lnSpc>
+              <a:buFont typeface="StarSymbol"/>
+              <a:buChar char=""/>
             </a:pPr>
             <a:r>
               <a:rPr lang="en-US" sz="1400" strike="noStrike">
@@ -4469,7 +5766,17 @@
                 <a:latin typeface="Ubuntu"/>
                 <a:ea typeface="Ubuntu"/>
               </a:rPr>
-              <a:t>AddRoundKey()</a:t>
+              <a:t>	</a:t>
+            </a:r>
+            <a:r>
+              <a:rPr lang="en-US" sz="1400" strike="noStrike">
+                <a:solidFill>
+                  <a:srgbClr val="000000"/>
+                </a:solidFill>
+                <a:latin typeface="Ubuntu"/>
+                <a:ea typeface="Ubuntu"/>
+              </a:rPr>
+              <a:t>Inverse SubBytes()</a:t>
             </a:r>
             <a:endParaRPr/>
           </a:p>
@@ -4478,6 +5785,8 @@
               <a:lnSpc>
                 <a:spcPct val="100000"/>
               </a:lnSpc>
+              <a:buFont typeface="StarSymbol"/>
+              <a:buChar char=""/>
             </a:pPr>
             <a:r>
               <a:rPr lang="en-US" sz="1400" strike="noStrike">
@@ -4487,7 +5796,17 @@
                 <a:latin typeface="Ubuntu"/>
                 <a:ea typeface="Ubuntu"/>
               </a:rPr>
-              <a:t>Inverse MixColumns()</a:t>
+              <a:t>	</a:t>
+            </a:r>
+            <a:r>
+              <a:rPr lang="en-US" sz="1400" strike="noStrike">
+                <a:solidFill>
+                  <a:srgbClr val="000000"/>
+                </a:solidFill>
+                <a:latin typeface="Ubuntu"/>
+                <a:ea typeface="Ubuntu"/>
+              </a:rPr>
+              <a:t>AddRoundKey()</a:t>
             </a:r>
             <a:endParaRPr/>
           </a:p>
@@ -4496,7 +5815,29 @@
               <a:lnSpc>
                 <a:spcPct val="100000"/>
               </a:lnSpc>
-            </a:pPr>
+              <a:buFont typeface="StarSymbol"/>
+              <a:buChar char=""/>
+            </a:pPr>
+            <a:r>
+              <a:rPr lang="en-US" sz="1400" strike="noStrike">
+                <a:solidFill>
+                  <a:srgbClr val="000000"/>
+                </a:solidFill>
+                <a:latin typeface="Ubuntu"/>
+                <a:ea typeface="Ubuntu"/>
+              </a:rPr>
+              <a:t>	</a:t>
+            </a:r>
+            <a:r>
+              <a:rPr lang="en-US" sz="1400" strike="noStrike">
+                <a:solidFill>
+                  <a:srgbClr val="000000"/>
+                </a:solidFill>
+                <a:latin typeface="Ubuntu"/>
+                <a:ea typeface="Ubuntu"/>
+              </a:rPr>
+              <a:t>Inverse MixColumns()</a:t>
+            </a:r>
             <a:endParaRPr/>
           </a:p>
           <a:p>
@@ -4504,47 +5845,9 @@
               <a:lnSpc>
                 <a:spcPct val="100000"/>
               </a:lnSpc>
-            </a:pPr>
-            <a:r>
-              <a:rPr lang="en-US" sz="1400" strike="noStrike">
-                <a:solidFill>
-                  <a:srgbClr val="000000"/>
-                </a:solidFill>
-                <a:latin typeface="Ubuntu"/>
-                <a:ea typeface="Ubuntu"/>
-              </a:rPr>
-              <a:t> </a:t>
-            </a:r>
-            <a:r>
-              <a:rPr lang="en-US" sz="1400" strike="noStrike">
-                <a:solidFill>
-                  <a:srgbClr val="000000"/>
-                </a:solidFill>
-                <a:latin typeface="Ubuntu"/>
-                <a:ea typeface="Ubuntu"/>
-              </a:rPr>
-              <a:t>	</a:t>
-            </a:r>
-            <a:r>
-              <a:rPr lang="en-US" sz="1400" strike="noStrike">
-                <a:solidFill>
-                  <a:srgbClr val="000000"/>
-                </a:solidFill>
-                <a:latin typeface="Ubuntu"/>
-                <a:ea typeface="Ubuntu"/>
-              </a:rPr>
-              <a:t>	</a:t>
-            </a:r>
-            <a:r>
-              <a:rPr lang="en-US" sz="1400" strike="noStrike">
-                <a:solidFill>
-                  <a:srgbClr val="000000"/>
-                </a:solidFill>
-                <a:latin typeface="Ubuntu"/>
-                <a:ea typeface="Ubuntu"/>
-              </a:rPr>
-              <a:t>Here we use the same key used for encryption, generate it and save in reverse order.</a:t>
-            </a:r>
+              <a:buFont typeface="StarSymbol"/>
+              <a:buChar char=""/>
+            </a:pPr>
             <a:endParaRPr/>
           </a:p>
           <a:p>
@@ -4553,6 +5856,36 @@
                 <a:spcPct val="100000"/>
               </a:lnSpc>
             </a:pPr>
+            <a:r>
+              <a:rPr lang="en-US" sz="1400" strike="noStrike">
+                <a:solidFill>
+                  <a:srgbClr val="000000"/>
+                </a:solidFill>
+                <a:latin typeface="Ubuntu"/>
+                <a:ea typeface="Ubuntu"/>
+              </a:rPr>
+              <a:t> </a:t>
+            </a:r>
+            <a:r>
+              <a:rPr lang="en-US" sz="1400" strike="noStrike">
+                <a:solidFill>
+                  <a:srgbClr val="000000"/>
+                </a:solidFill>
+                <a:latin typeface="Ubuntu"/>
+                <a:ea typeface="Ubuntu"/>
+              </a:rPr>
+              <a:t>	</a:t>
+            </a:r>
+            <a:r>
+              <a:rPr lang="en-US" sz="1400" strike="noStrike">
+                <a:solidFill>
+                  <a:srgbClr val="000000"/>
+                </a:solidFill>
+                <a:latin typeface="Ubuntu"/>
+                <a:ea typeface="Ubuntu"/>
+              </a:rPr>
+              <a:t>Here we use the same key used for encryption, generate it and save in reverse order.</a:t>
+            </a:r>
             <a:endParaRPr/>
           </a:p>
           <a:p>
@@ -4561,46 +5894,6 @@
                 <a:spcPct val="100000"/>
               </a:lnSpc>
             </a:pPr>
-            <a:r>
-              <a:rPr lang="en-US" sz="1400" strike="noStrike">
-                <a:solidFill>
-                  <a:srgbClr val="000000"/>
-                </a:solidFill>
-                <a:latin typeface="Ubuntu"/>
-                <a:ea typeface="Ubuntu"/>
-              </a:rPr>
-              <a:t> </a:t>
-            </a:r>
-            <a:r>
-              <a:rPr lang="en-US" sz="1400" strike="noStrike">
-                <a:solidFill>
-                  <a:srgbClr val="000000"/>
-                </a:solidFill>
-                <a:latin typeface="Ubuntu"/>
-                <a:ea typeface="Ubuntu"/>
-              </a:rPr>
-              <a:t>	</a:t>
-            </a:r>
-            <a:r>
-              <a:rPr lang="en-US" sz="1400" strike="noStrike">
-                <a:solidFill>
-                  <a:srgbClr val="000000"/>
-                </a:solidFill>
-                <a:latin typeface="Ubuntu"/>
-                <a:ea typeface="Ubuntu"/>
-              </a:rPr>
-              <a:t>	</a:t>
-            </a:r>
-            <a:r>
-              <a:rPr lang="en-US" sz="1400" strike="noStrike">
-                <a:solidFill>
-                  <a:srgbClr val="000000"/>
-                </a:solidFill>
-                <a:latin typeface="Ubuntu"/>
-                <a:ea typeface="Ubuntu"/>
-              </a:rPr>
-              <a:t>Round keys and cipher text undergo transformations such as XOR,Inverse_Sbox,shifting rows and mix coulmns, based on the round of iteration.</a:t>
-            </a:r>
             <a:endParaRPr/>
           </a:p>
           <a:p>
@@ -4609,6 +5902,36 @@
                 <a:spcPct val="100000"/>
               </a:lnSpc>
             </a:pPr>
+            <a:r>
+              <a:rPr lang="en-US" sz="1400" strike="noStrike">
+                <a:solidFill>
+                  <a:srgbClr val="000000"/>
+                </a:solidFill>
+                <a:latin typeface="Ubuntu"/>
+                <a:ea typeface="Ubuntu"/>
+              </a:rPr>
+              <a:t> </a:t>
+            </a:r>
+            <a:r>
+              <a:rPr lang="en-US" sz="1400" strike="noStrike">
+                <a:solidFill>
+                  <a:srgbClr val="000000"/>
+                </a:solidFill>
+                <a:latin typeface="Ubuntu"/>
+                <a:ea typeface="Ubuntu"/>
+              </a:rPr>
+              <a:t>	</a:t>
+            </a:r>
+            <a:r>
+              <a:rPr lang="en-US" sz="1400" strike="noStrike">
+                <a:solidFill>
+                  <a:srgbClr val="000000"/>
+                </a:solidFill>
+                <a:latin typeface="Ubuntu"/>
+                <a:ea typeface="Ubuntu"/>
+              </a:rPr>
+              <a:t>Round keys and cipher text undergo transformations such as XOR,Inverse_Sbox,shifting rows and mix coulmns, based on the round of iteration.</a:t>
+            </a:r>
             <a:endParaRPr/>
           </a:p>
           <a:p>
@@ -4617,6 +5940,14 @@
                 <a:spcPct val="100000"/>
               </a:lnSpc>
             </a:pPr>
+            <a:endParaRPr/>
+          </a:p>
+          <a:p>
+            <a:pPr>
+              <a:lnSpc>
+                <a:spcPct val="100000"/>
+              </a:lnSpc>
+            </a:pPr>
             <a:r>
               <a:rPr lang="en-US" sz="1400" strike="noStrike">
                 <a:solidFill>
@@ -4626,16 +5957,6 @@
                 <a:ea typeface="Ubuntu"/>
               </a:rPr>
               <a:t> </a:t>
-            </a:r>
-            <a:r>
-              <a:rPr lang="en-US" sz="1400" strike="noStrike">
-                <a:solidFill>
-                  <a:srgbClr val="000000"/>
-                </a:solidFill>
-                <a:latin typeface="Ubuntu"/>
-                <a:ea typeface="Ubuntu"/>
-              </a:rPr>
-              <a:t>	</a:t>
             </a:r>
             <a:r>
               <a:rPr lang="en-US" sz="1400" strike="noStrike">
@@ -4744,14 +6065,14 @@
       </p:grpSpPr>
       <p:sp>
         <p:nvSpPr>
-          <p:cNvPr id="129" name="TextShape 1"/>
-          <p:cNvSpPr txBox="1"/>
+          <p:cNvPr id="162" name="CustomShape 1"/>
+          <p:cNvSpPr/>
           <p:nvPr/>
         </p:nvSpPr>
         <p:spPr>
           <a:xfrm>
             <a:off x="583560" y="640080"/>
-            <a:ext cx="8020440" cy="1856520"/>
+            <a:ext cx="8020080" cy="1856160"/>
           </a:xfrm>
           <a:prstGeom prst="rect">
             <a:avLst/>
@@ -4761,6 +6082,12 @@
             <a:noFill/>
           </a:ln>
         </p:spPr>
+        <p:style>
+          <a:lnRef idx="0"/>
+          <a:fillRef idx="0"/>
+          <a:effectRef idx="0"/>
+          <a:fontRef idx="minor"/>
+        </p:style>
         <p:txBody>
           <a:bodyPr lIns="90000" rIns="90000" tIns="45000" bIns="45000"/>
           <a:p>
@@ -4903,6 +6230,33 @@
       </p:sp>
     </p:spTree>
   </p:cSld>
+  <p:timing>
+    <p:tnLst>
+      <p:par>
+        <p:cTn id="31" dur="indefinite" restart="never" nodeType="tmRoot">
+          <p:childTnLst>
+            <p:seq>
+              <p:cTn id="32" nodeType="mainSeq"/>
+              <p:prevCondLst>
+                <p:cond delay="0" evt="onPrev">
+                  <p:tgtEl>
+                    <p:sldTgt/>
+                  </p:tgtEl>
+                </p:cond>
+              </p:prevCondLst>
+              <p:nextCondLst>
+                <p:cond delay="0" evt="onNext">
+                  <p:tgtEl>
+                    <p:sldTgt/>
+                  </p:tgtEl>
+                </p:cond>
+              </p:nextCondLst>
+            </p:seq>
+          </p:childTnLst>
+        </p:cTn>
+      </p:par>
+    </p:tnLst>
+  </p:timing>
 </p:sld>
 </file>
 
@@ -4925,14 +6279,14 @@
       </p:grpSpPr>
       <p:sp>
         <p:nvSpPr>
-          <p:cNvPr id="130" name="TextShape 1"/>
-          <p:cNvSpPr txBox="1"/>
+          <p:cNvPr id="163" name="CustomShape 1"/>
+          <p:cNvSpPr/>
           <p:nvPr/>
         </p:nvSpPr>
         <p:spPr>
           <a:xfrm>
             <a:off x="175680" y="109800"/>
-            <a:ext cx="8520120" cy="572400"/>
+            <a:ext cx="8519760" cy="572040"/>
           </a:xfrm>
           <a:prstGeom prst="rect">
             <a:avLst/>
@@ -4942,8 +6296,14 @@
             <a:noFill/>
           </a:ln>
         </p:spPr>
-        <p:txBody>
-          <a:bodyPr tIns="91440" bIns="91440"/>
+        <p:style>
+          <a:lnRef idx="0"/>
+          <a:fillRef idx="0"/>
+          <a:effectRef idx="0"/>
+          <a:fontRef idx="minor"/>
+        </p:style>
+        <p:txBody>
+          <a:bodyPr lIns="90000" rIns="90000" tIns="91440" bIns="91440"/>
           <a:p>
             <a:pPr>
               <a:lnSpc>
@@ -4966,14 +6326,14 @@
       </p:sp>
       <p:sp>
         <p:nvSpPr>
-          <p:cNvPr id="131" name="TextShape 2"/>
-          <p:cNvSpPr txBox="1"/>
+          <p:cNvPr id="164" name="CustomShape 2"/>
+          <p:cNvSpPr/>
           <p:nvPr/>
         </p:nvSpPr>
         <p:spPr>
           <a:xfrm>
             <a:off x="311760" y="743760"/>
-            <a:ext cx="8520120" cy="4116600"/>
+            <a:ext cx="8519760" cy="4116240"/>
           </a:xfrm>
           <a:prstGeom prst="rect">
             <a:avLst/>
@@ -4983,8 +6343,14 @@
             <a:noFill/>
           </a:ln>
         </p:spPr>
-        <p:txBody>
-          <a:bodyPr tIns="91440" bIns="91440"/>
+        <p:style>
+          <a:lnRef idx="0"/>
+          <a:fillRef idx="0"/>
+          <a:effectRef idx="0"/>
+          <a:fontRef idx="minor"/>
+        </p:style>
+        <p:txBody>
+          <a:bodyPr lIns="90000" rIns="90000" tIns="91440" bIns="91440"/>
           <a:p>
             <a:pPr>
               <a:lnSpc>
@@ -5211,6 +6577,60 @@
             </a:r>
             <a:endParaRPr/>
           </a:p>
+          <a:p>
+            <a:pPr>
+              <a:lnSpc>
+                <a:spcPct val="100000"/>
+              </a:lnSpc>
+            </a:pPr>
+            <a:endParaRPr/>
+          </a:p>
+          <a:p>
+            <a:pPr>
+              <a:lnSpc>
+                <a:spcPct val="100000"/>
+              </a:lnSpc>
+            </a:pPr>
+            <a:r>
+              <a:rPr lang="en-US" sz="1400" strike="noStrike">
+                <a:solidFill>
+                  <a:srgbClr val="000000"/>
+                </a:solidFill>
+                <a:latin typeface="Ubuntu"/>
+                <a:ea typeface="Ubuntu"/>
+              </a:rPr>
+              <a:t>Authentication:</a:t>
+            </a:r>
+            <a:endParaRPr/>
+          </a:p>
+          <a:p>
+            <a:pPr>
+              <a:lnSpc>
+                <a:spcPct val="100000"/>
+              </a:lnSpc>
+            </a:pPr>
+            <a:r>
+              <a:rPr lang="en-US" sz="1400" strike="noStrike">
+                <a:solidFill>
+                  <a:srgbClr val="000000"/>
+                </a:solidFill>
+                <a:latin typeface="Ubuntu"/>
+                <a:ea typeface="Ubuntu"/>
+              </a:rPr>
+              <a:t>	</a:t>
+            </a:r>
+            <a:r>
+              <a:rPr lang="en-US" sz="1400" strike="noStrike">
+                <a:solidFill>
+                  <a:srgbClr val="000000"/>
+                </a:solidFill>
+                <a:latin typeface="Ubuntu"/>
+                <a:ea typeface="Ubuntu"/>
+              </a:rPr>
+              <a:t>HMAC SHA-256/128 is suggested for the authentication.</a:t>
+            </a:r>
+            <a:endParaRPr/>
+          </a:p>
         </p:txBody>
       </p:sp>
     </p:spTree>
@@ -5218,10 +6638,10 @@
   <p:timing>
     <p:tnLst>
       <p:par>
-        <p:cTn id="31" dur="indefinite" restart="never" nodeType="tmRoot">
+        <p:cTn id="33" dur="indefinite" restart="never" nodeType="tmRoot">
           <p:childTnLst>
             <p:seq>
-              <p:cTn id="32" nodeType="mainSeq"/>
+              <p:cTn id="34" nodeType="mainSeq"/>
               <p:prevCondLst>
                 <p:cond delay="0" evt="onPrev">
                   <p:tgtEl>
@@ -5264,14 +6684,14 @@
       </p:grpSpPr>
       <p:sp>
         <p:nvSpPr>
-          <p:cNvPr id="132" name="CustomShape 1"/>
+          <p:cNvPr id="165" name="CustomShape 1"/>
           <p:cNvSpPr/>
           <p:nvPr/>
         </p:nvSpPr>
         <p:spPr>
           <a:xfrm>
             <a:off x="2210400" y="2011320"/>
-            <a:ext cx="4315320" cy="1225440"/>
+            <a:ext cx="4314960" cy="1225080"/>
           </a:xfrm>
           <a:prstGeom prst="rect">
             <a:avLst/>
@@ -5288,7 +6708,7 @@
           <a:fontRef idx="minor"/>
         </p:style>
         <p:txBody>
-          <a:bodyPr tIns="91440" bIns="91440"/>
+          <a:bodyPr lIns="90000" rIns="90000" tIns="91440" bIns="91440"/>
           <a:p>
             <a:pPr>
               <a:lnSpc>
@@ -5314,10 +6734,10 @@
   <p:timing>
     <p:tnLst>
       <p:par>
-        <p:cTn id="33" dur="indefinite" restart="never" nodeType="tmRoot">
+        <p:cTn id="35" dur="indefinite" restart="never" nodeType="tmRoot">
           <p:childTnLst>
             <p:seq>
-              <p:cTn id="34" nodeType="mainSeq"/>
+              <p:cTn id="36" nodeType="mainSeq"/>
               <p:prevCondLst>
                 <p:cond delay="0" evt="onPrev">
                   <p:tgtEl>
@@ -5360,14 +6780,14 @@
       </p:grpSpPr>
       <p:sp>
         <p:nvSpPr>
-          <p:cNvPr id="113" name="TextShape 1"/>
-          <p:cNvSpPr txBox="1"/>
+          <p:cNvPr id="146" name="CustomShape 1"/>
+          <p:cNvSpPr/>
           <p:nvPr/>
         </p:nvSpPr>
         <p:spPr>
           <a:xfrm>
             <a:off x="311760" y="444960"/>
-            <a:ext cx="8520120" cy="572400"/>
+            <a:ext cx="8519760" cy="572040"/>
           </a:xfrm>
           <a:prstGeom prst="rect">
             <a:avLst/>
@@ -5377,8 +6797,14 @@
             <a:noFill/>
           </a:ln>
         </p:spPr>
-        <p:txBody>
-          <a:bodyPr tIns="91440" bIns="91440"/>
+        <p:style>
+          <a:lnRef idx="0"/>
+          <a:fillRef idx="0"/>
+          <a:effectRef idx="0"/>
+          <a:fontRef idx="minor"/>
+        </p:style>
+        <p:txBody>
+          <a:bodyPr lIns="90000" rIns="90000" tIns="91440" bIns="91440"/>
           <a:p>
             <a:pPr>
               <a:lnSpc>
@@ -5401,14 +6827,14 @@
       </p:sp>
       <p:sp>
         <p:nvSpPr>
-          <p:cNvPr id="114" name="TextShape 2"/>
-          <p:cNvSpPr txBox="1"/>
+          <p:cNvPr id="147" name="CustomShape 2"/>
+          <p:cNvSpPr/>
           <p:nvPr/>
         </p:nvSpPr>
         <p:spPr>
           <a:xfrm>
             <a:off x="311760" y="1152360"/>
-            <a:ext cx="8520120" cy="3416040"/>
+            <a:ext cx="8519760" cy="3415680"/>
           </a:xfrm>
           <a:prstGeom prst="rect">
             <a:avLst/>
@@ -5418,8 +6844,14 @@
             <a:noFill/>
           </a:ln>
         </p:spPr>
-        <p:txBody>
-          <a:bodyPr tIns="91440" bIns="91440"/>
+        <p:style>
+          <a:lnRef idx="0"/>
+          <a:fillRef idx="0"/>
+          <a:effectRef idx="0"/>
+          <a:fontRef idx="minor"/>
+        </p:style>
+        <p:txBody>
+          <a:bodyPr lIns="90000" rIns="90000" tIns="91440" bIns="91440"/>
           <a:p>
             <a:pPr>
               <a:lnSpc>
@@ -5571,14 +7003,14 @@
       </p:grpSpPr>
       <p:sp>
         <p:nvSpPr>
-          <p:cNvPr id="115" name="TextShape 1"/>
-          <p:cNvSpPr txBox="1"/>
+          <p:cNvPr id="148" name="CustomShape 1"/>
+          <p:cNvSpPr/>
           <p:nvPr/>
         </p:nvSpPr>
         <p:spPr>
           <a:xfrm>
             <a:off x="311760" y="444960"/>
-            <a:ext cx="8520120" cy="572400"/>
+            <a:ext cx="8519760" cy="572040"/>
           </a:xfrm>
           <a:prstGeom prst="rect">
             <a:avLst/>
@@ -5588,8 +7020,14 @@
             <a:noFill/>
           </a:ln>
         </p:spPr>
-        <p:txBody>
-          <a:bodyPr tIns="91440" bIns="91440"/>
+        <p:style>
+          <a:lnRef idx="0"/>
+          <a:fillRef idx="0"/>
+          <a:effectRef idx="0"/>
+          <a:fontRef idx="minor"/>
+        </p:style>
+        <p:txBody>
+          <a:bodyPr lIns="90000" rIns="90000" tIns="91440" bIns="91440"/>
           <a:p>
             <a:pPr>
               <a:lnSpc>
@@ -5612,14 +7050,14 @@
       </p:sp>
       <p:sp>
         <p:nvSpPr>
-          <p:cNvPr id="116" name="TextShape 2"/>
-          <p:cNvSpPr txBox="1"/>
+          <p:cNvPr id="149" name="CustomShape 2"/>
+          <p:cNvSpPr/>
           <p:nvPr/>
         </p:nvSpPr>
         <p:spPr>
           <a:xfrm>
             <a:off x="311760" y="1152360"/>
-            <a:ext cx="8520120" cy="3416040"/>
+            <a:ext cx="8519760" cy="3415680"/>
           </a:xfrm>
           <a:prstGeom prst="rect">
             <a:avLst/>
@@ -5629,13 +7067,21 @@
             <a:noFill/>
           </a:ln>
         </p:spPr>
-        <p:txBody>
-          <a:bodyPr tIns="91440" bIns="91440"/>
+        <p:style>
+          <a:lnRef idx="0"/>
+          <a:fillRef idx="0"/>
+          <a:effectRef idx="0"/>
+          <a:fontRef idx="minor"/>
+        </p:style>
+        <p:txBody>
+          <a:bodyPr lIns="90000" rIns="90000" tIns="91440" bIns="91440"/>
           <a:p>
             <a:pPr>
               <a:lnSpc>
                 <a:spcPct val="100000"/>
               </a:lnSpc>
+              <a:buFont typeface="StarSymbol"/>
+              <a:buChar char=""/>
             </a:pPr>
             <a:r>
               <a:rPr lang="en-US" strike="noStrike">
@@ -5654,6 +7100,8 @@
               <a:lnSpc>
                 <a:spcPct val="100000"/>
               </a:lnSpc>
+              <a:buFont typeface="StarSymbol"/>
+              <a:buChar char=""/>
             </a:pPr>
             <a:r>
               <a:rPr lang="en-US" strike="noStrike">
@@ -5672,6 +7120,8 @@
               <a:lnSpc>
                 <a:spcPct val="100000"/>
               </a:lnSpc>
+              <a:buFont typeface="StarSymbol"/>
+              <a:buChar char=""/>
             </a:pPr>
             <a:r>
               <a:rPr lang="en-US" strike="noStrike">
@@ -5690,6 +7140,8 @@
               <a:lnSpc>
                 <a:spcPct val="100000"/>
               </a:lnSpc>
+              <a:buFont typeface="StarSymbol"/>
+              <a:buChar char=""/>
             </a:pPr>
             <a:r>
               <a:rPr lang="en-US" strike="noStrike">
@@ -5708,6 +7160,8 @@
               <a:lnSpc>
                 <a:spcPct val="100000"/>
               </a:lnSpc>
+              <a:buFont typeface="StarSymbol"/>
+              <a:buChar char=""/>
             </a:pPr>
             <a:r>
               <a:rPr lang="en-US" strike="noStrike">
@@ -5726,6 +7180,8 @@
               <a:lnSpc>
                 <a:spcPct val="100000"/>
               </a:lnSpc>
+              <a:buFont typeface="StarSymbol"/>
+              <a:buChar char=""/>
             </a:pPr>
             <a:r>
               <a:rPr lang="en-US" strike="noStrike">
@@ -5744,6 +7200,8 @@
               <a:lnSpc>
                 <a:spcPct val="100000"/>
               </a:lnSpc>
+              <a:buFont typeface="StarSymbol"/>
+              <a:buChar char=""/>
             </a:pPr>
             <a:r>
               <a:rPr lang="en-US" strike="noStrike">
@@ -5753,7 +7211,7 @@
                 <a:latin typeface="Calibri"/>
                 <a:ea typeface="Calibri"/>
               </a:rPr>
-              <a:t>The last round of encryption/decryption does not have the mixColumns()/InvmixColumns() step. </a:t>
+              <a:t>The last round of encryption/decryption does not have the mixColumns()/InvmixColumns() step.</a:t>
             </a:r>
             <a:endParaRPr/>
           </a:p>
@@ -5798,7 +7256,7 @@
                                           </p:stCondLst>
                                         </p:cTn>
                                         <p:tgtEl>
-                                          <p:spTgt spid="116"/>
+                                          <p:spTgt spid="149"/>
                                         </p:tgtEl>
                                         <p:attrNameLst>
                                           <p:attrName>style.visibility</p:attrName>
@@ -5812,7 +7270,7 @@
                                       <p:cBhvr additive="repl">
                                         <p:cTn id="11" dur="2500"/>
                                         <p:tgtEl>
-                                          <p:spTgt spid="116"/>
+                                          <p:spTgt spid="149"/>
                                         </p:tgtEl>
                                       </p:cBhvr>
                                     </p:animEffect>
@@ -5869,14 +7327,14 @@
       </p:grpSpPr>
       <p:sp>
         <p:nvSpPr>
-          <p:cNvPr id="117" name="TextShape 1"/>
-          <p:cNvSpPr txBox="1"/>
+          <p:cNvPr id="150" name="CustomShape 1"/>
+          <p:cNvSpPr/>
           <p:nvPr/>
         </p:nvSpPr>
         <p:spPr>
           <a:xfrm>
             <a:off x="311760" y="199080"/>
-            <a:ext cx="8520120" cy="502560"/>
+            <a:ext cx="8519760" cy="502200"/>
           </a:xfrm>
           <a:prstGeom prst="rect">
             <a:avLst/>
@@ -5886,8 +7344,14 @@
             <a:noFill/>
           </a:ln>
         </p:spPr>
-        <p:txBody>
-          <a:bodyPr tIns="91440" bIns="91440"/>
+        <p:style>
+          <a:lnRef idx="0"/>
+          <a:fillRef idx="0"/>
+          <a:effectRef idx="0"/>
+          <a:fontRef idx="minor"/>
+        </p:style>
+        <p:txBody>
+          <a:bodyPr lIns="90000" rIns="90000" tIns="91440" bIns="91440"/>
           <a:p>
             <a:pPr>
               <a:lnSpc>
@@ -5910,7 +7374,7 @@
       </p:sp>
       <p:pic>
         <p:nvPicPr>
-          <p:cNvPr id="118" name="Shape 73" descr=""/>
+          <p:cNvPr id="151" name="Shape 73" descr=""/>
           <p:cNvPicPr/>
           <p:nvPr/>
         </p:nvPicPr>
@@ -5921,7 +7385,7 @@
         <p:spPr>
           <a:xfrm>
             <a:off x="104760" y="1035360"/>
-            <a:ext cx="8966880" cy="3866760"/>
+            <a:ext cx="8966520" cy="3866400"/>
           </a:xfrm>
           <a:prstGeom prst="rect">
             <a:avLst/>
@@ -5982,14 +7446,14 @@
       </p:grpSpPr>
       <p:sp>
         <p:nvSpPr>
-          <p:cNvPr id="119" name="TextShape 1"/>
-          <p:cNvSpPr txBox="1"/>
+          <p:cNvPr id="152" name="CustomShape 1"/>
+          <p:cNvSpPr/>
           <p:nvPr/>
         </p:nvSpPr>
         <p:spPr>
           <a:xfrm>
             <a:off x="311760" y="225000"/>
-            <a:ext cx="8520120" cy="4692960"/>
+            <a:ext cx="8519760" cy="4692600"/>
           </a:xfrm>
           <a:prstGeom prst="rect">
             <a:avLst/>
@@ -5999,8 +7463,14 @@
             <a:noFill/>
           </a:ln>
         </p:spPr>
-        <p:txBody>
-          <a:bodyPr tIns="91440" bIns="91440"/>
+        <p:style>
+          <a:lnRef idx="0"/>
+          <a:fillRef idx="0"/>
+          <a:effectRef idx="0"/>
+          <a:fontRef idx="minor"/>
+        </p:style>
+        <p:txBody>
+          <a:bodyPr lIns="90000" rIns="90000" tIns="91440" bIns="91440"/>
           <a:p>
             <a:pPr>
               <a:lnSpc>
@@ -6101,13 +7571,13 @@
       </p:sp>
       <p:graphicFrame>
         <p:nvGraphicFramePr>
-          <p:cNvPr id="120" name="Table 2"/>
+          <p:cNvPr id="153" name="Table 2"/>
           <p:cNvGraphicFramePr/>
           <p:nvPr/>
         </p:nvGraphicFramePr>
         <p:xfrm>
           <a:off x="2126520" y="2234520"/>
-          <a:ext cx="4289040" cy="2397240"/>
+          <a:ext cx="4288680" cy="2396880"/>
         </p:xfrm>
         <a:graphic>
           <a:graphicData uri="http://schemas.openxmlformats.org/drawingml/2006/table">
@@ -6121,7 +7591,7 @@
               <a:tr h="951480">
                 <a:tc>
                   <a:txBody>
-                    <a:bodyPr lIns="91080" rIns="91080" tIns="91080" bIns="91080"/>
+                    <a:bodyPr/>
                     <a:p>
                       <a:pPr>
                         <a:lnSpc>
@@ -6153,7 +7623,7 @@
                 </a:tc>
                 <a:tc>
                   <a:txBody>
-                    <a:bodyPr lIns="91080" rIns="91080" tIns="91080" bIns="91080"/>
+                    <a:bodyPr/>
                     <a:p>
                       <a:pPr>
                         <a:lnSpc>
@@ -6195,7 +7665,7 @@
                 </a:tc>
                 <a:tc>
                   <a:txBody>
-                    <a:bodyPr lIns="91080" rIns="91080" tIns="91080" bIns="91080"/>
+                    <a:bodyPr/>
                     <a:p>
                       <a:pPr>
                         <a:lnSpc>
@@ -6239,7 +7709,7 @@
               <a:tr h="460080">
                 <a:tc>
                   <a:txBody>
-                    <a:bodyPr lIns="91080" rIns="91080" tIns="91080" bIns="91080"/>
+                    <a:bodyPr/>
                     <a:p>
                       <a:pPr>
                         <a:lnSpc>
@@ -6263,7 +7733,7 @@
                 </a:tc>
                 <a:tc>
                   <a:txBody>
-                    <a:bodyPr lIns="91080" rIns="91080" tIns="91080" bIns="91080"/>
+                    <a:bodyPr/>
                     <a:p>
                       <a:pPr>
                         <a:lnSpc>
@@ -6287,7 +7757,7 @@
                 </a:tc>
                 <a:tc>
                   <a:txBody>
-                    <a:bodyPr lIns="91080" rIns="91080" tIns="91080" bIns="91080"/>
+                    <a:bodyPr/>
                     <a:p>
                       <a:pPr>
                         <a:lnSpc>
@@ -6313,7 +7783,7 @@
               <a:tr h="460080">
                 <a:tc>
                   <a:txBody>
-                    <a:bodyPr lIns="91080" rIns="91080" tIns="91080" bIns="91080"/>
+                    <a:bodyPr/>
                     <a:p>
                       <a:pPr>
                         <a:lnSpc>
@@ -6337,7 +7807,7 @@
                 </a:tc>
                 <a:tc>
                   <a:txBody>
-                    <a:bodyPr lIns="91080" rIns="91080" tIns="91080" bIns="91080"/>
+                    <a:bodyPr/>
                     <a:p>
                       <a:pPr>
                         <a:lnSpc>
@@ -6361,7 +7831,7 @@
                 </a:tc>
                 <a:tc>
                   <a:txBody>
-                    <a:bodyPr lIns="91080" rIns="91080" tIns="91080" bIns="91080"/>
+                    <a:bodyPr/>
                     <a:p>
                       <a:pPr>
                         <a:lnSpc>
@@ -6387,7 +7857,7 @@
               <a:tr h="525600">
                 <a:tc>
                   <a:txBody>
-                    <a:bodyPr lIns="91080" rIns="91080" tIns="91080" bIns="91080"/>
+                    <a:bodyPr/>
                     <a:p>
                       <a:pPr>
                         <a:lnSpc>
@@ -6411,7 +7881,7 @@
                 </a:tc>
                 <a:tc>
                   <a:txBody>
-                    <a:bodyPr lIns="91080" rIns="91080" tIns="91080" bIns="91080"/>
+                    <a:bodyPr/>
                     <a:p>
                       <a:pPr>
                         <a:lnSpc>
@@ -6435,7 +7905,7 @@
                 </a:tc>
                 <a:tc>
                   <a:txBody>
-                    <a:bodyPr lIns="91080" rIns="91080" tIns="91080" bIns="91080"/>
+                    <a:bodyPr/>
                     <a:p>
                       <a:pPr>
                         <a:lnSpc>
@@ -6498,7 +7968,7 @@
                                           </p:stCondLst>
                                         </p:cTn>
                                         <p:tgtEl>
-                                          <p:spTgt spid="120"/>
+                                          <p:spTgt spid="153"/>
                                         </p:tgtEl>
                                         <p:attrNameLst>
                                           <p:attrName>style.visibility</p:attrName>
@@ -6512,7 +7982,7 @@
                                       <p:cBhvr additive="repl">
                                         <p:cTn id="20" dur="1000"/>
                                         <p:tgtEl>
-                                          <p:spTgt spid="120"/>
+                                          <p:spTgt spid="153"/>
                                         </p:tgtEl>
                                       </p:cBhvr>
                                     </p:animEffect>
@@ -6569,14 +8039,14 @@
       </p:grpSpPr>
       <p:sp>
         <p:nvSpPr>
-          <p:cNvPr id="121" name="TextShape 1"/>
-          <p:cNvSpPr txBox="1"/>
+          <p:cNvPr id="154" name="CustomShape 1"/>
+          <p:cNvSpPr/>
           <p:nvPr/>
         </p:nvSpPr>
         <p:spPr>
           <a:xfrm>
             <a:off x="311760" y="219960"/>
-            <a:ext cx="8520120" cy="4629960"/>
+            <a:ext cx="8519760" cy="4629600"/>
           </a:xfrm>
           <a:prstGeom prst="rect">
             <a:avLst/>
@@ -6586,8 +8056,14 @@
             <a:noFill/>
           </a:ln>
         </p:spPr>
-        <p:txBody>
-          <a:bodyPr tIns="91440" bIns="91440"/>
+        <p:style>
+          <a:lnRef idx="0"/>
+          <a:fillRef idx="0"/>
+          <a:effectRef idx="0"/>
+          <a:fontRef idx="minor"/>
+        </p:style>
+        <p:txBody>
+          <a:bodyPr lIns="90000" rIns="90000" tIns="91440" bIns="91440"/>
           <a:p>
             <a:pPr>
               <a:lnSpc>
@@ -6648,6 +8124,16 @@
                 <a:latin typeface="Arial"/>
                 <a:ea typeface="Arial"/>
               </a:rPr>
+              <a:t>	</a:t>
+            </a:r>
+            <a:r>
+              <a:rPr lang="en-US" sz="1400" strike="noStrike">
+                <a:solidFill>
+                  <a:srgbClr val="000000"/>
+                </a:solidFill>
+                <a:latin typeface="Arial"/>
+                <a:ea typeface="Arial"/>
+              </a:rPr>
               <a:t>we use a lookup table of size 16*16 to replace the bytes indexed by the row.</a:t>
             </a:r>
             <a:endParaRPr/>
@@ -6676,6 +8162,16 @@
                 <a:latin typeface="Arial"/>
                 <a:ea typeface="Arial"/>
               </a:rPr>
+              <a:t>	</a:t>
+            </a:r>
+            <a:r>
+              <a:rPr lang="en-US" sz="1400" strike="noStrike">
+                <a:solidFill>
+                  <a:srgbClr val="000000"/>
+                </a:solidFill>
+                <a:latin typeface="Arial"/>
+                <a:ea typeface="Arial"/>
+              </a:rPr>
               <a:t>The lookup table is called S-box.</a:t>
             </a:r>
             <a:endParaRPr/>
@@ -6684,7 +8180,7 @@
       </p:sp>
       <p:pic>
         <p:nvPicPr>
-          <p:cNvPr id="122" name="Shape 91" descr=""/>
+          <p:cNvPr id="155" name="Shape 91" descr=""/>
           <p:cNvPicPr/>
           <p:nvPr/>
         </p:nvPicPr>
@@ -6695,7 +8191,7 @@
         <p:spPr>
           <a:xfrm>
             <a:off x="3749040" y="1828800"/>
-            <a:ext cx="4097520" cy="2853360"/>
+            <a:ext cx="4097160" cy="2853000"/>
           </a:xfrm>
           <a:prstGeom prst="rect">
             <a:avLst/>
@@ -6756,14 +8252,14 @@
       </p:grpSpPr>
       <p:sp>
         <p:nvSpPr>
-          <p:cNvPr id="123" name="TextShape 1"/>
-          <p:cNvSpPr txBox="1"/>
+          <p:cNvPr id="156" name="CustomShape 1"/>
+          <p:cNvSpPr/>
           <p:nvPr/>
         </p:nvSpPr>
         <p:spPr>
           <a:xfrm>
             <a:off x="311760" y="230400"/>
-            <a:ext cx="8520120" cy="4338000"/>
+            <a:ext cx="8519760" cy="4337640"/>
           </a:xfrm>
           <a:prstGeom prst="rect">
             <a:avLst/>
@@ -6773,8 +8269,14 @@
             <a:noFill/>
           </a:ln>
         </p:spPr>
-        <p:txBody>
-          <a:bodyPr tIns="91440" bIns="91440"/>
+        <p:style>
+          <a:lnRef idx="0"/>
+          <a:fillRef idx="0"/>
+          <a:effectRef idx="0"/>
+          <a:fontRef idx="minor"/>
+        </p:style>
+        <p:txBody>
+          <a:bodyPr lIns="90000" rIns="90000" tIns="91440" bIns="91440"/>
           <a:p>
             <a:pPr>
               <a:lnSpc>
@@ -6807,6 +8309,16 @@
                 <a:latin typeface="Ubuntu"/>
                 <a:ea typeface="Ubuntu"/>
               </a:rPr>
+              <a:t>	</a:t>
+            </a:r>
+            <a:r>
+              <a:rPr lang="en-US" sz="1400" strike="noStrike">
+                <a:solidFill>
+                  <a:srgbClr val="000000"/>
+                </a:solidFill>
+                <a:latin typeface="Ubuntu"/>
+                <a:ea typeface="Ubuntu"/>
+              </a:rPr>
               <a:t>In this step, we just left shift elements in the rows of the matrix formed from the subBytes() process. </a:t>
             </a:r>
             <a:endParaRPr/>
@@ -6825,6 +8337,16 @@
                 <a:latin typeface="Ubuntu"/>
                 <a:ea typeface="Ubuntu"/>
               </a:rPr>
+              <a:t>	</a:t>
+            </a:r>
+            <a:r>
+              <a:rPr lang="en-US" sz="1400" strike="noStrike">
+                <a:solidFill>
+                  <a:srgbClr val="000000"/>
+                </a:solidFill>
+                <a:latin typeface="Ubuntu"/>
+                <a:ea typeface="Ubuntu"/>
+              </a:rPr>
               <a:t>1</a:t>
             </a:r>
             <a:r>
@@ -6863,6 +8385,16 @@
                 <a:latin typeface="Ubuntu"/>
                 <a:ea typeface="Ubuntu"/>
               </a:rPr>
+              <a:t>	</a:t>
+            </a:r>
+            <a:r>
+              <a:rPr lang="en-US" sz="1400" strike="noStrike">
+                <a:solidFill>
+                  <a:srgbClr val="000000"/>
+                </a:solidFill>
+                <a:latin typeface="Ubuntu"/>
+                <a:ea typeface="Ubuntu"/>
+              </a:rPr>
               <a:t>2</a:t>
             </a:r>
             <a:r>
@@ -6901,6 +8433,16 @@
                 <a:latin typeface="Ubuntu"/>
                 <a:ea typeface="Ubuntu"/>
               </a:rPr>
+              <a:t>	</a:t>
+            </a:r>
+            <a:r>
+              <a:rPr lang="en-US" sz="1400" strike="noStrike">
+                <a:solidFill>
+                  <a:srgbClr val="000000"/>
+                </a:solidFill>
+                <a:latin typeface="Ubuntu"/>
+                <a:ea typeface="Ubuntu"/>
+              </a:rPr>
               <a:t>3</a:t>
             </a:r>
             <a:r>
@@ -6931,6 +8473,16 @@
                 <a:spcPct val="100000"/>
               </a:lnSpc>
             </a:pPr>
+            <a:r>
+              <a:rPr lang="en-US" sz="1400" strike="noStrike">
+                <a:solidFill>
+                  <a:srgbClr val="000000"/>
+                </a:solidFill>
+                <a:latin typeface="Ubuntu"/>
+                <a:ea typeface="Ubuntu"/>
+              </a:rPr>
+              <a:t>	</a:t>
+            </a:r>
             <a:r>
               <a:rPr lang="en-US" sz="1400" strike="noStrike">
                 <a:solidFill>
@@ -7024,14 +8576,14 @@
       </p:grpSpPr>
       <p:sp>
         <p:nvSpPr>
-          <p:cNvPr id="124" name="TextShape 1"/>
-          <p:cNvSpPr txBox="1"/>
+          <p:cNvPr id="157" name="CustomShape 1"/>
+          <p:cNvSpPr/>
           <p:nvPr/>
         </p:nvSpPr>
         <p:spPr>
           <a:xfrm>
             <a:off x="311760" y="362880"/>
-            <a:ext cx="8520120" cy="4633920"/>
+            <a:ext cx="8519760" cy="4633560"/>
           </a:xfrm>
           <a:prstGeom prst="rect">
             <a:avLst/>
@@ -7041,8 +8593,14 @@
             <a:noFill/>
           </a:ln>
         </p:spPr>
-        <p:txBody>
-          <a:bodyPr tIns="91440" bIns="91440"/>
+        <p:style>
+          <a:lnRef idx="0"/>
+          <a:fillRef idx="0"/>
+          <a:effectRef idx="0"/>
+          <a:fontRef idx="minor"/>
+        </p:style>
+        <p:txBody>
+          <a:bodyPr lIns="90000" rIns="90000" tIns="91440" bIns="91440"/>
           <a:p>
             <a:pPr>
               <a:lnSpc>
@@ -7101,7 +8659,7 @@
       </p:sp>
       <p:pic>
         <p:nvPicPr>
-          <p:cNvPr id="125" name="Shape 102" descr=""/>
+          <p:cNvPr id="158" name="Shape 102" descr=""/>
           <p:cNvPicPr/>
           <p:nvPr/>
         </p:nvPicPr>
@@ -7112,7 +8670,7 @@
         <p:spPr>
           <a:xfrm>
             <a:off x="1414080" y="1437480"/>
-            <a:ext cx="5729760" cy="3443760"/>
+            <a:ext cx="5729400" cy="3443400"/>
           </a:xfrm>
           <a:prstGeom prst="rect">
             <a:avLst/>
@@ -7173,14 +8731,14 @@
       </p:grpSpPr>
       <p:sp>
         <p:nvSpPr>
-          <p:cNvPr id="126" name="TextShape 1"/>
-          <p:cNvSpPr txBox="1"/>
+          <p:cNvPr id="159" name="CustomShape 1"/>
+          <p:cNvSpPr/>
           <p:nvPr/>
         </p:nvSpPr>
         <p:spPr>
           <a:xfrm>
             <a:off x="311760" y="217080"/>
-            <a:ext cx="8520120" cy="4841280"/>
+            <a:ext cx="8519760" cy="4840920"/>
           </a:xfrm>
           <a:prstGeom prst="rect">
             <a:avLst/>
@@ -7190,8 +8748,14 @@
             <a:noFill/>
           </a:ln>
         </p:spPr>
-        <p:txBody>
-          <a:bodyPr tIns="91440" bIns="91440"/>
+        <p:style>
+          <a:lnRef idx="0"/>
+          <a:fillRef idx="0"/>
+          <a:effectRef idx="0"/>
+          <a:fontRef idx="minor"/>
+        </p:style>
+        <p:txBody>
+          <a:bodyPr lIns="90000" rIns="90000" tIns="91440" bIns="91440"/>
           <a:p>
             <a:pPr>
               <a:lnSpc>
@@ -7268,7 +8832,7 @@
       </p:sp>
       <p:pic>
         <p:nvPicPr>
-          <p:cNvPr id="127" name="Shape 108" descr=""/>
+          <p:cNvPr id="160" name="Shape 108" descr=""/>
           <p:cNvPicPr/>
           <p:nvPr/>
         </p:nvPicPr>
@@ -7279,7 +8843,7 @@
         <p:spPr>
           <a:xfrm>
             <a:off x="1428120" y="1621080"/>
-            <a:ext cx="5799960" cy="3437280"/>
+            <a:ext cx="5799600" cy="3436920"/>
           </a:xfrm>
           <a:prstGeom prst="rect">
             <a:avLst/>
@@ -7988,4 +9552,227 @@
     </a:fmtScheme>
   </a:themeElements>
 </a:theme>
+</file>
+
+<file path=ppt/theme/theme4.xml><?xml version="1.0" encoding="utf-8"?>
+<a:theme xmlns:a="http://schemas.openxmlformats.org/drawingml/2006/main" name="Office Theme">
+  <a:themeElements>
+    <a:clrScheme name="Office">
+      <a:dk1>
+        <a:sysClr val="windowText" lastClr="000000"/>
+      </a:dk1>
+      <a:lt1>
+        <a:sysClr val="window" lastClr="FFFFFF"/>
+      </a:lt1>
+      <a:dk2>
+        <a:srgbClr val="1F497D"/>
+      </a:dk2>
+      <a:lt2>
+        <a:srgbClr val="EEECE1"/>
+      </a:lt2>
+      <a:accent1>
+        <a:srgbClr val="4F81BD"/>
+      </a:accent1>
+      <a:accent2>
+        <a:srgbClr val="C0504D"/>
+      </a:accent2>
+      <a:accent3>
+        <a:srgbClr val="9BBB59"/>
+      </a:accent3>
+      <a:accent4>
+        <a:srgbClr val="8064A2"/>
+      </a:accent4>
+      <a:accent5>
+        <a:srgbClr val="4BACC6"/>
+      </a:accent5>
+      <a:accent6>
+        <a:srgbClr val="F79646"/>
+      </a:accent6>
+      <a:hlink>
+        <a:srgbClr val="0000FF"/>
+      </a:hlink>
+      <a:folHlink>
+        <a:srgbClr val="800080"/>
+      </a:folHlink>
+    </a:clrScheme>
+    <a:fontScheme name="Office">
+      <a:majorFont>
+        <a:latin typeface="Arial"/>
+        <a:ea typeface="DejaVu Sans"/>
+        <a:cs typeface="DejaVu Sans"/>
+      </a:majorFont>
+      <a:minorFont>
+        <a:latin typeface="Arial"/>
+        <a:ea typeface="DejaVu Sans"/>
+        <a:cs typeface="DejaVu Sans"/>
+      </a:minorFont>
+    </a:fontScheme>
+    <a:fmtScheme name="Office">
+      <a:fillStyleLst>
+        <a:solidFill>
+          <a:schemeClr val="phClr"/>
+        </a:solidFill>
+        <a:gradFill rotWithShape="1">
+          <a:gsLst>
+            <a:gs pos="0">
+              <a:schemeClr val="phClr">
+                <a:tint val="50000"/>
+                <a:satMod val="300000"/>
+              </a:schemeClr>
+            </a:gs>
+            <a:gs pos="35000">
+              <a:schemeClr val="phClr">
+                <a:tint val="37000"/>
+                <a:satMod val="300000"/>
+              </a:schemeClr>
+            </a:gs>
+            <a:gs pos="100000">
+              <a:schemeClr val="phClr">
+                <a:tint val="15000"/>
+                <a:satMod val="350000"/>
+              </a:schemeClr>
+            </a:gs>
+          </a:gsLst>
+          <a:lin ang="16200000" scaled="1"/>
+        </a:gradFill>
+        <a:gradFill rotWithShape="1">
+          <a:gsLst>
+            <a:gs pos="0">
+              <a:schemeClr val="phClr">
+                <a:shade val="51000"/>
+                <a:satMod val="130000"/>
+              </a:schemeClr>
+            </a:gs>
+            <a:gs pos="80000">
+              <a:schemeClr val="phClr">
+                <a:shade val="93000"/>
+                <a:satMod val="130000"/>
+              </a:schemeClr>
+            </a:gs>
+            <a:gs pos="100000">
+              <a:schemeClr val="phClr">
+                <a:shade val="94000"/>
+                <a:satMod val="135000"/>
+              </a:schemeClr>
+            </a:gs>
+          </a:gsLst>
+          <a:lin ang="16200000" scaled="0"/>
+        </a:gradFill>
+      </a:fillStyleLst>
+      <a:lnStyleLst>
+        <a:ln w="9525" cap="flat" cmpd="sng" algn="ctr">
+          <a:solidFill>
+            <a:schemeClr val="phClr">
+              <a:shade val="95000"/>
+              <a:satMod val="105000"/>
+            </a:schemeClr>
+          </a:solidFill>
+          <a:prstDash val="solid"/>
+        </a:ln>
+        <a:ln w="25400" cap="flat" cmpd="sng" algn="ctr">
+          <a:solidFill>
+            <a:schemeClr val="phClr"/>
+          </a:solidFill>
+          <a:prstDash val="solid"/>
+        </a:ln>
+        <a:ln w="38100" cap="flat" cmpd="sng" algn="ctr">
+          <a:solidFill>
+            <a:schemeClr val="phClr"/>
+          </a:solidFill>
+          <a:prstDash val="solid"/>
+        </a:ln>
+      </a:lnStyleLst>
+      <a:effectStyleLst>
+        <a:effectStyle>
+          <a:effectLst>
+            <a:outerShdw blurRad="40000" dist="20000" dir="5400000" rotWithShape="0">
+              <a:srgbClr val="000000">
+                <a:alpha val="38000"/>
+              </a:srgbClr>
+            </a:outerShdw>
+          </a:effectLst>
+        </a:effectStyle>
+        <a:effectStyle>
+          <a:effectLst>
+            <a:outerShdw blurRad="40000" dist="23000" dir="5400000" rotWithShape="0">
+              <a:srgbClr val="000000">
+                <a:alpha val="35000"/>
+              </a:srgbClr>
+            </a:outerShdw>
+          </a:effectLst>
+        </a:effectStyle>
+        <a:effectStyle>
+          <a:effectLst>
+            <a:outerShdw blurRad="40000" dist="23000" dir="5400000" rotWithShape="0">
+              <a:srgbClr val="000000">
+                <a:alpha val="35000"/>
+              </a:srgbClr>
+            </a:outerShdw>
+          </a:effectLst>
+          <a:scene3d>
+            <a:camera prst="orthographicFront">
+              <a:rot lat="0" lon="0" rev="0"/>
+            </a:camera>
+            <a:lightRig rig="threePt" dir="t">
+              <a:rot lat="0" lon="0" rev="1200000"/>
+            </a:lightRig>
+          </a:scene3d>
+          <a:sp3d>
+            <a:bevelT w="63500" h="25400"/>
+          </a:sp3d>
+        </a:effectStyle>
+      </a:effectStyleLst>
+      <a:bgFillStyleLst>
+        <a:solidFill>
+          <a:schemeClr val="phClr"/>
+        </a:solidFill>
+        <a:gradFill rotWithShape="1">
+          <a:gsLst>
+            <a:gs pos="0">
+              <a:schemeClr val="phClr">
+                <a:tint val="40000"/>
+                <a:satMod val="350000"/>
+              </a:schemeClr>
+            </a:gs>
+            <a:gs pos="40000">
+              <a:schemeClr val="phClr">
+                <a:tint val="45000"/>
+                <a:shade val="99000"/>
+                <a:satMod val="350000"/>
+              </a:schemeClr>
+            </a:gs>
+            <a:gs pos="100000">
+              <a:schemeClr val="phClr">
+                <a:shade val="20000"/>
+                <a:satMod val="255000"/>
+              </a:schemeClr>
+            </a:gs>
+          </a:gsLst>
+          <a:path path="circle">
+            <a:fillToRect l="50000" t="-80000" r="50000" b="180000"/>
+          </a:path>
+        </a:gradFill>
+        <a:gradFill rotWithShape="1">
+          <a:gsLst>
+            <a:gs pos="0">
+              <a:schemeClr val="phClr">
+                <a:tint val="80000"/>
+                <a:satMod val="300000"/>
+              </a:schemeClr>
+            </a:gs>
+            <a:gs pos="100000">
+              <a:schemeClr val="phClr">
+                <a:shade val="30000"/>
+                <a:satMod val="200000"/>
+              </a:schemeClr>
+            </a:gs>
+          </a:gsLst>
+          <a:path path="circle">
+            <a:fillToRect l="50000" t="50000" r="50000" b="50000"/>
+          </a:path>
+        </a:gradFill>
+      </a:bgFillStyleLst>
+    </a:fmtScheme>
+  </a:themeElements>
+</a:theme>
 </file>